--- a/aaai/figure/新建 Microsoft PowerPoint 演示文稿.pptx
+++ b/aaai/figure/新建 Microsoft PowerPoint 演示文稿.pptx
@@ -4,11 +4,19 @@
   <p:sldMasterIdLst>
     <p:sldMasterId id="2147483648" r:id="rId1"/>
   </p:sldMasterIdLst>
+  <p:notesMasterIdLst>
+    <p:notesMasterId r:id="rId11"/>
+  </p:notesMasterIdLst>
   <p:sldIdLst>
     <p:sldId id="256" r:id="rId2"/>
     <p:sldId id="257" r:id="rId3"/>
     <p:sldId id="258" r:id="rId4"/>
     <p:sldId id="259" r:id="rId5"/>
+    <p:sldId id="260" r:id="rId6"/>
+    <p:sldId id="261" r:id="rId7"/>
+    <p:sldId id="262" r:id="rId8"/>
+    <p:sldId id="263" r:id="rId9"/>
+    <p:sldId id="264" r:id="rId10"/>
   </p:sldIdLst>
   <p:sldSz cx="9144000" cy="6858000" type="screen4x3"/>
   <p:notesSz cx="6858000" cy="9144000"/>
@@ -110,6 +118,440 @@
 </p:presentation>
 </file>
 
+<file path=ppt/notesMasters/notesMaster1.xml><?xml version="1.0" encoding="utf-8"?>
+<p:notesMaster xmlns:a="http://schemas.openxmlformats.org/drawingml/2006/main" xmlns:r="http://schemas.openxmlformats.org/officeDocument/2006/relationships" xmlns:p="http://schemas.openxmlformats.org/presentationml/2006/main">
+  <p:cSld>
+    <p:bg>
+      <p:bgRef idx="1001">
+        <a:schemeClr val="bg1"/>
+      </p:bgRef>
+    </p:bg>
+    <p:spTree>
+      <p:nvGrpSpPr>
+        <p:cNvPr id="1" name=""/>
+        <p:cNvGrpSpPr/>
+        <p:nvPr/>
+      </p:nvGrpSpPr>
+      <p:grpSpPr>
+        <a:xfrm>
+          <a:off x="0" y="0"/>
+          <a:ext cx="0" cy="0"/>
+          <a:chOff x="0" y="0"/>
+          <a:chExt cx="0" cy="0"/>
+        </a:xfrm>
+      </p:grpSpPr>
+      <p:sp>
+        <p:nvSpPr>
+          <p:cNvPr id="2" name="页眉占位符 1"/>
+          <p:cNvSpPr>
+            <a:spLocks noGrp="1"/>
+          </p:cNvSpPr>
+          <p:nvPr>
+            <p:ph type="hdr" sz="quarter"/>
+          </p:nvPr>
+        </p:nvSpPr>
+        <p:spPr>
+          <a:xfrm>
+            <a:off x="0" y="0"/>
+            <a:ext cx="2971800" cy="457200"/>
+          </a:xfrm>
+          <a:prstGeom prst="rect">
+            <a:avLst/>
+          </a:prstGeom>
+        </p:spPr>
+        <p:txBody>
+          <a:bodyPr vert="horz" lIns="91440" tIns="45720" rIns="91440" bIns="45720" rtlCol="0"/>
+          <a:lstStyle>
+            <a:lvl1pPr algn="l">
+              <a:defRPr sz="1200"/>
+            </a:lvl1pPr>
+          </a:lstStyle>
+          <a:p>
+            <a:endParaRPr lang="zh-CN" altLang="en-US"/>
+          </a:p>
+        </p:txBody>
+      </p:sp>
+      <p:sp>
+        <p:nvSpPr>
+          <p:cNvPr id="3" name="日期占位符 2"/>
+          <p:cNvSpPr>
+            <a:spLocks noGrp="1"/>
+          </p:cNvSpPr>
+          <p:nvPr>
+            <p:ph type="dt" idx="1"/>
+          </p:nvPr>
+        </p:nvSpPr>
+        <p:spPr>
+          <a:xfrm>
+            <a:off x="3884613" y="0"/>
+            <a:ext cx="2971800" cy="457200"/>
+          </a:xfrm>
+          <a:prstGeom prst="rect">
+            <a:avLst/>
+          </a:prstGeom>
+        </p:spPr>
+        <p:txBody>
+          <a:bodyPr vert="horz" lIns="91440" tIns="45720" rIns="91440" bIns="45720" rtlCol="0"/>
+          <a:lstStyle>
+            <a:lvl1pPr algn="r">
+              <a:defRPr sz="1200"/>
+            </a:lvl1pPr>
+          </a:lstStyle>
+          <a:p>
+            <a:fld id="{C9101815-F82A-4ADA-8AC6-88F7F9FA267D}" type="datetimeFigureOut">
+              <a:rPr lang="zh-CN" altLang="en-US" smtClean="0"/>
+              <a:t>2017/2/26</a:t>
+            </a:fld>
+            <a:endParaRPr lang="zh-CN" altLang="en-US"/>
+          </a:p>
+        </p:txBody>
+      </p:sp>
+      <p:sp>
+        <p:nvSpPr>
+          <p:cNvPr id="4" name="幻灯片图像占位符 3"/>
+          <p:cNvSpPr>
+            <a:spLocks noGrp="1" noRot="1" noChangeAspect="1"/>
+          </p:cNvSpPr>
+          <p:nvPr>
+            <p:ph type="sldImg" idx="2"/>
+          </p:nvPr>
+        </p:nvSpPr>
+        <p:spPr>
+          <a:xfrm>
+            <a:off x="1143000" y="685800"/>
+            <a:ext cx="4572000" cy="3429000"/>
+          </a:xfrm>
+          <a:prstGeom prst="rect">
+            <a:avLst/>
+          </a:prstGeom>
+          <a:noFill/>
+          <a:ln w="12700">
+            <a:solidFill>
+              <a:prstClr val="black"/>
+            </a:solidFill>
+          </a:ln>
+        </p:spPr>
+        <p:txBody>
+          <a:bodyPr vert="horz" lIns="91440" tIns="45720" rIns="91440" bIns="45720" rtlCol="0" anchor="ctr"/>
+          <a:lstStyle/>
+          <a:p>
+            <a:endParaRPr lang="zh-CN" altLang="en-US"/>
+          </a:p>
+        </p:txBody>
+      </p:sp>
+      <p:sp>
+        <p:nvSpPr>
+          <p:cNvPr id="5" name="备注占位符 4"/>
+          <p:cNvSpPr>
+            <a:spLocks noGrp="1"/>
+          </p:cNvSpPr>
+          <p:nvPr>
+            <p:ph type="body" sz="quarter" idx="3"/>
+          </p:nvPr>
+        </p:nvSpPr>
+        <p:spPr>
+          <a:xfrm>
+            <a:off x="685800" y="4343400"/>
+            <a:ext cx="5486400" cy="4114800"/>
+          </a:xfrm>
+          <a:prstGeom prst="rect">
+            <a:avLst/>
+          </a:prstGeom>
+        </p:spPr>
+        <p:txBody>
+          <a:bodyPr vert="horz" lIns="91440" tIns="45720" rIns="91440" bIns="45720" rtlCol="0"/>
+          <a:lstStyle/>
+          <a:p>
+            <a:pPr lvl="0"/>
+            <a:r>
+              <a:rPr lang="zh-CN" altLang="en-US" smtClean="0"/>
+              <a:t>单击此处编辑母版文本样式</a:t>
+            </a:r>
+          </a:p>
+          <a:p>
+            <a:pPr lvl="1"/>
+            <a:r>
+              <a:rPr lang="zh-CN" altLang="en-US" smtClean="0"/>
+              <a:t>第二级</a:t>
+            </a:r>
+          </a:p>
+          <a:p>
+            <a:pPr lvl="2"/>
+            <a:r>
+              <a:rPr lang="zh-CN" altLang="en-US" smtClean="0"/>
+              <a:t>第三级</a:t>
+            </a:r>
+          </a:p>
+          <a:p>
+            <a:pPr lvl="3"/>
+            <a:r>
+              <a:rPr lang="zh-CN" altLang="en-US" smtClean="0"/>
+              <a:t>第四级</a:t>
+            </a:r>
+          </a:p>
+          <a:p>
+            <a:pPr lvl="4"/>
+            <a:r>
+              <a:rPr lang="zh-CN" altLang="en-US" smtClean="0"/>
+              <a:t>第五级</a:t>
+            </a:r>
+            <a:endParaRPr lang="zh-CN" altLang="en-US"/>
+          </a:p>
+        </p:txBody>
+      </p:sp>
+      <p:sp>
+        <p:nvSpPr>
+          <p:cNvPr id="6" name="页脚占位符 5"/>
+          <p:cNvSpPr>
+            <a:spLocks noGrp="1"/>
+          </p:cNvSpPr>
+          <p:nvPr>
+            <p:ph type="ftr" sz="quarter" idx="4"/>
+          </p:nvPr>
+        </p:nvSpPr>
+        <p:spPr>
+          <a:xfrm>
+            <a:off x="0" y="8685213"/>
+            <a:ext cx="2971800" cy="457200"/>
+          </a:xfrm>
+          <a:prstGeom prst="rect">
+            <a:avLst/>
+          </a:prstGeom>
+        </p:spPr>
+        <p:txBody>
+          <a:bodyPr vert="horz" lIns="91440" tIns="45720" rIns="91440" bIns="45720" rtlCol="0" anchor="b"/>
+          <a:lstStyle>
+            <a:lvl1pPr algn="l">
+              <a:defRPr sz="1200"/>
+            </a:lvl1pPr>
+          </a:lstStyle>
+          <a:p>
+            <a:endParaRPr lang="zh-CN" altLang="en-US"/>
+          </a:p>
+        </p:txBody>
+      </p:sp>
+      <p:sp>
+        <p:nvSpPr>
+          <p:cNvPr id="7" name="灯片编号占位符 6"/>
+          <p:cNvSpPr>
+            <a:spLocks noGrp="1"/>
+          </p:cNvSpPr>
+          <p:nvPr>
+            <p:ph type="sldNum" sz="quarter" idx="5"/>
+          </p:nvPr>
+        </p:nvSpPr>
+        <p:spPr>
+          <a:xfrm>
+            <a:off x="3884613" y="8685213"/>
+            <a:ext cx="2971800" cy="457200"/>
+          </a:xfrm>
+          <a:prstGeom prst="rect">
+            <a:avLst/>
+          </a:prstGeom>
+        </p:spPr>
+        <p:txBody>
+          <a:bodyPr vert="horz" lIns="91440" tIns="45720" rIns="91440" bIns="45720" rtlCol="0" anchor="b"/>
+          <a:lstStyle>
+            <a:lvl1pPr algn="r">
+              <a:defRPr sz="1200"/>
+            </a:lvl1pPr>
+          </a:lstStyle>
+          <a:p>
+            <a:fld id="{48DED85D-CE8E-4838-BAFA-5CC358963B04}" type="slidenum">
+              <a:rPr lang="zh-CN" altLang="en-US" smtClean="0"/>
+              <a:t>‹#›</a:t>
+            </a:fld>
+            <a:endParaRPr lang="zh-CN" altLang="en-US"/>
+          </a:p>
+        </p:txBody>
+      </p:sp>
+    </p:spTree>
+    <p:extLst>
+      <p:ext uri="{BB962C8B-B14F-4D97-AF65-F5344CB8AC3E}">
+        <p14:creationId xmlns:p14="http://schemas.microsoft.com/office/powerpoint/2010/main" val="2183584590"/>
+      </p:ext>
+    </p:extLst>
+  </p:cSld>
+  <p:clrMap bg1="lt1" tx1="dk1" bg2="lt2" tx2="dk2" accent1="accent1" accent2="accent2" accent3="accent3" accent4="accent4" accent5="accent5" accent6="accent6" hlink="hlink" folHlink="folHlink"/>
+  <p:notesStyle>
+    <a:lvl1pPr marL="0" algn="l" defTabSz="914400" rtl="0" eaLnBrk="1" latinLnBrk="0" hangingPunct="1">
+      <a:defRPr sz="1200" kern="1200">
+        <a:solidFill>
+          <a:schemeClr val="tx1"/>
+        </a:solidFill>
+        <a:latin typeface="+mn-lt"/>
+        <a:ea typeface="+mn-ea"/>
+        <a:cs typeface="+mn-cs"/>
+      </a:defRPr>
+    </a:lvl1pPr>
+    <a:lvl2pPr marL="457200" algn="l" defTabSz="914400" rtl="0" eaLnBrk="1" latinLnBrk="0" hangingPunct="1">
+      <a:defRPr sz="1200" kern="1200">
+        <a:solidFill>
+          <a:schemeClr val="tx1"/>
+        </a:solidFill>
+        <a:latin typeface="+mn-lt"/>
+        <a:ea typeface="+mn-ea"/>
+        <a:cs typeface="+mn-cs"/>
+      </a:defRPr>
+    </a:lvl2pPr>
+    <a:lvl3pPr marL="914400" algn="l" defTabSz="914400" rtl="0" eaLnBrk="1" latinLnBrk="0" hangingPunct="1">
+      <a:defRPr sz="1200" kern="1200">
+        <a:solidFill>
+          <a:schemeClr val="tx1"/>
+        </a:solidFill>
+        <a:latin typeface="+mn-lt"/>
+        <a:ea typeface="+mn-ea"/>
+        <a:cs typeface="+mn-cs"/>
+      </a:defRPr>
+    </a:lvl3pPr>
+    <a:lvl4pPr marL="1371600" algn="l" defTabSz="914400" rtl="0" eaLnBrk="1" latinLnBrk="0" hangingPunct="1">
+      <a:defRPr sz="1200" kern="1200">
+        <a:solidFill>
+          <a:schemeClr val="tx1"/>
+        </a:solidFill>
+        <a:latin typeface="+mn-lt"/>
+        <a:ea typeface="+mn-ea"/>
+        <a:cs typeface="+mn-cs"/>
+      </a:defRPr>
+    </a:lvl4pPr>
+    <a:lvl5pPr marL="1828800" algn="l" defTabSz="914400" rtl="0" eaLnBrk="1" latinLnBrk="0" hangingPunct="1">
+      <a:defRPr sz="1200" kern="1200">
+        <a:solidFill>
+          <a:schemeClr val="tx1"/>
+        </a:solidFill>
+        <a:latin typeface="+mn-lt"/>
+        <a:ea typeface="+mn-ea"/>
+        <a:cs typeface="+mn-cs"/>
+      </a:defRPr>
+    </a:lvl5pPr>
+    <a:lvl6pPr marL="2286000" algn="l" defTabSz="914400" rtl="0" eaLnBrk="1" latinLnBrk="0" hangingPunct="1">
+      <a:defRPr sz="1200" kern="1200">
+        <a:solidFill>
+          <a:schemeClr val="tx1"/>
+        </a:solidFill>
+        <a:latin typeface="+mn-lt"/>
+        <a:ea typeface="+mn-ea"/>
+        <a:cs typeface="+mn-cs"/>
+      </a:defRPr>
+    </a:lvl6pPr>
+    <a:lvl7pPr marL="2743200" algn="l" defTabSz="914400" rtl="0" eaLnBrk="1" latinLnBrk="0" hangingPunct="1">
+      <a:defRPr sz="1200" kern="1200">
+        <a:solidFill>
+          <a:schemeClr val="tx1"/>
+        </a:solidFill>
+        <a:latin typeface="+mn-lt"/>
+        <a:ea typeface="+mn-ea"/>
+        <a:cs typeface="+mn-cs"/>
+      </a:defRPr>
+    </a:lvl7pPr>
+    <a:lvl8pPr marL="3200400" algn="l" defTabSz="914400" rtl="0" eaLnBrk="1" latinLnBrk="0" hangingPunct="1">
+      <a:defRPr sz="1200" kern="1200">
+        <a:solidFill>
+          <a:schemeClr val="tx1"/>
+        </a:solidFill>
+        <a:latin typeface="+mn-lt"/>
+        <a:ea typeface="+mn-ea"/>
+        <a:cs typeface="+mn-cs"/>
+      </a:defRPr>
+    </a:lvl8pPr>
+    <a:lvl9pPr marL="3657600" algn="l" defTabSz="914400" rtl="0" eaLnBrk="1" latinLnBrk="0" hangingPunct="1">
+      <a:defRPr sz="1200" kern="1200">
+        <a:solidFill>
+          <a:schemeClr val="tx1"/>
+        </a:solidFill>
+        <a:latin typeface="+mn-lt"/>
+        <a:ea typeface="+mn-ea"/>
+        <a:cs typeface="+mn-cs"/>
+      </a:defRPr>
+    </a:lvl9pPr>
+  </p:notesStyle>
+</p:notesMaster>
+</file>
+
+<file path=ppt/notesSlides/notesSlide1.xml><?xml version="1.0" encoding="utf-8"?>
+<p:notes xmlns:a="http://schemas.openxmlformats.org/drawingml/2006/main" xmlns:r="http://schemas.openxmlformats.org/officeDocument/2006/relationships" xmlns:p="http://schemas.openxmlformats.org/presentationml/2006/main">
+  <p:cSld>
+    <p:spTree>
+      <p:nvGrpSpPr>
+        <p:cNvPr id="1" name=""/>
+        <p:cNvGrpSpPr/>
+        <p:nvPr/>
+      </p:nvGrpSpPr>
+      <p:grpSpPr>
+        <a:xfrm>
+          <a:off x="0" y="0"/>
+          <a:ext cx="0" cy="0"/>
+          <a:chOff x="0" y="0"/>
+          <a:chExt cx="0" cy="0"/>
+        </a:xfrm>
+      </p:grpSpPr>
+      <p:sp>
+        <p:nvSpPr>
+          <p:cNvPr id="2" name="幻灯片图像占位符 1"/>
+          <p:cNvSpPr>
+            <a:spLocks noGrp="1" noRot="1" noChangeAspect="1"/>
+          </p:cNvSpPr>
+          <p:nvPr>
+            <p:ph type="sldImg"/>
+          </p:nvPr>
+        </p:nvSpPr>
+        <p:spPr/>
+      </p:sp>
+      <p:sp>
+        <p:nvSpPr>
+          <p:cNvPr id="3" name="备注占位符 2"/>
+          <p:cNvSpPr>
+            <a:spLocks noGrp="1"/>
+          </p:cNvSpPr>
+          <p:nvPr>
+            <p:ph type="body" idx="1"/>
+          </p:nvPr>
+        </p:nvSpPr>
+        <p:spPr/>
+        <p:txBody>
+          <a:bodyPr/>
+          <a:lstStyle/>
+          <a:p>
+            <a:endParaRPr lang="zh-CN" altLang="en-US" dirty="0"/>
+          </a:p>
+        </p:txBody>
+      </p:sp>
+      <p:sp>
+        <p:nvSpPr>
+          <p:cNvPr id="4" name="灯片编号占位符 3"/>
+          <p:cNvSpPr>
+            <a:spLocks noGrp="1"/>
+          </p:cNvSpPr>
+          <p:nvPr>
+            <p:ph type="sldNum" sz="quarter" idx="10"/>
+          </p:nvPr>
+        </p:nvSpPr>
+        <p:spPr/>
+        <p:txBody>
+          <a:bodyPr/>
+          <a:lstStyle/>
+          <a:p>
+            <a:fld id="{48DED85D-CE8E-4838-BAFA-5CC358963B04}" type="slidenum">
+              <a:rPr lang="zh-CN" altLang="en-US" smtClean="0"/>
+              <a:t>8</a:t>
+            </a:fld>
+            <a:endParaRPr lang="zh-CN" altLang="en-US"/>
+          </a:p>
+        </p:txBody>
+      </p:sp>
+    </p:spTree>
+    <p:extLst>
+      <p:ext uri="{BB962C8B-B14F-4D97-AF65-F5344CB8AC3E}">
+        <p14:creationId xmlns:p14="http://schemas.microsoft.com/office/powerpoint/2010/main" val="2659932529"/>
+      </p:ext>
+    </p:extLst>
+  </p:cSld>
+  <p:clrMapOvr>
+    <a:masterClrMapping/>
+  </p:clrMapOvr>
+</p:notes>
+</file>
+
 <file path=ppt/slideLayouts/slideLayout1.xml><?xml version="1.0" encoding="utf-8"?>
 <p:sldLayout xmlns:a="http://schemas.openxmlformats.org/drawingml/2006/main" xmlns:r="http://schemas.openxmlformats.org/officeDocument/2006/relationships" xmlns:p="http://schemas.openxmlformats.org/presentationml/2006/main" type="title" preserve="1">
   <p:cSld name="标题幻灯片">
@@ -291,7 +733,7 @@
           <a:p>
             <a:fld id="{530820CF-B880-4189-942D-D702A7CBA730}" type="datetimeFigureOut">
               <a:rPr lang="zh-CN" altLang="en-US" smtClean="0"/>
-              <a:t>2017/2/10</a:t>
+              <a:t>2017/2/26</a:t>
             </a:fld>
             <a:endParaRPr lang="zh-CN" altLang="en-US"/>
           </a:p>
@@ -456,7 +898,7 @@
           <a:p>
             <a:fld id="{530820CF-B880-4189-942D-D702A7CBA730}" type="datetimeFigureOut">
               <a:rPr lang="zh-CN" altLang="en-US" smtClean="0"/>
-              <a:t>2017/2/10</a:t>
+              <a:t>2017/2/26</a:t>
             </a:fld>
             <a:endParaRPr lang="zh-CN" altLang="en-US"/>
           </a:p>
@@ -631,7 +1073,7 @@
           <a:p>
             <a:fld id="{530820CF-B880-4189-942D-D702A7CBA730}" type="datetimeFigureOut">
               <a:rPr lang="zh-CN" altLang="en-US" smtClean="0"/>
-              <a:t>2017/2/10</a:t>
+              <a:t>2017/2/26</a:t>
             </a:fld>
             <a:endParaRPr lang="zh-CN" altLang="en-US"/>
           </a:p>
@@ -796,7 +1238,7 @@
           <a:p>
             <a:fld id="{530820CF-B880-4189-942D-D702A7CBA730}" type="datetimeFigureOut">
               <a:rPr lang="zh-CN" altLang="en-US" smtClean="0"/>
-              <a:t>2017/2/10</a:t>
+              <a:t>2017/2/26</a:t>
             </a:fld>
             <a:endParaRPr lang="zh-CN" altLang="en-US"/>
           </a:p>
@@ -1037,7 +1479,7 @@
           <a:p>
             <a:fld id="{530820CF-B880-4189-942D-D702A7CBA730}" type="datetimeFigureOut">
               <a:rPr lang="zh-CN" altLang="en-US" smtClean="0"/>
-              <a:t>2017/2/10</a:t>
+              <a:t>2017/2/26</a:t>
             </a:fld>
             <a:endParaRPr lang="zh-CN" altLang="en-US"/>
           </a:p>
@@ -1320,7 +1762,7 @@
           <a:p>
             <a:fld id="{530820CF-B880-4189-942D-D702A7CBA730}" type="datetimeFigureOut">
               <a:rPr lang="zh-CN" altLang="en-US" smtClean="0"/>
-              <a:t>2017/2/10</a:t>
+              <a:t>2017/2/26</a:t>
             </a:fld>
             <a:endParaRPr lang="zh-CN" altLang="en-US"/>
           </a:p>
@@ -1737,7 +2179,7 @@
           <a:p>
             <a:fld id="{530820CF-B880-4189-942D-D702A7CBA730}" type="datetimeFigureOut">
               <a:rPr lang="zh-CN" altLang="en-US" smtClean="0"/>
-              <a:t>2017/2/10</a:t>
+              <a:t>2017/2/26</a:t>
             </a:fld>
             <a:endParaRPr lang="zh-CN" altLang="en-US"/>
           </a:p>
@@ -1850,7 +2292,7 @@
           <a:p>
             <a:fld id="{530820CF-B880-4189-942D-D702A7CBA730}" type="datetimeFigureOut">
               <a:rPr lang="zh-CN" altLang="en-US" smtClean="0"/>
-              <a:t>2017/2/10</a:t>
+              <a:t>2017/2/26</a:t>
             </a:fld>
             <a:endParaRPr lang="zh-CN" altLang="en-US"/>
           </a:p>
@@ -1940,7 +2382,7 @@
           <a:p>
             <a:fld id="{530820CF-B880-4189-942D-D702A7CBA730}" type="datetimeFigureOut">
               <a:rPr lang="zh-CN" altLang="en-US" smtClean="0"/>
-              <a:t>2017/2/10</a:t>
+              <a:t>2017/2/26</a:t>
             </a:fld>
             <a:endParaRPr lang="zh-CN" altLang="en-US"/>
           </a:p>
@@ -2212,7 +2654,7 @@
           <a:p>
             <a:fld id="{530820CF-B880-4189-942D-D702A7CBA730}" type="datetimeFigureOut">
               <a:rPr lang="zh-CN" altLang="en-US" smtClean="0"/>
-              <a:t>2017/2/10</a:t>
+              <a:t>2017/2/26</a:t>
             </a:fld>
             <a:endParaRPr lang="zh-CN" altLang="en-US"/>
           </a:p>
@@ -2460,7 +2902,7 @@
           <a:p>
             <a:fld id="{530820CF-B880-4189-942D-D702A7CBA730}" type="datetimeFigureOut">
               <a:rPr lang="zh-CN" altLang="en-US" smtClean="0"/>
-              <a:t>2017/2/10</a:t>
+              <a:t>2017/2/26</a:t>
             </a:fld>
             <a:endParaRPr lang="zh-CN" altLang="en-US"/>
           </a:p>
@@ -2668,7 +3110,7 @@
           <a:p>
             <a:fld id="{530820CF-B880-4189-942D-D702A7CBA730}" type="datetimeFigureOut">
               <a:rPr lang="zh-CN" altLang="en-US" smtClean="0"/>
-              <a:t>2017/2/10</a:t>
+              <a:t>2017/2/26</a:t>
             </a:fld>
             <a:endParaRPr lang="zh-CN" altLang="en-US"/>
           </a:p>
@@ -4375,6 +4817,5463 @@
 </p:sld>
 </file>
 
+<file path=ppt/slides/slide5.xml><?xml version="1.0" encoding="utf-8"?>
+<p:sld xmlns:a="http://schemas.openxmlformats.org/drawingml/2006/main" xmlns:r="http://schemas.openxmlformats.org/officeDocument/2006/relationships" xmlns:p="http://schemas.openxmlformats.org/presentationml/2006/main">
+  <p:cSld>
+    <p:spTree>
+      <p:nvGrpSpPr>
+        <p:cNvPr id="1" name=""/>
+        <p:cNvGrpSpPr/>
+        <p:nvPr/>
+      </p:nvGrpSpPr>
+      <p:grpSpPr>
+        <a:xfrm>
+          <a:off x="0" y="0"/>
+          <a:ext cx="0" cy="0"/>
+          <a:chOff x="0" y="0"/>
+          <a:chExt cx="0" cy="0"/>
+        </a:xfrm>
+      </p:grpSpPr>
+    </p:spTree>
+    <p:extLst>
+      <p:ext uri="{BB962C8B-B14F-4D97-AF65-F5344CB8AC3E}">
+        <p14:creationId xmlns:p14="http://schemas.microsoft.com/office/powerpoint/2010/main" val="2042186356"/>
+      </p:ext>
+    </p:extLst>
+  </p:cSld>
+  <p:clrMapOvr>
+    <a:masterClrMapping/>
+  </p:clrMapOvr>
+</p:sld>
+</file>
+
+<file path=ppt/slides/slide6.xml><?xml version="1.0" encoding="utf-8"?>
+<p:sld xmlns:a="http://schemas.openxmlformats.org/drawingml/2006/main" xmlns:r="http://schemas.openxmlformats.org/officeDocument/2006/relationships" xmlns:p="http://schemas.openxmlformats.org/presentationml/2006/main">
+  <p:cSld>
+    <p:spTree>
+      <p:nvGrpSpPr>
+        <p:cNvPr id="1" name=""/>
+        <p:cNvGrpSpPr/>
+        <p:nvPr/>
+      </p:nvGrpSpPr>
+      <p:grpSpPr>
+        <a:xfrm>
+          <a:off x="0" y="0"/>
+          <a:ext cx="0" cy="0"/>
+          <a:chOff x="0" y="0"/>
+          <a:chExt cx="0" cy="0"/>
+        </a:xfrm>
+      </p:grpSpPr>
+      <p:pic>
+        <p:nvPicPr>
+          <p:cNvPr id="2050" name="Picture 2"/>
+          <p:cNvPicPr>
+            <a:picLocks noChangeAspect="1" noChangeArrowheads="1"/>
+          </p:cNvPicPr>
+          <p:nvPr/>
+        </p:nvPicPr>
+        <p:blipFill>
+          <a:blip r:embed="rId2" cstate="print">
+            <a:extLst>
+              <a:ext uri="{28A0092B-C50C-407E-A947-70E740481C1C}">
+                <a14:useLocalDpi xmlns:a14="http://schemas.microsoft.com/office/drawing/2010/main" val="0"/>
+              </a:ext>
+            </a:extLst>
+          </a:blip>
+          <a:srcRect/>
+          <a:stretch>
+            <a:fillRect/>
+          </a:stretch>
+        </p:blipFill>
+        <p:spPr bwMode="auto">
+          <a:xfrm flipH="1">
+            <a:off x="1619672" y="44624"/>
+            <a:ext cx="299307" cy="1004342"/>
+          </a:xfrm>
+          <a:prstGeom prst="rect">
+            <a:avLst/>
+          </a:prstGeom>
+          <a:noFill/>
+          <a:ln>
+            <a:noFill/>
+          </a:ln>
+          <a:effectLst/>
+          <a:extLst>
+            <a:ext uri="{909E8E84-426E-40DD-AFC4-6F175D3DCCD1}">
+              <a14:hiddenFill xmlns:a14="http://schemas.microsoft.com/office/drawing/2010/main">
+                <a:solidFill>
+                  <a:schemeClr val="accent1"/>
+                </a:solidFill>
+              </a14:hiddenFill>
+            </a:ext>
+            <a:ext uri="{91240B29-F687-4F45-9708-019B960494DF}">
+              <a14:hiddenLine xmlns:a14="http://schemas.microsoft.com/office/drawing/2010/main" w="9525">
+                <a:solidFill>
+                  <a:schemeClr val="tx1"/>
+                </a:solidFill>
+                <a:miter lim="800000"/>
+                <a:headEnd/>
+                <a:tailEnd/>
+              </a14:hiddenLine>
+            </a:ext>
+            <a:ext uri="{AF507438-7753-43E0-B8FC-AC1667EBCBE1}">
+              <a14:hiddenEffects xmlns:a14="http://schemas.microsoft.com/office/drawing/2010/main">
+                <a:effectLst>
+                  <a:outerShdw dist="35921" dir="2700000" algn="ctr" rotWithShape="0">
+                    <a:schemeClr val="bg2"/>
+                  </a:outerShdw>
+                </a:effectLst>
+              </a14:hiddenEffects>
+            </a:ext>
+          </a:extLst>
+        </p:spPr>
+      </p:pic>
+      <p:pic>
+        <p:nvPicPr>
+          <p:cNvPr id="3" name="Picture 11"/>
+          <p:cNvPicPr>
+            <a:picLocks noChangeAspect="1" noChangeArrowheads="1"/>
+          </p:cNvPicPr>
+          <p:nvPr/>
+        </p:nvPicPr>
+        <p:blipFill>
+          <a:blip r:embed="rId3">
+            <a:extLst>
+              <a:ext uri="{28A0092B-C50C-407E-A947-70E740481C1C}">
+                <a14:useLocalDpi xmlns:a14="http://schemas.microsoft.com/office/drawing/2010/main" val="0"/>
+              </a:ext>
+            </a:extLst>
+          </a:blip>
+          <a:srcRect/>
+          <a:stretch>
+            <a:fillRect/>
+          </a:stretch>
+        </p:blipFill>
+        <p:spPr bwMode="auto">
+          <a:xfrm flipH="1">
+            <a:off x="8730348" y="981262"/>
+            <a:ext cx="428500" cy="1049585"/>
+          </a:xfrm>
+          <a:prstGeom prst="rect">
+            <a:avLst/>
+          </a:prstGeom>
+          <a:noFill/>
+          <a:ln>
+            <a:noFill/>
+          </a:ln>
+          <a:effectLst/>
+          <a:extLst>
+            <a:ext uri="{909E8E84-426E-40DD-AFC4-6F175D3DCCD1}">
+              <a14:hiddenFill xmlns:a14="http://schemas.microsoft.com/office/drawing/2010/main">
+                <a:solidFill>
+                  <a:schemeClr val="accent1"/>
+                </a:solidFill>
+              </a14:hiddenFill>
+            </a:ext>
+            <a:ext uri="{91240B29-F687-4F45-9708-019B960494DF}">
+              <a14:hiddenLine xmlns:a14="http://schemas.microsoft.com/office/drawing/2010/main" w="9525">
+                <a:solidFill>
+                  <a:schemeClr val="tx1"/>
+                </a:solidFill>
+                <a:miter lim="800000"/>
+                <a:headEnd/>
+                <a:tailEnd/>
+              </a14:hiddenLine>
+            </a:ext>
+            <a:ext uri="{AF507438-7753-43E0-B8FC-AC1667EBCBE1}">
+              <a14:hiddenEffects xmlns:a14="http://schemas.microsoft.com/office/drawing/2010/main">
+                <a:effectLst>
+                  <a:outerShdw dist="35921" dir="2700000" algn="ctr" rotWithShape="0">
+                    <a:schemeClr val="bg2"/>
+                  </a:outerShdw>
+                </a:effectLst>
+              </a14:hiddenEffects>
+            </a:ext>
+          </a:extLst>
+        </p:spPr>
+      </p:pic>
+      <p:graphicFrame>
+        <p:nvGraphicFramePr>
+          <p:cNvPr id="4" name="表格 3"/>
+          <p:cNvGraphicFramePr>
+            <a:graphicFrameLocks noGrp="1"/>
+          </p:cNvGraphicFramePr>
+          <p:nvPr>
+            <p:extLst>
+              <p:ext uri="{D42A27DB-BD31-4B8C-83A1-F6EECF244321}">
+                <p14:modId xmlns:p14="http://schemas.microsoft.com/office/powerpoint/2010/main" val="3479216701"/>
+              </p:ext>
+            </p:extLst>
+          </p:nvPr>
+        </p:nvGraphicFramePr>
+        <p:xfrm>
+          <a:off x="1331640" y="1112059"/>
+          <a:ext cx="2736304" cy="741680"/>
+        </p:xfrm>
+        <a:graphic>
+          <a:graphicData uri="http://schemas.openxmlformats.org/drawingml/2006/table">
+            <a:tbl>
+              <a:tblPr firstRow="1" bandRow="1">
+                <a:tableStyleId>{5C22544A-7EE6-4342-B048-85BDC9FD1C3A}</a:tableStyleId>
+              </a:tblPr>
+              <a:tblGrid>
+                <a:gridCol w="684076"/>
+                <a:gridCol w="684076"/>
+                <a:gridCol w="684076"/>
+                <a:gridCol w="684076"/>
+              </a:tblGrid>
+              <a:tr h="370840">
+                <a:tc>
+                  <a:txBody>
+                    <a:bodyPr/>
+                    <a:lstStyle/>
+                    <a:p>
+                      <a:pPr algn="ctr"/>
+                      <a:r>
+                        <a:rPr lang="en-US" altLang="zh-CN" dirty="0" smtClean="0"/>
+                        <a:t>Coke</a:t>
+                      </a:r>
+                      <a:endParaRPr lang="zh-CN" altLang="en-US" dirty="0"/>
+                    </a:p>
+                  </a:txBody>
+                  <a:tcPr/>
+                </a:tc>
+                <a:tc>
+                  <a:txBody>
+                    <a:bodyPr/>
+                    <a:lstStyle/>
+                    <a:p>
+                      <a:pPr algn="ctr"/>
+                      <a:r>
+                        <a:rPr lang="en-US" altLang="zh-CN" dirty="0" smtClean="0"/>
+                        <a:t>Pepsi</a:t>
+                      </a:r>
+                      <a:endParaRPr lang="zh-CN" altLang="en-US" dirty="0"/>
+                    </a:p>
+                  </a:txBody>
+                  <a:tcPr/>
+                </a:tc>
+                <a:tc>
+                  <a:txBody>
+                    <a:bodyPr/>
+                    <a:lstStyle/>
+                    <a:p>
+                      <a:pPr algn="ctr"/>
+                      <a:r>
+                        <a:rPr lang="en-US" altLang="zh-CN" sz="1700" dirty="0" smtClean="0"/>
+                        <a:t>Fanta</a:t>
+                      </a:r>
+                      <a:endParaRPr lang="zh-CN" altLang="en-US" sz="1700" dirty="0"/>
+                    </a:p>
+                  </a:txBody>
+                  <a:tcPr/>
+                </a:tc>
+                <a:tc>
+                  <a:txBody>
+                    <a:bodyPr/>
+                    <a:lstStyle/>
+                    <a:p>
+                      <a:pPr algn="ctr"/>
+                      <a:r>
+                        <a:rPr lang="en-US" altLang="zh-CN" sz="1600" dirty="0" smtClean="0"/>
+                        <a:t>Sprite</a:t>
+                      </a:r>
+                      <a:endParaRPr lang="zh-CN" altLang="en-US" sz="1600" dirty="0"/>
+                    </a:p>
+                  </a:txBody>
+                  <a:tcPr/>
+                </a:tc>
+              </a:tr>
+              <a:tr h="370840">
+                <a:tc>
+                  <a:txBody>
+                    <a:bodyPr/>
+                    <a:lstStyle/>
+                    <a:p>
+                      <a:pPr algn="ctr"/>
+                      <a:r>
+                        <a:rPr lang="en-US" altLang="zh-CN" dirty="0" smtClean="0"/>
+                        <a:t>0.2</a:t>
+                      </a:r>
+                      <a:endParaRPr lang="zh-CN" altLang="en-US" dirty="0"/>
+                    </a:p>
+                  </a:txBody>
+                  <a:tcPr/>
+                </a:tc>
+                <a:tc>
+                  <a:txBody>
+                    <a:bodyPr/>
+                    <a:lstStyle/>
+                    <a:p>
+                      <a:pPr algn="ctr"/>
+                      <a:r>
+                        <a:rPr lang="en-US" altLang="zh-CN" dirty="0" smtClean="0"/>
+                        <a:t>0.1</a:t>
+                      </a:r>
+                      <a:endParaRPr lang="zh-CN" altLang="en-US" dirty="0"/>
+                    </a:p>
+                  </a:txBody>
+                  <a:tcPr/>
+                </a:tc>
+                <a:tc>
+                  <a:txBody>
+                    <a:bodyPr/>
+                    <a:lstStyle/>
+                    <a:p>
+                      <a:pPr algn="ctr"/>
+                      <a:r>
+                        <a:rPr lang="en-US" altLang="zh-CN" dirty="0" smtClean="0"/>
+                        <a:t>0.4</a:t>
+                      </a:r>
+                      <a:endParaRPr lang="zh-CN" altLang="en-US" dirty="0"/>
+                    </a:p>
+                  </a:txBody>
+                  <a:tcPr/>
+                </a:tc>
+                <a:tc>
+                  <a:txBody>
+                    <a:bodyPr/>
+                    <a:lstStyle/>
+                    <a:p>
+                      <a:pPr algn="ctr"/>
+                      <a:r>
+                        <a:rPr lang="en-US" altLang="zh-CN" dirty="0" smtClean="0"/>
+                        <a:t>0.3</a:t>
+                      </a:r>
+                      <a:endParaRPr lang="zh-CN" altLang="en-US" dirty="0"/>
+                    </a:p>
+                  </a:txBody>
+                  <a:tcPr/>
+                </a:tc>
+              </a:tr>
+            </a:tbl>
+          </a:graphicData>
+        </a:graphic>
+      </p:graphicFrame>
+      <p:sp>
+        <p:nvSpPr>
+          <p:cNvPr id="2" name="TextBox 1"/>
+          <p:cNvSpPr txBox="1"/>
+          <p:nvPr/>
+        </p:nvSpPr>
+        <p:spPr>
+          <a:xfrm>
+            <a:off x="0" y="1268760"/>
+            <a:ext cx="1365374" cy="369332"/>
+          </a:xfrm>
+          <a:prstGeom prst="rect">
+            <a:avLst/>
+          </a:prstGeom>
+          <a:noFill/>
+        </p:spPr>
+        <p:txBody>
+          <a:bodyPr wrap="none" rtlCol="0">
+            <a:spAutoFit/>
+          </a:bodyPr>
+          <a:lstStyle/>
+          <a:p>
+            <a:r>
+              <a:rPr lang="en-US" altLang="zh-CN" dirty="0" smtClean="0"/>
+              <a:t>From Source</a:t>
+            </a:r>
+            <a:endParaRPr lang="zh-CN" altLang="en-US" dirty="0"/>
+          </a:p>
+        </p:txBody>
+      </p:sp>
+      <p:graphicFrame>
+        <p:nvGraphicFramePr>
+          <p:cNvPr id="7" name="表格 6"/>
+          <p:cNvGraphicFramePr>
+            <a:graphicFrameLocks noGrp="1"/>
+          </p:cNvGraphicFramePr>
+          <p:nvPr>
+            <p:extLst>
+              <p:ext uri="{D42A27DB-BD31-4B8C-83A1-F6EECF244321}">
+                <p14:modId xmlns:p14="http://schemas.microsoft.com/office/powerpoint/2010/main" val="2227154206"/>
+              </p:ext>
+            </p:extLst>
+          </p:nvPr>
+        </p:nvGraphicFramePr>
+        <p:xfrm>
+          <a:off x="1403648" y="3767440"/>
+          <a:ext cx="2736304" cy="741680"/>
+        </p:xfrm>
+        <a:graphic>
+          <a:graphicData uri="http://schemas.openxmlformats.org/drawingml/2006/table">
+            <a:tbl>
+              <a:tblPr firstRow="1" bandRow="1">
+                <a:tableStyleId>{21E4AEA4-8DFA-4A89-87EB-49C32662AFE0}</a:tableStyleId>
+              </a:tblPr>
+              <a:tblGrid>
+                <a:gridCol w="684076"/>
+                <a:gridCol w="684076"/>
+                <a:gridCol w="684076"/>
+                <a:gridCol w="684076"/>
+              </a:tblGrid>
+              <a:tr h="370840">
+                <a:tc>
+                  <a:txBody>
+                    <a:bodyPr/>
+                    <a:lstStyle/>
+                    <a:p>
+                      <a:pPr algn="ctr"/>
+                      <a:r>
+                        <a:rPr lang="en-US" altLang="zh-CN" dirty="0" smtClean="0"/>
+                        <a:t>Coke</a:t>
+                      </a:r>
+                      <a:endParaRPr lang="zh-CN" altLang="en-US" dirty="0"/>
+                    </a:p>
+                  </a:txBody>
+                  <a:tcPr/>
+                </a:tc>
+                <a:tc>
+                  <a:txBody>
+                    <a:bodyPr/>
+                    <a:lstStyle/>
+                    <a:p>
+                      <a:pPr algn="ctr"/>
+                      <a:r>
+                        <a:rPr lang="en-US" altLang="zh-CN" dirty="0" smtClean="0"/>
+                        <a:t>Pepsi</a:t>
+                      </a:r>
+                      <a:endParaRPr lang="zh-CN" altLang="en-US" dirty="0"/>
+                    </a:p>
+                  </a:txBody>
+                  <a:tcPr/>
+                </a:tc>
+                <a:tc>
+                  <a:txBody>
+                    <a:bodyPr/>
+                    <a:lstStyle/>
+                    <a:p>
+                      <a:pPr algn="ctr"/>
+                      <a:r>
+                        <a:rPr lang="en-US" altLang="zh-CN" sz="1700" dirty="0" smtClean="0"/>
+                        <a:t>Fanta</a:t>
+                      </a:r>
+                      <a:endParaRPr lang="zh-CN" altLang="en-US" sz="1700" dirty="0"/>
+                    </a:p>
+                  </a:txBody>
+                  <a:tcPr/>
+                </a:tc>
+                <a:tc>
+                  <a:txBody>
+                    <a:bodyPr/>
+                    <a:lstStyle/>
+                    <a:p>
+                      <a:pPr algn="ctr"/>
+                      <a:r>
+                        <a:rPr lang="en-US" altLang="zh-CN" sz="1600" dirty="0" smtClean="0"/>
+                        <a:t>Sprite</a:t>
+                      </a:r>
+                      <a:endParaRPr lang="zh-CN" altLang="en-US" sz="1600" dirty="0"/>
+                    </a:p>
+                  </a:txBody>
+                  <a:tcPr/>
+                </a:tc>
+              </a:tr>
+              <a:tr h="370840">
+                <a:tc>
+                  <a:txBody>
+                    <a:bodyPr/>
+                    <a:lstStyle/>
+                    <a:p>
+                      <a:pPr algn="ctr"/>
+                      <a:r>
+                        <a:rPr lang="en-US" altLang="zh-CN" dirty="0" smtClean="0"/>
+                        <a:t>0</a:t>
+                      </a:r>
+                      <a:endParaRPr lang="zh-CN" altLang="en-US" dirty="0"/>
+                    </a:p>
+                  </a:txBody>
+                  <a:tcPr/>
+                </a:tc>
+                <a:tc>
+                  <a:txBody>
+                    <a:bodyPr/>
+                    <a:lstStyle/>
+                    <a:p>
+                      <a:pPr algn="ctr"/>
+                      <a:r>
+                        <a:rPr lang="en-US" altLang="zh-CN" dirty="0" smtClean="0"/>
+                        <a:t>0</a:t>
+                      </a:r>
+                      <a:endParaRPr lang="zh-CN" altLang="en-US" dirty="0"/>
+                    </a:p>
+                  </a:txBody>
+                  <a:tcPr/>
+                </a:tc>
+                <a:tc>
+                  <a:txBody>
+                    <a:bodyPr/>
+                    <a:lstStyle/>
+                    <a:p>
+                      <a:pPr algn="ctr"/>
+                      <a:r>
+                        <a:rPr lang="en-US" altLang="zh-CN" dirty="0" smtClean="0"/>
+                        <a:t>0</a:t>
+                      </a:r>
+                      <a:endParaRPr lang="zh-CN" altLang="en-US" dirty="0"/>
+                    </a:p>
+                  </a:txBody>
+                  <a:tcPr/>
+                </a:tc>
+                <a:tc>
+                  <a:txBody>
+                    <a:bodyPr/>
+                    <a:lstStyle/>
+                    <a:p>
+                      <a:pPr algn="ctr"/>
+                      <a:r>
+                        <a:rPr lang="en-US" altLang="zh-CN" dirty="0" smtClean="0"/>
+                        <a:t>0</a:t>
+                      </a:r>
+                      <a:endParaRPr lang="zh-CN" altLang="en-US" dirty="0"/>
+                    </a:p>
+                  </a:txBody>
+                  <a:tcPr/>
+                </a:tc>
+              </a:tr>
+            </a:tbl>
+          </a:graphicData>
+        </a:graphic>
+      </p:graphicFrame>
+      <p:graphicFrame>
+        <p:nvGraphicFramePr>
+          <p:cNvPr id="8" name="表格 7"/>
+          <p:cNvGraphicFramePr>
+            <a:graphicFrameLocks noGrp="1"/>
+          </p:cNvGraphicFramePr>
+          <p:nvPr>
+            <p:extLst>
+              <p:ext uri="{D42A27DB-BD31-4B8C-83A1-F6EECF244321}">
+                <p14:modId xmlns:p14="http://schemas.microsoft.com/office/powerpoint/2010/main" val="3972594401"/>
+              </p:ext>
+            </p:extLst>
+          </p:nvPr>
+        </p:nvGraphicFramePr>
+        <p:xfrm>
+          <a:off x="4932040" y="3767440"/>
+          <a:ext cx="2736304" cy="741680"/>
+        </p:xfrm>
+        <a:graphic>
+          <a:graphicData uri="http://schemas.openxmlformats.org/drawingml/2006/table">
+            <a:tbl>
+              <a:tblPr firstRow="1" bandRow="1">
+                <a:tableStyleId>{21E4AEA4-8DFA-4A89-87EB-49C32662AFE0}</a:tableStyleId>
+              </a:tblPr>
+              <a:tblGrid>
+                <a:gridCol w="684076"/>
+                <a:gridCol w="684076"/>
+                <a:gridCol w="684076"/>
+                <a:gridCol w="684076"/>
+              </a:tblGrid>
+              <a:tr h="370840">
+                <a:tc>
+                  <a:txBody>
+                    <a:bodyPr/>
+                    <a:lstStyle/>
+                    <a:p>
+                      <a:pPr algn="ctr"/>
+                      <a:r>
+                        <a:rPr lang="en-US" altLang="zh-CN" dirty="0" smtClean="0"/>
+                        <a:t>Coke</a:t>
+                      </a:r>
+                      <a:endParaRPr lang="zh-CN" altLang="en-US" dirty="0"/>
+                    </a:p>
+                  </a:txBody>
+                  <a:tcPr/>
+                </a:tc>
+                <a:tc>
+                  <a:txBody>
+                    <a:bodyPr/>
+                    <a:lstStyle/>
+                    <a:p>
+                      <a:pPr algn="ctr"/>
+                      <a:r>
+                        <a:rPr lang="en-US" altLang="zh-CN" dirty="0" smtClean="0"/>
+                        <a:t>Pepsi</a:t>
+                      </a:r>
+                      <a:endParaRPr lang="zh-CN" altLang="en-US" dirty="0"/>
+                    </a:p>
+                  </a:txBody>
+                  <a:tcPr/>
+                </a:tc>
+                <a:tc>
+                  <a:txBody>
+                    <a:bodyPr/>
+                    <a:lstStyle/>
+                    <a:p>
+                      <a:pPr algn="ctr"/>
+                      <a:r>
+                        <a:rPr lang="en-US" altLang="zh-CN" sz="1700" dirty="0" smtClean="0"/>
+                        <a:t>Fanta</a:t>
+                      </a:r>
+                      <a:endParaRPr lang="zh-CN" altLang="en-US" sz="1700" dirty="0"/>
+                    </a:p>
+                  </a:txBody>
+                  <a:tcPr/>
+                </a:tc>
+                <a:tc>
+                  <a:txBody>
+                    <a:bodyPr/>
+                    <a:lstStyle/>
+                    <a:p>
+                      <a:pPr algn="ctr"/>
+                      <a:r>
+                        <a:rPr lang="en-US" altLang="zh-CN" sz="1600" dirty="0" smtClean="0"/>
+                        <a:t>Sprite</a:t>
+                      </a:r>
+                      <a:endParaRPr lang="zh-CN" altLang="en-US" sz="1600" dirty="0"/>
+                    </a:p>
+                  </a:txBody>
+                  <a:tcPr/>
+                </a:tc>
+              </a:tr>
+              <a:tr h="370840">
+                <a:tc>
+                  <a:txBody>
+                    <a:bodyPr/>
+                    <a:lstStyle/>
+                    <a:p>
+                      <a:pPr algn="ctr"/>
+                      <a:r>
+                        <a:rPr lang="en-US" altLang="zh-CN" dirty="0" smtClean="0"/>
+                        <a:t>0</a:t>
+                      </a:r>
+                      <a:endParaRPr lang="zh-CN" altLang="en-US" dirty="0"/>
+                    </a:p>
+                  </a:txBody>
+                  <a:tcPr/>
+                </a:tc>
+                <a:tc>
+                  <a:txBody>
+                    <a:bodyPr/>
+                    <a:lstStyle/>
+                    <a:p>
+                      <a:pPr algn="ctr"/>
+                      <a:r>
+                        <a:rPr lang="en-US" altLang="zh-CN" dirty="0" smtClean="0"/>
+                        <a:t>0</a:t>
+                      </a:r>
+                      <a:endParaRPr lang="zh-CN" altLang="en-US" dirty="0"/>
+                    </a:p>
+                  </a:txBody>
+                  <a:tcPr/>
+                </a:tc>
+                <a:tc>
+                  <a:txBody>
+                    <a:bodyPr/>
+                    <a:lstStyle/>
+                    <a:p>
+                      <a:pPr algn="ctr"/>
+                      <a:r>
+                        <a:rPr lang="en-US" altLang="zh-CN" dirty="0" smtClean="0"/>
+                        <a:t>0.2</a:t>
+                      </a:r>
+                      <a:endParaRPr lang="zh-CN" altLang="en-US" dirty="0"/>
+                    </a:p>
+                  </a:txBody>
+                  <a:tcPr/>
+                </a:tc>
+                <a:tc>
+                  <a:txBody>
+                    <a:bodyPr/>
+                    <a:lstStyle/>
+                    <a:p>
+                      <a:pPr algn="ctr"/>
+                      <a:r>
+                        <a:rPr lang="en-US" altLang="zh-CN" dirty="0" smtClean="0"/>
+                        <a:t>0</a:t>
+                      </a:r>
+                      <a:endParaRPr lang="zh-CN" altLang="en-US" dirty="0"/>
+                    </a:p>
+                  </a:txBody>
+                  <a:tcPr/>
+                </a:tc>
+              </a:tr>
+            </a:tbl>
+          </a:graphicData>
+        </a:graphic>
+      </p:graphicFrame>
+      <p:sp>
+        <p:nvSpPr>
+          <p:cNvPr id="6" name="TextBox 5"/>
+          <p:cNvSpPr txBox="1"/>
+          <p:nvPr/>
+        </p:nvSpPr>
+        <p:spPr>
+          <a:xfrm>
+            <a:off x="2195736" y="611396"/>
+            <a:ext cx="1612814" cy="369332"/>
+          </a:xfrm>
+          <a:prstGeom prst="rect">
+            <a:avLst/>
+          </a:prstGeom>
+          <a:noFill/>
+        </p:spPr>
+        <p:txBody>
+          <a:bodyPr wrap="none" rtlCol="0">
+            <a:spAutoFit/>
+          </a:bodyPr>
+          <a:lstStyle/>
+          <a:p>
+            <a:r>
+              <a:rPr lang="en-US" altLang="zh-CN" dirty="0" smtClean="0"/>
+              <a:t>Unlabeled data</a:t>
+            </a:r>
+            <a:endParaRPr lang="zh-CN" altLang="en-US" dirty="0"/>
+          </a:p>
+        </p:txBody>
+      </p:sp>
+      <p:sp>
+        <p:nvSpPr>
+          <p:cNvPr id="10" name="TextBox 9"/>
+          <p:cNvSpPr txBox="1"/>
+          <p:nvPr/>
+        </p:nvSpPr>
+        <p:spPr>
+          <a:xfrm>
+            <a:off x="7557157" y="434622"/>
+            <a:ext cx="1388393" cy="369332"/>
+          </a:xfrm>
+          <a:prstGeom prst="rect">
+            <a:avLst/>
+          </a:prstGeom>
+          <a:noFill/>
+        </p:spPr>
+        <p:txBody>
+          <a:bodyPr wrap="none" rtlCol="0">
+            <a:spAutoFit/>
+          </a:bodyPr>
+          <a:lstStyle/>
+          <a:p>
+            <a:r>
+              <a:rPr lang="en-US" altLang="zh-CN" dirty="0" smtClean="0"/>
+              <a:t>Labeled data</a:t>
+            </a:r>
+            <a:endParaRPr lang="zh-CN" altLang="en-US" dirty="0"/>
+          </a:p>
+        </p:txBody>
+      </p:sp>
+      <p:sp>
+        <p:nvSpPr>
+          <p:cNvPr id="11" name="TextBox 10"/>
+          <p:cNvSpPr txBox="1"/>
+          <p:nvPr/>
+        </p:nvSpPr>
+        <p:spPr>
+          <a:xfrm>
+            <a:off x="108227" y="3717032"/>
+            <a:ext cx="1151405" cy="369332"/>
+          </a:xfrm>
+          <a:prstGeom prst="rect">
+            <a:avLst/>
+          </a:prstGeom>
+          <a:noFill/>
+        </p:spPr>
+        <p:txBody>
+          <a:bodyPr wrap="none" rtlCol="0">
+            <a:spAutoFit/>
+          </a:bodyPr>
+          <a:lstStyle/>
+          <a:p>
+            <a:r>
+              <a:rPr lang="en-US" altLang="zh-CN" dirty="0" smtClean="0"/>
+              <a:t>True Label</a:t>
+            </a:r>
+            <a:endParaRPr lang="zh-CN" altLang="en-US" dirty="0"/>
+          </a:p>
+        </p:txBody>
+      </p:sp>
+      <mc:AlternateContent xmlns:mc="http://schemas.openxmlformats.org/markup-compatibility/2006" xmlns:a14="http://schemas.microsoft.com/office/drawing/2010/main">
+        <mc:Choice Requires="a14">
+          <p:graphicFrame>
+            <p:nvGraphicFramePr>
+              <p:cNvPr id="14" name="表格 13"/>
+              <p:cNvGraphicFramePr>
+                <a:graphicFrameLocks noGrp="1"/>
+              </p:cNvGraphicFramePr>
+              <p:nvPr>
+                <p:extLst>
+                  <p:ext uri="{D42A27DB-BD31-4B8C-83A1-F6EECF244321}">
+                    <p14:modId xmlns:p14="http://schemas.microsoft.com/office/powerpoint/2010/main" val="419412416"/>
+                  </p:ext>
+                </p:extLst>
+              </p:nvPr>
+            </p:nvGraphicFramePr>
+            <p:xfrm>
+              <a:off x="1365374" y="2543304"/>
+              <a:ext cx="4283200" cy="741680"/>
+            </p:xfrm>
+            <a:graphic>
+              <a:graphicData uri="http://schemas.openxmlformats.org/drawingml/2006/table">
+                <a:tbl>
+                  <a:tblPr firstRow="1" bandRow="1">
+                    <a:tableStyleId>{5C22544A-7EE6-4342-B048-85BDC9FD1C3A}</a:tableStyleId>
+                  </a:tblPr>
+                  <a:tblGrid>
+                    <a:gridCol w="1070800"/>
+                    <a:gridCol w="1070800"/>
+                    <a:gridCol w="1070800"/>
+                    <a:gridCol w="1070800"/>
+                  </a:tblGrid>
+                  <a:tr h="370840">
+                    <a:tc>
+                      <a:txBody>
+                        <a:bodyPr/>
+                        <a:lstStyle/>
+                        <a:p>
+                          <a:pPr algn="ctr"/>
+                          <a:r>
+                            <a:rPr lang="en-US" altLang="zh-CN" dirty="0" smtClean="0"/>
+                            <a:t>Coke</a:t>
+                          </a:r>
+                          <a:endParaRPr lang="zh-CN" altLang="en-US" dirty="0"/>
+                        </a:p>
+                      </a:txBody>
+                      <a:tcPr/>
+                    </a:tc>
+                    <a:tc>
+                      <a:txBody>
+                        <a:bodyPr/>
+                        <a:lstStyle/>
+                        <a:p>
+                          <a:pPr algn="ctr"/>
+                          <a:r>
+                            <a:rPr lang="en-US" altLang="zh-CN" dirty="0" smtClean="0"/>
+                            <a:t>Pepsi</a:t>
+                          </a:r>
+                          <a:endParaRPr lang="zh-CN" altLang="en-US" dirty="0"/>
+                        </a:p>
+                      </a:txBody>
+                      <a:tcPr/>
+                    </a:tc>
+                    <a:tc>
+                      <a:txBody>
+                        <a:bodyPr/>
+                        <a:lstStyle/>
+                        <a:p>
+                          <a:pPr algn="ctr"/>
+                          <a:r>
+                            <a:rPr lang="en-US" altLang="zh-CN" sz="1700" dirty="0" smtClean="0"/>
+                            <a:t>Fanta</a:t>
+                          </a:r>
+                          <a:endParaRPr lang="zh-CN" altLang="en-US" sz="1700" dirty="0"/>
+                        </a:p>
+                      </a:txBody>
+                      <a:tcPr/>
+                    </a:tc>
+                    <a:tc>
+                      <a:txBody>
+                        <a:bodyPr/>
+                        <a:lstStyle/>
+                        <a:p>
+                          <a:pPr algn="ctr"/>
+                          <a:r>
+                            <a:rPr lang="en-US" altLang="zh-CN" sz="1600" dirty="0" smtClean="0"/>
+                            <a:t>Sprite</a:t>
+                          </a:r>
+                          <a:endParaRPr lang="zh-CN" altLang="en-US" sz="1600" dirty="0"/>
+                        </a:p>
+                      </a:txBody>
+                      <a:tcPr/>
+                    </a:tc>
+                  </a:tr>
+                  <a:tr h="370840">
+                    <a:tc>
+                      <a:txBody>
+                        <a:bodyPr/>
+                        <a:lstStyle/>
+                        <a:p>
+                          <a:pPr algn="ctr"/>
+                          <a:r>
+                            <a:rPr lang="en-US" altLang="zh-CN" dirty="0" smtClean="0"/>
+                            <a:t>0.16</a:t>
+                          </a:r>
+                          <a14:m>
+                            <m:oMath xmlns:m="http://schemas.openxmlformats.org/officeDocument/2006/math">
+                              <m:sSub>
+                                <m:sSubPr>
+                                  <m:ctrlPr>
+                                    <a:rPr lang="en-US" altLang="zh-CN" i="1" smtClean="0">
+                                      <a:latin typeface="Cambria Math"/>
+                                    </a:rPr>
+                                  </m:ctrlPr>
+                                </m:sSubPr>
+                                <m:e>
+                                  <m:r>
+                                    <a:rPr lang="zh-CN" altLang="en-US" i="1">
+                                      <a:latin typeface="Cambria Math"/>
+                                    </a:rPr>
+                                    <m:t>𝜆</m:t>
+                                  </m:r>
+                                </m:e>
+                                <m:sub>
+                                  <m:r>
+                                    <a:rPr lang="en-US" altLang="zh-CN" b="0" i="1" smtClean="0">
+                                      <a:latin typeface="Cambria Math"/>
+                                    </a:rPr>
+                                    <m:t>2</m:t>
+                                  </m:r>
+                                </m:sub>
+                              </m:sSub>
+                            </m:oMath>
+                          </a14:m>
+                          <a:endParaRPr lang="zh-CN" altLang="en-US" dirty="0"/>
+                        </a:p>
+                      </a:txBody>
+                      <a:tcPr/>
+                    </a:tc>
+                    <a:tc>
+                      <a:txBody>
+                        <a:bodyPr/>
+                        <a:lstStyle/>
+                        <a:p>
+                          <a:pPr algn="ctr"/>
+                          <a:r>
+                            <a:rPr lang="en-US" altLang="zh-CN" dirty="0" smtClean="0"/>
+                            <a:t>0.08</a:t>
+                          </a:r>
+                          <a14:m>
+                            <m:oMath xmlns:m="http://schemas.openxmlformats.org/officeDocument/2006/math">
+                              <m:sSub>
+                                <m:sSubPr>
+                                  <m:ctrlPr>
+                                    <a:rPr lang="en-US" altLang="zh-CN" i="1" smtClean="0">
+                                      <a:latin typeface="Cambria Math"/>
+                                    </a:rPr>
+                                  </m:ctrlPr>
+                                </m:sSubPr>
+                                <m:e>
+                                  <m:r>
+                                    <a:rPr lang="zh-CN" altLang="en-US" i="1">
+                                      <a:latin typeface="Cambria Math"/>
+                                    </a:rPr>
+                                    <m:t>𝜆</m:t>
+                                  </m:r>
+                                </m:e>
+                                <m:sub>
+                                  <m:r>
+                                    <a:rPr lang="en-US" altLang="zh-CN" b="0" i="1" smtClean="0">
+                                      <a:latin typeface="Cambria Math"/>
+                                    </a:rPr>
+                                    <m:t>2</m:t>
+                                  </m:r>
+                                </m:sub>
+                              </m:sSub>
+                            </m:oMath>
+                          </a14:m>
+                          <a:endParaRPr lang="zh-CN" altLang="en-US" dirty="0"/>
+                        </a:p>
+                      </a:txBody>
+                      <a:tcPr/>
+                    </a:tc>
+                    <a:tc>
+                      <a:txBody>
+                        <a:bodyPr/>
+                        <a:lstStyle/>
+                        <a:p>
+                          <a:pPr algn="ctr"/>
+                          <a:r>
+                            <a:rPr lang="en-US" altLang="zh-CN" dirty="0" smtClean="0"/>
+                            <a:t>0.32</a:t>
+                          </a:r>
+                          <a14:m>
+                            <m:oMath xmlns:m="http://schemas.openxmlformats.org/officeDocument/2006/math">
+                              <m:sSub>
+                                <m:sSubPr>
+                                  <m:ctrlPr>
+                                    <a:rPr lang="en-US" altLang="zh-CN" i="1" smtClean="0">
+                                      <a:latin typeface="Cambria Math"/>
+                                    </a:rPr>
+                                  </m:ctrlPr>
+                                </m:sSubPr>
+                                <m:e>
+                                  <m:r>
+                                    <a:rPr lang="zh-CN" altLang="en-US" i="1">
+                                      <a:latin typeface="Cambria Math"/>
+                                    </a:rPr>
+                                    <m:t>𝜆</m:t>
+                                  </m:r>
+                                </m:e>
+                                <m:sub>
+                                  <m:r>
+                                    <a:rPr lang="en-US" altLang="zh-CN" b="0" i="1" smtClean="0">
+                                      <a:latin typeface="Cambria Math"/>
+                                    </a:rPr>
+                                    <m:t>2</m:t>
+                                  </m:r>
+                                </m:sub>
+                              </m:sSub>
+                            </m:oMath>
+                          </a14:m>
+                          <a:endParaRPr lang="zh-CN" altLang="en-US" dirty="0"/>
+                        </a:p>
+                      </a:txBody>
+                      <a:tcPr/>
+                    </a:tc>
+                    <a:tc>
+                      <a:txBody>
+                        <a:bodyPr/>
+                        <a:lstStyle/>
+                        <a:p>
+                          <a:pPr algn="ctr"/>
+                          <a:r>
+                            <a:rPr lang="en-US" altLang="zh-CN" dirty="0" smtClean="0"/>
+                            <a:t>0.24</a:t>
+                          </a:r>
+                          <a14:m>
+                            <m:oMath xmlns:m="http://schemas.openxmlformats.org/officeDocument/2006/math">
+                              <m:sSub>
+                                <m:sSubPr>
+                                  <m:ctrlPr>
+                                    <a:rPr lang="en-US" altLang="zh-CN" i="1" smtClean="0">
+                                      <a:latin typeface="Cambria Math"/>
+                                    </a:rPr>
+                                  </m:ctrlPr>
+                                </m:sSubPr>
+                                <m:e>
+                                  <m:r>
+                                    <a:rPr lang="zh-CN" altLang="en-US" i="1">
+                                      <a:latin typeface="Cambria Math"/>
+                                    </a:rPr>
+                                    <m:t>𝜆</m:t>
+                                  </m:r>
+                                </m:e>
+                                <m:sub>
+                                  <m:r>
+                                    <a:rPr lang="en-US" altLang="zh-CN" b="0" i="1" smtClean="0">
+                                      <a:latin typeface="Cambria Math"/>
+                                    </a:rPr>
+                                    <m:t>2</m:t>
+                                  </m:r>
+                                </m:sub>
+                              </m:sSub>
+                            </m:oMath>
+                          </a14:m>
+                          <a:endParaRPr lang="zh-CN" altLang="en-US" dirty="0"/>
+                        </a:p>
+                      </a:txBody>
+                      <a:tcPr/>
+                    </a:tc>
+                  </a:tr>
+                </a:tbl>
+              </a:graphicData>
+            </a:graphic>
+          </p:graphicFrame>
+        </mc:Choice>
+        <mc:Fallback xmlns="">
+          <p:graphicFrame>
+            <p:nvGraphicFramePr>
+              <p:cNvPr id="14" name="表格 13"/>
+              <p:cNvGraphicFramePr>
+                <a:graphicFrameLocks noGrp="1"/>
+              </p:cNvGraphicFramePr>
+              <p:nvPr>
+                <p:extLst>
+                  <p:ext uri="{D42A27DB-BD31-4B8C-83A1-F6EECF244321}">
+                    <p14:modId xmlns:p14="http://schemas.microsoft.com/office/powerpoint/2010/main" val="419412416"/>
+                  </p:ext>
+                </p:extLst>
+              </p:nvPr>
+            </p:nvGraphicFramePr>
+            <p:xfrm>
+              <a:off x="1365374" y="2543304"/>
+              <a:ext cx="4283200" cy="741680"/>
+            </p:xfrm>
+            <a:graphic>
+              <a:graphicData uri="http://schemas.openxmlformats.org/drawingml/2006/table">
+                <a:tbl>
+                  <a:tblPr firstRow="1" bandRow="1">
+                    <a:tableStyleId>{5C22544A-7EE6-4342-B048-85BDC9FD1C3A}</a:tableStyleId>
+                  </a:tblPr>
+                  <a:tblGrid>
+                    <a:gridCol w="1070800"/>
+                    <a:gridCol w="1070800"/>
+                    <a:gridCol w="1070800"/>
+                    <a:gridCol w="1070800"/>
+                  </a:tblGrid>
+                  <a:tr h="370840">
+                    <a:tc>
+                      <a:txBody>
+                        <a:bodyPr/>
+                        <a:lstStyle/>
+                        <a:p>
+                          <a:pPr algn="ctr"/>
+                          <a:r>
+                            <a:rPr lang="en-US" altLang="zh-CN" dirty="0" smtClean="0"/>
+                            <a:t>Coke</a:t>
+                          </a:r>
+                          <a:endParaRPr lang="zh-CN" altLang="en-US" dirty="0"/>
+                        </a:p>
+                      </a:txBody>
+                      <a:tcPr/>
+                    </a:tc>
+                    <a:tc>
+                      <a:txBody>
+                        <a:bodyPr/>
+                        <a:lstStyle/>
+                        <a:p>
+                          <a:pPr algn="ctr"/>
+                          <a:r>
+                            <a:rPr lang="en-US" altLang="zh-CN" dirty="0" smtClean="0"/>
+                            <a:t>Pepsi</a:t>
+                          </a:r>
+                          <a:endParaRPr lang="zh-CN" altLang="en-US" dirty="0"/>
+                        </a:p>
+                      </a:txBody>
+                      <a:tcPr/>
+                    </a:tc>
+                    <a:tc>
+                      <a:txBody>
+                        <a:bodyPr/>
+                        <a:lstStyle/>
+                        <a:p>
+                          <a:pPr algn="ctr"/>
+                          <a:r>
+                            <a:rPr lang="en-US" altLang="zh-CN" sz="1700" dirty="0" smtClean="0"/>
+                            <a:t>Fanta</a:t>
+                          </a:r>
+                          <a:endParaRPr lang="zh-CN" altLang="en-US" sz="1700" dirty="0"/>
+                        </a:p>
+                      </a:txBody>
+                      <a:tcPr/>
+                    </a:tc>
+                    <a:tc>
+                      <a:txBody>
+                        <a:bodyPr/>
+                        <a:lstStyle/>
+                        <a:p>
+                          <a:pPr algn="ctr"/>
+                          <a:r>
+                            <a:rPr lang="en-US" altLang="zh-CN" sz="1600" dirty="0" smtClean="0"/>
+                            <a:t>Sprite</a:t>
+                          </a:r>
+                          <a:endParaRPr lang="zh-CN" altLang="en-US" sz="1600" dirty="0"/>
+                        </a:p>
+                      </a:txBody>
+                      <a:tcPr/>
+                    </a:tc>
+                  </a:tr>
+                  <a:tr h="370840">
+                    <a:tc>
+                      <a:txBody>
+                        <a:bodyPr/>
+                        <a:lstStyle/>
+                        <a:p>
+                          <a:endParaRPr lang="zh-CN"/>
+                        </a:p>
+                      </a:txBody>
+                      <a:tcPr>
+                        <a:blipFill rotWithShape="1">
+                          <a:blip r:embed="rId4"/>
+                          <a:stretch>
+                            <a:fillRect l="-568" t="-108197" r="-299432" b="-24590"/>
+                          </a:stretch>
+                        </a:blipFill>
+                      </a:tcPr>
+                    </a:tc>
+                    <a:tc>
+                      <a:txBody>
+                        <a:bodyPr/>
+                        <a:lstStyle/>
+                        <a:p>
+                          <a:endParaRPr lang="zh-CN"/>
+                        </a:p>
+                      </a:txBody>
+                      <a:tcPr>
+                        <a:blipFill rotWithShape="1">
+                          <a:blip r:embed="rId4"/>
+                          <a:stretch>
+                            <a:fillRect l="-100568" t="-108197" r="-199432" b="-24590"/>
+                          </a:stretch>
+                        </a:blipFill>
+                      </a:tcPr>
+                    </a:tc>
+                    <a:tc>
+                      <a:txBody>
+                        <a:bodyPr/>
+                        <a:lstStyle/>
+                        <a:p>
+                          <a:endParaRPr lang="zh-CN"/>
+                        </a:p>
+                      </a:txBody>
+                      <a:tcPr>
+                        <a:blipFill rotWithShape="1">
+                          <a:blip r:embed="rId4"/>
+                          <a:stretch>
+                            <a:fillRect l="-201714" t="-108197" r="-100571" b="-24590"/>
+                          </a:stretch>
+                        </a:blipFill>
+                      </a:tcPr>
+                    </a:tc>
+                    <a:tc>
+                      <a:txBody>
+                        <a:bodyPr/>
+                        <a:lstStyle/>
+                        <a:p>
+                          <a:endParaRPr lang="zh-CN"/>
+                        </a:p>
+                      </a:txBody>
+                      <a:tcPr>
+                        <a:blipFill rotWithShape="1">
+                          <a:blip r:embed="rId4"/>
+                          <a:stretch>
+                            <a:fillRect l="-300000" t="-108197" b="-24590"/>
+                          </a:stretch>
+                        </a:blipFill>
+                      </a:tcPr>
+                    </a:tc>
+                  </a:tr>
+                </a:tbl>
+              </a:graphicData>
+            </a:graphic>
+          </p:graphicFrame>
+        </mc:Fallback>
+      </mc:AlternateContent>
+      <p:sp>
+        <p:nvSpPr>
+          <p:cNvPr id="13" name="TextBox 12"/>
+          <p:cNvSpPr txBox="1"/>
+          <p:nvPr/>
+        </p:nvSpPr>
+        <p:spPr>
+          <a:xfrm>
+            <a:off x="2551614" y="3265820"/>
+            <a:ext cx="364202" cy="523220"/>
+          </a:xfrm>
+          <a:prstGeom prst="rect">
+            <a:avLst/>
+          </a:prstGeom>
+          <a:noFill/>
+        </p:spPr>
+        <p:txBody>
+          <a:bodyPr wrap="none" rtlCol="0">
+            <a:spAutoFit/>
+          </a:bodyPr>
+          <a:lstStyle/>
+          <a:p>
+            <a:r>
+              <a:rPr lang="en-US" altLang="zh-CN" sz="2800" b="1" dirty="0" smtClean="0"/>
+              <a:t>+</a:t>
+            </a:r>
+            <a:endParaRPr lang="zh-CN" altLang="en-US" sz="2800" b="1" dirty="0"/>
+          </a:p>
+        </p:txBody>
+      </p:sp>
+      <p:sp>
+        <p:nvSpPr>
+          <p:cNvPr id="17" name="TextBox 16"/>
+          <p:cNvSpPr txBox="1"/>
+          <p:nvPr/>
+        </p:nvSpPr>
+        <p:spPr>
+          <a:xfrm>
+            <a:off x="6126130" y="3284984"/>
+            <a:ext cx="364202" cy="523220"/>
+          </a:xfrm>
+          <a:prstGeom prst="rect">
+            <a:avLst/>
+          </a:prstGeom>
+          <a:noFill/>
+        </p:spPr>
+        <p:txBody>
+          <a:bodyPr wrap="none" rtlCol="0">
+            <a:spAutoFit/>
+          </a:bodyPr>
+          <a:lstStyle/>
+          <a:p>
+            <a:r>
+              <a:rPr lang="en-US" altLang="zh-CN" sz="2800" b="1" dirty="0" smtClean="0"/>
+              <a:t>+</a:t>
+            </a:r>
+            <a:endParaRPr lang="zh-CN" altLang="en-US" sz="2800" b="1" dirty="0"/>
+          </a:p>
+        </p:txBody>
+      </p:sp>
+      <p:sp>
+        <p:nvSpPr>
+          <p:cNvPr id="16" name="TextBox 15"/>
+          <p:cNvSpPr txBox="1"/>
+          <p:nvPr/>
+        </p:nvSpPr>
+        <p:spPr>
+          <a:xfrm>
+            <a:off x="331629" y="1988840"/>
+            <a:ext cx="2067489" cy="369332"/>
+          </a:xfrm>
+          <a:prstGeom prst="rect">
+            <a:avLst/>
+          </a:prstGeom>
+          <a:noFill/>
+        </p:spPr>
+        <p:txBody>
+          <a:bodyPr wrap="none" rtlCol="0">
+            <a:spAutoFit/>
+          </a:bodyPr>
+          <a:lstStyle/>
+          <a:p>
+            <a:r>
+              <a:rPr lang="en-US" altLang="zh-CN" dirty="0" smtClean="0"/>
+              <a:t>Imitation Parameter</a:t>
+            </a:r>
+            <a:endParaRPr lang="zh-CN" altLang="en-US" dirty="0"/>
+          </a:p>
+        </p:txBody>
+      </p:sp>
+      <mc:AlternateContent xmlns:mc="http://schemas.openxmlformats.org/markup-compatibility/2006" xmlns:a14="http://schemas.microsoft.com/office/drawing/2010/main">
+        <mc:Choice Requires="a14">
+          <p:sp>
+            <p:nvSpPr>
+              <p:cNvPr id="18" name="TextBox 17"/>
+              <p:cNvSpPr txBox="1"/>
+              <p:nvPr/>
+            </p:nvSpPr>
+            <p:spPr>
+              <a:xfrm>
+                <a:off x="2378299" y="1988840"/>
+                <a:ext cx="681533" cy="369332"/>
+              </a:xfrm>
+              <a:prstGeom prst="rect">
+                <a:avLst/>
+              </a:prstGeom>
+              <a:noFill/>
+            </p:spPr>
+            <p:txBody>
+              <a:bodyPr wrap="none" rtlCol="0">
+                <a:spAutoFit/>
+              </a:bodyPr>
+              <a:lstStyle/>
+              <a:p>
+                <a:pPr/>
+                <a14:m>
+                  <m:oMathPara xmlns:m="http://schemas.openxmlformats.org/officeDocument/2006/math">
+                    <m:oMathParaPr>
+                      <m:jc m:val="centerGroup"/>
+                    </m:oMathParaPr>
+                    <m:oMath xmlns:m="http://schemas.openxmlformats.org/officeDocument/2006/math">
+                      <m:r>
+                        <a:rPr lang="en-US" altLang="zh-CN" i="1" smtClean="0">
+                          <a:latin typeface="Cambria Math"/>
+                          <a:ea typeface="Cambria Math"/>
+                        </a:rPr>
+                        <m:t>×</m:t>
+                      </m:r>
+                      <m:sSub>
+                        <m:sSubPr>
+                          <m:ctrlPr>
+                            <a:rPr lang="en-US" altLang="zh-CN" i="1" smtClean="0">
+                              <a:latin typeface="Cambria Math"/>
+                            </a:rPr>
+                          </m:ctrlPr>
+                        </m:sSubPr>
+                        <m:e>
+                          <m:r>
+                            <a:rPr lang="zh-CN" altLang="en-US" i="1">
+                              <a:latin typeface="Cambria Math"/>
+                            </a:rPr>
+                            <m:t>𝜆</m:t>
+                          </m:r>
+                        </m:e>
+                        <m:sub>
+                          <m:r>
+                            <a:rPr lang="en-US" altLang="zh-CN" b="0" i="1" smtClean="0">
+                              <a:latin typeface="Cambria Math"/>
+                            </a:rPr>
+                            <m:t>2</m:t>
+                          </m:r>
+                        </m:sub>
+                      </m:sSub>
+                    </m:oMath>
+                  </m:oMathPara>
+                </a14:m>
+                <a:endParaRPr lang="zh-CN" altLang="en-US" dirty="0"/>
+              </a:p>
+            </p:txBody>
+          </p:sp>
+        </mc:Choice>
+        <mc:Fallback xmlns="">
+          <p:sp>
+            <p:nvSpPr>
+              <p:cNvPr id="18" name="TextBox 17"/>
+              <p:cNvSpPr txBox="1">
+                <a:spLocks noRot="1" noChangeAspect="1" noMove="1" noResize="1" noEditPoints="1" noAdjustHandles="1" noChangeArrowheads="1" noChangeShapeType="1" noTextEdit="1"/>
+              </p:cNvSpPr>
+              <p:nvPr/>
+            </p:nvSpPr>
+            <p:spPr>
+              <a:xfrm>
+                <a:off x="2378299" y="1988840"/>
+                <a:ext cx="681533" cy="369332"/>
+              </a:xfrm>
+              <a:prstGeom prst="rect">
+                <a:avLst/>
+              </a:prstGeom>
+              <a:blipFill rotWithShape="1">
+                <a:blip r:embed="rId5"/>
+                <a:stretch>
+                  <a:fillRect/>
+                </a:stretch>
+              </a:blipFill>
+            </p:spPr>
+            <p:txBody>
+              <a:bodyPr/>
+              <a:lstStyle/>
+              <a:p>
+                <a:r>
+                  <a:rPr lang="zh-CN" altLang="en-US">
+                    <a:noFill/>
+                  </a:rPr>
+                  <a:t> </a:t>
+                </a:r>
+              </a:p>
+            </p:txBody>
+          </p:sp>
+        </mc:Fallback>
+      </mc:AlternateContent>
+      <p:graphicFrame>
+        <p:nvGraphicFramePr>
+          <p:cNvPr id="22" name="表格 21"/>
+          <p:cNvGraphicFramePr>
+            <a:graphicFrameLocks noGrp="1"/>
+          </p:cNvGraphicFramePr>
+          <p:nvPr>
+            <p:extLst>
+              <p:ext uri="{D42A27DB-BD31-4B8C-83A1-F6EECF244321}">
+                <p14:modId xmlns:p14="http://schemas.microsoft.com/office/powerpoint/2010/main" val="1343038499"/>
+              </p:ext>
+            </p:extLst>
+          </p:nvPr>
+        </p:nvGraphicFramePr>
+        <p:xfrm>
+          <a:off x="1403648" y="5157192"/>
+          <a:ext cx="2736304" cy="741680"/>
+        </p:xfrm>
+        <a:graphic>
+          <a:graphicData uri="http://schemas.openxmlformats.org/drawingml/2006/table">
+            <a:tbl>
+              <a:tblPr firstRow="1" bandRow="1">
+                <a:tableStyleId>{93296810-A885-4BE3-A3E7-6D5BEEA58F35}</a:tableStyleId>
+              </a:tblPr>
+              <a:tblGrid>
+                <a:gridCol w="684076"/>
+                <a:gridCol w="684076"/>
+                <a:gridCol w="684076"/>
+                <a:gridCol w="684076"/>
+              </a:tblGrid>
+              <a:tr h="370840">
+                <a:tc>
+                  <a:txBody>
+                    <a:bodyPr/>
+                    <a:lstStyle/>
+                    <a:p>
+                      <a:pPr algn="ctr"/>
+                      <a:r>
+                        <a:rPr lang="en-US" altLang="zh-CN" dirty="0" smtClean="0"/>
+                        <a:t>Coke</a:t>
+                      </a:r>
+                      <a:endParaRPr lang="zh-CN" altLang="en-US" dirty="0"/>
+                    </a:p>
+                  </a:txBody>
+                  <a:tcPr/>
+                </a:tc>
+                <a:tc>
+                  <a:txBody>
+                    <a:bodyPr/>
+                    <a:lstStyle/>
+                    <a:p>
+                      <a:pPr algn="ctr"/>
+                      <a:r>
+                        <a:rPr lang="en-US" altLang="zh-CN" dirty="0" smtClean="0"/>
+                        <a:t>Pepsi</a:t>
+                      </a:r>
+                      <a:endParaRPr lang="zh-CN" altLang="en-US" dirty="0"/>
+                    </a:p>
+                  </a:txBody>
+                  <a:tcPr/>
+                </a:tc>
+                <a:tc>
+                  <a:txBody>
+                    <a:bodyPr/>
+                    <a:lstStyle/>
+                    <a:p>
+                      <a:pPr algn="ctr"/>
+                      <a:r>
+                        <a:rPr lang="en-US" altLang="zh-CN" sz="1700" dirty="0" smtClean="0"/>
+                        <a:t>Fanta</a:t>
+                      </a:r>
+                      <a:endParaRPr lang="zh-CN" altLang="en-US" sz="1700" dirty="0"/>
+                    </a:p>
+                  </a:txBody>
+                  <a:tcPr/>
+                </a:tc>
+                <a:tc>
+                  <a:txBody>
+                    <a:bodyPr/>
+                    <a:lstStyle/>
+                    <a:p>
+                      <a:pPr algn="ctr"/>
+                      <a:r>
+                        <a:rPr lang="en-US" altLang="zh-CN" sz="1600" dirty="0" smtClean="0"/>
+                        <a:t>Sprite</a:t>
+                      </a:r>
+                      <a:endParaRPr lang="zh-CN" altLang="en-US" sz="1600" dirty="0"/>
+                    </a:p>
+                  </a:txBody>
+                  <a:tcPr/>
+                </a:tc>
+              </a:tr>
+              <a:tr h="370840">
+                <a:tc>
+                  <a:txBody>
+                    <a:bodyPr/>
+                    <a:lstStyle/>
+                    <a:p>
+                      <a:pPr algn="ctr"/>
+                      <a:r>
+                        <a:rPr lang="en-US" altLang="zh-CN" dirty="0" smtClean="0"/>
+                        <a:t>0.16</a:t>
+                      </a:r>
+                      <a:endParaRPr lang="zh-CN" altLang="en-US" dirty="0"/>
+                    </a:p>
+                  </a:txBody>
+                  <a:tcPr/>
+                </a:tc>
+                <a:tc>
+                  <a:txBody>
+                    <a:bodyPr/>
+                    <a:lstStyle/>
+                    <a:p>
+                      <a:pPr algn="ctr"/>
+                      <a:r>
+                        <a:rPr lang="en-US" altLang="zh-CN" dirty="0" smtClean="0"/>
+                        <a:t>0.08</a:t>
+                      </a:r>
+                      <a:endParaRPr lang="zh-CN" altLang="en-US" dirty="0"/>
+                    </a:p>
+                  </a:txBody>
+                  <a:tcPr/>
+                </a:tc>
+                <a:tc>
+                  <a:txBody>
+                    <a:bodyPr/>
+                    <a:lstStyle/>
+                    <a:p>
+                      <a:pPr algn="ctr"/>
+                      <a:r>
+                        <a:rPr lang="en-US" altLang="zh-CN" dirty="0" smtClean="0"/>
+                        <a:t>0.32</a:t>
+                      </a:r>
+                      <a:endParaRPr lang="zh-CN" altLang="en-US" dirty="0"/>
+                    </a:p>
+                  </a:txBody>
+                  <a:tcPr/>
+                </a:tc>
+                <a:tc>
+                  <a:txBody>
+                    <a:bodyPr/>
+                    <a:lstStyle/>
+                    <a:p>
+                      <a:pPr algn="ctr"/>
+                      <a:r>
+                        <a:rPr lang="en-US" altLang="zh-CN" dirty="0" smtClean="0"/>
+                        <a:t>0.24</a:t>
+                      </a:r>
+                      <a:endParaRPr lang="zh-CN" altLang="en-US" dirty="0"/>
+                    </a:p>
+                  </a:txBody>
+                  <a:tcPr/>
+                </a:tc>
+              </a:tr>
+            </a:tbl>
+          </a:graphicData>
+        </a:graphic>
+      </p:graphicFrame>
+      <p:graphicFrame>
+        <p:nvGraphicFramePr>
+          <p:cNvPr id="23" name="表格 22"/>
+          <p:cNvGraphicFramePr>
+            <a:graphicFrameLocks noGrp="1"/>
+          </p:cNvGraphicFramePr>
+          <p:nvPr>
+            <p:extLst>
+              <p:ext uri="{D42A27DB-BD31-4B8C-83A1-F6EECF244321}">
+                <p14:modId xmlns:p14="http://schemas.microsoft.com/office/powerpoint/2010/main" val="214204322"/>
+              </p:ext>
+            </p:extLst>
+          </p:nvPr>
+        </p:nvGraphicFramePr>
+        <p:xfrm>
+          <a:off x="4940079" y="5157192"/>
+          <a:ext cx="2736304" cy="741680"/>
+        </p:xfrm>
+        <a:graphic>
+          <a:graphicData uri="http://schemas.openxmlformats.org/drawingml/2006/table">
+            <a:tbl>
+              <a:tblPr firstRow="1" bandRow="1">
+                <a:tableStyleId>{93296810-A885-4BE3-A3E7-6D5BEEA58F35}</a:tableStyleId>
+              </a:tblPr>
+              <a:tblGrid>
+                <a:gridCol w="684076"/>
+                <a:gridCol w="684076"/>
+                <a:gridCol w="684076"/>
+                <a:gridCol w="684076"/>
+              </a:tblGrid>
+              <a:tr h="370840">
+                <a:tc>
+                  <a:txBody>
+                    <a:bodyPr/>
+                    <a:lstStyle/>
+                    <a:p>
+                      <a:pPr algn="ctr"/>
+                      <a:r>
+                        <a:rPr lang="en-US" altLang="zh-CN" dirty="0" smtClean="0"/>
+                        <a:t>Coke</a:t>
+                      </a:r>
+                      <a:endParaRPr lang="zh-CN" altLang="en-US" dirty="0"/>
+                    </a:p>
+                  </a:txBody>
+                  <a:tcPr/>
+                </a:tc>
+                <a:tc>
+                  <a:txBody>
+                    <a:bodyPr/>
+                    <a:lstStyle/>
+                    <a:p>
+                      <a:pPr algn="ctr"/>
+                      <a:r>
+                        <a:rPr lang="en-US" altLang="zh-CN" dirty="0" smtClean="0"/>
+                        <a:t>Pepsi</a:t>
+                      </a:r>
+                      <a:endParaRPr lang="zh-CN" altLang="en-US" dirty="0"/>
+                    </a:p>
+                  </a:txBody>
+                  <a:tcPr/>
+                </a:tc>
+                <a:tc>
+                  <a:txBody>
+                    <a:bodyPr/>
+                    <a:lstStyle/>
+                    <a:p>
+                      <a:pPr algn="ctr"/>
+                      <a:r>
+                        <a:rPr lang="en-US" altLang="zh-CN" sz="1700" dirty="0" smtClean="0"/>
+                        <a:t>Fanta</a:t>
+                      </a:r>
+                      <a:endParaRPr lang="zh-CN" altLang="en-US" sz="1700" dirty="0"/>
+                    </a:p>
+                  </a:txBody>
+                  <a:tcPr/>
+                </a:tc>
+                <a:tc>
+                  <a:txBody>
+                    <a:bodyPr/>
+                    <a:lstStyle/>
+                    <a:p>
+                      <a:pPr algn="ctr"/>
+                      <a:r>
+                        <a:rPr lang="en-US" altLang="zh-CN" sz="1600" dirty="0" smtClean="0"/>
+                        <a:t>Sprite</a:t>
+                      </a:r>
+                      <a:endParaRPr lang="zh-CN" altLang="en-US" sz="1600" dirty="0"/>
+                    </a:p>
+                  </a:txBody>
+                  <a:tcPr/>
+                </a:tc>
+              </a:tr>
+              <a:tr h="370840">
+                <a:tc>
+                  <a:txBody>
+                    <a:bodyPr/>
+                    <a:lstStyle/>
+                    <a:p>
+                      <a:pPr algn="ctr"/>
+                      <a:r>
+                        <a:rPr lang="en-US" altLang="zh-CN" dirty="0" smtClean="0"/>
+                        <a:t>0.12</a:t>
+                      </a:r>
+                      <a:endParaRPr lang="zh-CN" altLang="en-US" dirty="0"/>
+                    </a:p>
+                  </a:txBody>
+                  <a:tcPr/>
+                </a:tc>
+                <a:tc>
+                  <a:txBody>
+                    <a:bodyPr/>
+                    <a:lstStyle/>
+                    <a:p>
+                      <a:pPr algn="ctr"/>
+                      <a:r>
+                        <a:rPr lang="en-US" altLang="zh-CN" dirty="0" smtClean="0"/>
+                        <a:t>0.12</a:t>
+                      </a:r>
+                      <a:endParaRPr lang="zh-CN" altLang="en-US" dirty="0"/>
+                    </a:p>
+                  </a:txBody>
+                  <a:tcPr/>
+                </a:tc>
+                <a:tc>
+                  <a:txBody>
+                    <a:bodyPr/>
+                    <a:lstStyle/>
+                    <a:p>
+                      <a:pPr algn="ctr"/>
+                      <a:r>
+                        <a:rPr lang="en-US" altLang="zh-CN" dirty="0" smtClean="0"/>
+                        <a:t>0.6</a:t>
+                      </a:r>
+                      <a:endParaRPr lang="zh-CN" altLang="en-US" dirty="0"/>
+                    </a:p>
+                  </a:txBody>
+                  <a:tcPr/>
+                </a:tc>
+                <a:tc>
+                  <a:txBody>
+                    <a:bodyPr/>
+                    <a:lstStyle/>
+                    <a:p>
+                      <a:pPr algn="ctr"/>
+                      <a:r>
+                        <a:rPr lang="en-US" altLang="zh-CN" dirty="0" smtClean="0"/>
+                        <a:t>0.16</a:t>
+                      </a:r>
+                      <a:endParaRPr lang="zh-CN" altLang="en-US" dirty="0"/>
+                    </a:p>
+                  </a:txBody>
+                  <a:tcPr/>
+                </a:tc>
+              </a:tr>
+            </a:tbl>
+          </a:graphicData>
+        </a:graphic>
+      </p:graphicFrame>
+      <p:sp>
+        <p:nvSpPr>
+          <p:cNvPr id="24" name="TextBox 23"/>
+          <p:cNvSpPr txBox="1"/>
+          <p:nvPr/>
+        </p:nvSpPr>
+        <p:spPr>
+          <a:xfrm>
+            <a:off x="106984" y="5157192"/>
+            <a:ext cx="993221" cy="646331"/>
+          </a:xfrm>
+          <a:prstGeom prst="rect">
+            <a:avLst/>
+          </a:prstGeom>
+          <a:noFill/>
+        </p:spPr>
+        <p:txBody>
+          <a:bodyPr wrap="none" rtlCol="0">
+            <a:spAutoFit/>
+          </a:bodyPr>
+          <a:lstStyle/>
+          <a:p>
+            <a:pPr algn="ctr"/>
+            <a:r>
+              <a:rPr lang="en-US" altLang="zh-CN" dirty="0" smtClean="0"/>
+              <a:t>Distilled </a:t>
+            </a:r>
+          </a:p>
+          <a:p>
+            <a:pPr algn="ctr"/>
+            <a:r>
+              <a:rPr lang="en-US" altLang="zh-CN" dirty="0" smtClean="0"/>
+              <a:t>Label</a:t>
+            </a:r>
+            <a:endParaRPr lang="zh-CN" altLang="en-US" dirty="0"/>
+          </a:p>
+        </p:txBody>
+      </p:sp>
+      <p:sp>
+        <p:nvSpPr>
+          <p:cNvPr id="25" name="右箭头 24"/>
+          <p:cNvSpPr/>
+          <p:nvPr/>
+        </p:nvSpPr>
+        <p:spPr>
+          <a:xfrm rot="5400000">
+            <a:off x="2515610" y="4617132"/>
+            <a:ext cx="432048" cy="360040"/>
+          </a:xfrm>
+          <a:prstGeom prst="rightArrow">
+            <a:avLst/>
+          </a:prstGeom>
+          <a:solidFill>
+            <a:schemeClr val="accent6"/>
+          </a:solidFill>
+          <a:ln>
+            <a:noFill/>
+          </a:ln>
+        </p:spPr>
+        <p:style>
+          <a:lnRef idx="2">
+            <a:schemeClr val="accent1">
+              <a:shade val="50000"/>
+            </a:schemeClr>
+          </a:lnRef>
+          <a:fillRef idx="1">
+            <a:schemeClr val="accent1"/>
+          </a:fillRef>
+          <a:effectRef idx="0">
+            <a:schemeClr val="accent1"/>
+          </a:effectRef>
+          <a:fontRef idx="minor">
+            <a:schemeClr val="lt1"/>
+          </a:fontRef>
+        </p:style>
+        <p:txBody>
+          <a:bodyPr rtlCol="0" anchor="ctr"/>
+          <a:lstStyle/>
+          <a:p>
+            <a:pPr algn="ctr"/>
+            <a:endParaRPr lang="zh-CN" altLang="en-US"/>
+          </a:p>
+        </p:txBody>
+      </p:sp>
+      <p:sp>
+        <p:nvSpPr>
+          <p:cNvPr id="26" name="右箭头 25"/>
+          <p:cNvSpPr/>
+          <p:nvPr/>
+        </p:nvSpPr>
+        <p:spPr>
+          <a:xfrm rot="5400000">
+            <a:off x="6094288" y="4617132"/>
+            <a:ext cx="432048" cy="360040"/>
+          </a:xfrm>
+          <a:prstGeom prst="rightArrow">
+            <a:avLst/>
+          </a:prstGeom>
+          <a:solidFill>
+            <a:schemeClr val="accent6"/>
+          </a:solidFill>
+          <a:ln>
+            <a:noFill/>
+          </a:ln>
+        </p:spPr>
+        <p:style>
+          <a:lnRef idx="2">
+            <a:schemeClr val="accent1">
+              <a:shade val="50000"/>
+            </a:schemeClr>
+          </a:lnRef>
+          <a:fillRef idx="1">
+            <a:schemeClr val="accent1"/>
+          </a:fillRef>
+          <a:effectRef idx="0">
+            <a:schemeClr val="accent1"/>
+          </a:effectRef>
+          <a:fontRef idx="minor">
+            <a:schemeClr val="lt1"/>
+          </a:fontRef>
+        </p:style>
+        <p:txBody>
+          <a:bodyPr rtlCol="0" anchor="ctr"/>
+          <a:lstStyle/>
+          <a:p>
+            <a:pPr algn="ctr"/>
+            <a:endParaRPr lang="zh-CN" altLang="en-US"/>
+          </a:p>
+        </p:txBody>
+      </p:sp>
+      <p:sp>
+        <p:nvSpPr>
+          <p:cNvPr id="27" name="TextBox 26"/>
+          <p:cNvSpPr txBox="1"/>
+          <p:nvPr/>
+        </p:nvSpPr>
+        <p:spPr>
+          <a:xfrm>
+            <a:off x="2843808" y="6165304"/>
+            <a:ext cx="3779496" cy="369332"/>
+          </a:xfrm>
+          <a:prstGeom prst="rect">
+            <a:avLst/>
+          </a:prstGeom>
+          <a:noFill/>
+        </p:spPr>
+        <p:txBody>
+          <a:bodyPr wrap="none" rtlCol="0">
+            <a:spAutoFit/>
+          </a:bodyPr>
+          <a:lstStyle/>
+          <a:p>
+            <a:r>
+              <a:rPr lang="en-US" altLang="zh-CN" b="1" dirty="0" smtClean="0">
+                <a:solidFill>
+                  <a:srgbClr val="FF0000"/>
+                </a:solidFill>
+              </a:rPr>
+              <a:t>How to solve the Imitation Parameter</a:t>
+            </a:r>
+            <a:endParaRPr lang="zh-CN" altLang="en-US" b="1" dirty="0">
+              <a:solidFill>
+                <a:srgbClr val="FF0000"/>
+              </a:solidFill>
+            </a:endParaRPr>
+          </a:p>
+        </p:txBody>
+      </p:sp>
+      <mc:AlternateContent xmlns:mc="http://schemas.openxmlformats.org/markup-compatibility/2006" xmlns:a14="http://schemas.microsoft.com/office/drawing/2010/main">
+        <mc:Choice Requires="a14">
+          <p:sp>
+            <p:nvSpPr>
+              <p:cNvPr id="29" name="TextBox 28"/>
+              <p:cNvSpPr txBox="1"/>
+              <p:nvPr/>
+            </p:nvSpPr>
+            <p:spPr>
+              <a:xfrm>
+                <a:off x="166031" y="4086364"/>
+                <a:ext cx="1035796" cy="369332"/>
+              </a:xfrm>
+              <a:prstGeom prst="rect">
+                <a:avLst/>
+              </a:prstGeom>
+              <a:noFill/>
+            </p:spPr>
+            <p:txBody>
+              <a:bodyPr wrap="none" rtlCol="0">
+                <a:spAutoFit/>
+              </a:bodyPr>
+              <a:lstStyle/>
+              <a:p>
+                <a14:m>
+                  <m:oMath xmlns:m="http://schemas.openxmlformats.org/officeDocument/2006/math">
+                    <m:r>
+                      <a:rPr lang="en-US" altLang="zh-CN" i="1" smtClean="0">
+                        <a:latin typeface="Cambria Math"/>
+                        <a:ea typeface="Cambria Math"/>
+                      </a:rPr>
+                      <m:t>×</m:t>
+                    </m:r>
+                    <m:sSub>
+                      <m:sSubPr>
+                        <m:ctrlPr>
+                          <a:rPr lang="en-US" altLang="zh-CN" i="1" smtClean="0">
+                            <a:latin typeface="Cambria Math"/>
+                          </a:rPr>
+                        </m:ctrlPr>
+                      </m:sSubPr>
+                      <m:e>
+                        <m:r>
+                          <a:rPr lang="zh-CN" altLang="en-US" i="1">
+                            <a:latin typeface="Cambria Math"/>
+                          </a:rPr>
+                          <m:t>𝜆</m:t>
+                        </m:r>
+                      </m:e>
+                      <m:sub>
+                        <m:r>
+                          <a:rPr lang="en-US" altLang="zh-CN" b="0" i="1" smtClean="0">
+                            <a:latin typeface="Cambria Math"/>
+                          </a:rPr>
+                          <m:t>2</m:t>
+                        </m:r>
+                      </m:sub>
+                    </m:sSub>
+                  </m:oMath>
+                </a14:m>
+                <a:r>
+                  <a:rPr lang="en-US" altLang="zh-CN" dirty="0" smtClean="0"/>
+                  <a:t>=0.2</a:t>
+                </a:r>
+                <a:endParaRPr lang="zh-CN" altLang="en-US" dirty="0"/>
+              </a:p>
+            </p:txBody>
+          </p:sp>
+        </mc:Choice>
+        <mc:Fallback xmlns="">
+          <p:sp>
+            <p:nvSpPr>
+              <p:cNvPr id="29" name="TextBox 28"/>
+              <p:cNvSpPr txBox="1">
+                <a:spLocks noRot="1" noChangeAspect="1" noMove="1" noResize="1" noEditPoints="1" noAdjustHandles="1" noChangeArrowheads="1" noChangeShapeType="1" noTextEdit="1"/>
+              </p:cNvSpPr>
+              <p:nvPr/>
+            </p:nvSpPr>
+            <p:spPr>
+              <a:xfrm>
+                <a:off x="166031" y="4086364"/>
+                <a:ext cx="1035796" cy="369332"/>
+              </a:xfrm>
+              <a:prstGeom prst="rect">
+                <a:avLst/>
+              </a:prstGeom>
+              <a:blipFill rotWithShape="1">
+                <a:blip r:embed="rId6"/>
+                <a:stretch>
+                  <a:fillRect t="-8197" r="-4706" b="-24590"/>
+                </a:stretch>
+              </a:blipFill>
+            </p:spPr>
+            <p:txBody>
+              <a:bodyPr/>
+              <a:lstStyle/>
+              <a:p>
+                <a:r>
+                  <a:rPr lang="zh-CN" altLang="en-US">
+                    <a:noFill/>
+                  </a:rPr>
+                  <a:t> </a:t>
+                </a:r>
+              </a:p>
+            </p:txBody>
+          </p:sp>
+        </mc:Fallback>
+      </mc:AlternateContent>
+    </p:spTree>
+    <p:extLst>
+      <p:ext uri="{BB962C8B-B14F-4D97-AF65-F5344CB8AC3E}">
+        <p14:creationId xmlns:p14="http://schemas.microsoft.com/office/powerpoint/2010/main" val="1425403843"/>
+      </p:ext>
+    </p:extLst>
+  </p:cSld>
+  <p:clrMapOvr>
+    <a:masterClrMapping/>
+  </p:clrMapOvr>
+  <p:timing>
+    <p:tnLst>
+      <p:par>
+        <p:cTn id="1" dur="indefinite" restart="never" nodeType="tmRoot"/>
+      </p:par>
+    </p:tnLst>
+  </p:timing>
+</p:sld>
+</file>
+
+<file path=ppt/slides/slide7.xml><?xml version="1.0" encoding="utf-8"?>
+<p:sld xmlns:a="http://schemas.openxmlformats.org/drawingml/2006/main" xmlns:r="http://schemas.openxmlformats.org/officeDocument/2006/relationships" xmlns:p="http://schemas.openxmlformats.org/presentationml/2006/main">
+  <p:cSld>
+    <p:spTree>
+      <p:nvGrpSpPr>
+        <p:cNvPr id="1" name=""/>
+        <p:cNvGrpSpPr/>
+        <p:nvPr/>
+      </p:nvGrpSpPr>
+      <p:grpSpPr>
+        <a:xfrm>
+          <a:off x="0" y="0"/>
+          <a:ext cx="0" cy="0"/>
+          <a:chOff x="0" y="0"/>
+          <a:chExt cx="0" cy="0"/>
+        </a:xfrm>
+      </p:grpSpPr>
+      <p:graphicFrame>
+        <p:nvGraphicFramePr>
+          <p:cNvPr id="4" name="表格 3"/>
+          <p:cNvGraphicFramePr>
+            <a:graphicFrameLocks noGrp="1"/>
+          </p:cNvGraphicFramePr>
+          <p:nvPr>
+            <p:extLst>
+              <p:ext uri="{D42A27DB-BD31-4B8C-83A1-F6EECF244321}">
+                <p14:modId xmlns:p14="http://schemas.microsoft.com/office/powerpoint/2010/main" val="1777642674"/>
+              </p:ext>
+            </p:extLst>
+          </p:nvPr>
+        </p:nvGraphicFramePr>
+        <p:xfrm>
+          <a:off x="2699792" y="260648"/>
+          <a:ext cx="2736304" cy="741680"/>
+        </p:xfrm>
+        <a:graphic>
+          <a:graphicData uri="http://schemas.openxmlformats.org/drawingml/2006/table">
+            <a:tbl>
+              <a:tblPr firstRow="1" bandRow="1">
+                <a:tableStyleId>{5C22544A-7EE6-4342-B048-85BDC9FD1C3A}</a:tableStyleId>
+              </a:tblPr>
+              <a:tblGrid>
+                <a:gridCol w="684076"/>
+                <a:gridCol w="684076"/>
+                <a:gridCol w="684076"/>
+                <a:gridCol w="684076"/>
+              </a:tblGrid>
+              <a:tr h="370840">
+                <a:tc>
+                  <a:txBody>
+                    <a:bodyPr/>
+                    <a:lstStyle/>
+                    <a:p>
+                      <a:pPr algn="ctr"/>
+                      <a:r>
+                        <a:rPr lang="en-US" altLang="zh-CN" dirty="0" smtClean="0"/>
+                        <a:t>Coke</a:t>
+                      </a:r>
+                      <a:endParaRPr lang="zh-CN" altLang="en-US" dirty="0"/>
+                    </a:p>
+                  </a:txBody>
+                  <a:tcPr/>
+                </a:tc>
+                <a:tc>
+                  <a:txBody>
+                    <a:bodyPr/>
+                    <a:lstStyle/>
+                    <a:p>
+                      <a:pPr algn="ctr"/>
+                      <a:r>
+                        <a:rPr lang="en-US" altLang="zh-CN" dirty="0" smtClean="0"/>
+                        <a:t>Pepsi</a:t>
+                      </a:r>
+                      <a:endParaRPr lang="zh-CN" altLang="en-US" dirty="0"/>
+                    </a:p>
+                  </a:txBody>
+                  <a:tcPr/>
+                </a:tc>
+                <a:tc>
+                  <a:txBody>
+                    <a:bodyPr/>
+                    <a:lstStyle/>
+                    <a:p>
+                      <a:pPr algn="ctr"/>
+                      <a:r>
+                        <a:rPr lang="en-US" altLang="zh-CN" sz="1700" dirty="0" smtClean="0"/>
+                        <a:t>Fanta</a:t>
+                      </a:r>
+                      <a:endParaRPr lang="zh-CN" altLang="en-US" sz="1700" dirty="0"/>
+                    </a:p>
+                  </a:txBody>
+                  <a:tcPr/>
+                </a:tc>
+                <a:tc>
+                  <a:txBody>
+                    <a:bodyPr/>
+                    <a:lstStyle/>
+                    <a:p>
+                      <a:pPr algn="ctr"/>
+                      <a:r>
+                        <a:rPr lang="en-US" altLang="zh-CN" sz="1600" dirty="0" smtClean="0"/>
+                        <a:t>Sprite</a:t>
+                      </a:r>
+                      <a:endParaRPr lang="zh-CN" altLang="en-US" sz="1600" dirty="0"/>
+                    </a:p>
+                  </a:txBody>
+                  <a:tcPr/>
+                </a:tc>
+              </a:tr>
+              <a:tr h="370840">
+                <a:tc>
+                  <a:txBody>
+                    <a:bodyPr/>
+                    <a:lstStyle/>
+                    <a:p>
+                      <a:pPr algn="ctr"/>
+                      <a:r>
+                        <a:rPr lang="en-US" altLang="zh-CN" dirty="0" smtClean="0"/>
+                        <a:t>0.2</a:t>
+                      </a:r>
+                      <a:endParaRPr lang="zh-CN" altLang="en-US" dirty="0"/>
+                    </a:p>
+                  </a:txBody>
+                  <a:tcPr/>
+                </a:tc>
+                <a:tc>
+                  <a:txBody>
+                    <a:bodyPr/>
+                    <a:lstStyle/>
+                    <a:p>
+                      <a:pPr algn="ctr"/>
+                      <a:r>
+                        <a:rPr lang="en-US" altLang="zh-CN" dirty="0" smtClean="0"/>
+                        <a:t>0.1</a:t>
+                      </a:r>
+                      <a:endParaRPr lang="zh-CN" altLang="en-US" dirty="0"/>
+                    </a:p>
+                  </a:txBody>
+                  <a:tcPr/>
+                </a:tc>
+                <a:tc>
+                  <a:txBody>
+                    <a:bodyPr/>
+                    <a:lstStyle/>
+                    <a:p>
+                      <a:pPr algn="ctr"/>
+                      <a:r>
+                        <a:rPr lang="en-US" altLang="zh-CN" dirty="0" smtClean="0"/>
+                        <a:t>0.4</a:t>
+                      </a:r>
+                      <a:endParaRPr lang="zh-CN" altLang="en-US" dirty="0"/>
+                    </a:p>
+                  </a:txBody>
+                  <a:tcPr/>
+                </a:tc>
+                <a:tc>
+                  <a:txBody>
+                    <a:bodyPr/>
+                    <a:lstStyle/>
+                    <a:p>
+                      <a:pPr algn="ctr"/>
+                      <a:r>
+                        <a:rPr lang="en-US" altLang="zh-CN" dirty="0" smtClean="0"/>
+                        <a:t>0.3</a:t>
+                      </a:r>
+                      <a:endParaRPr lang="zh-CN" altLang="en-US" dirty="0"/>
+                    </a:p>
+                  </a:txBody>
+                  <a:tcPr/>
+                </a:tc>
+              </a:tr>
+            </a:tbl>
+          </a:graphicData>
+        </a:graphic>
+      </p:graphicFrame>
+      <mc:AlternateContent xmlns:mc="http://schemas.openxmlformats.org/markup-compatibility/2006" xmlns:a14="http://schemas.microsoft.com/office/drawing/2010/main">
+        <mc:Choice Requires="a14">
+          <p:graphicFrame>
+            <p:nvGraphicFramePr>
+              <p:cNvPr id="14" name="表格 13"/>
+              <p:cNvGraphicFramePr>
+                <a:graphicFrameLocks noGrp="1"/>
+              </p:cNvGraphicFramePr>
+              <p:nvPr>
+                <p:extLst>
+                  <p:ext uri="{D42A27DB-BD31-4B8C-83A1-F6EECF244321}">
+                    <p14:modId xmlns:p14="http://schemas.microsoft.com/office/powerpoint/2010/main" val="1353762241"/>
+                  </p:ext>
+                </p:extLst>
+              </p:nvPr>
+            </p:nvGraphicFramePr>
+            <p:xfrm>
+              <a:off x="2016992" y="1754986"/>
+              <a:ext cx="4283200" cy="741680"/>
+            </p:xfrm>
+            <a:graphic>
+              <a:graphicData uri="http://schemas.openxmlformats.org/drawingml/2006/table">
+                <a:tbl>
+                  <a:tblPr firstRow="1" bandRow="1">
+                    <a:tableStyleId>{5C22544A-7EE6-4342-B048-85BDC9FD1C3A}</a:tableStyleId>
+                  </a:tblPr>
+                  <a:tblGrid>
+                    <a:gridCol w="1070800"/>
+                    <a:gridCol w="1070800"/>
+                    <a:gridCol w="1070800"/>
+                    <a:gridCol w="1070800"/>
+                  </a:tblGrid>
+                  <a:tr h="370840">
+                    <a:tc>
+                      <a:txBody>
+                        <a:bodyPr/>
+                        <a:lstStyle/>
+                        <a:p>
+                          <a:pPr algn="ctr"/>
+                          <a:r>
+                            <a:rPr lang="en-US" altLang="zh-CN" dirty="0" smtClean="0"/>
+                            <a:t>Coke</a:t>
+                          </a:r>
+                          <a:endParaRPr lang="zh-CN" altLang="en-US" dirty="0"/>
+                        </a:p>
+                      </a:txBody>
+                      <a:tcPr/>
+                    </a:tc>
+                    <a:tc>
+                      <a:txBody>
+                        <a:bodyPr/>
+                        <a:lstStyle/>
+                        <a:p>
+                          <a:pPr algn="ctr"/>
+                          <a:r>
+                            <a:rPr lang="en-US" altLang="zh-CN" dirty="0" smtClean="0"/>
+                            <a:t>Pepsi</a:t>
+                          </a:r>
+                          <a:endParaRPr lang="zh-CN" altLang="en-US" dirty="0"/>
+                        </a:p>
+                      </a:txBody>
+                      <a:tcPr/>
+                    </a:tc>
+                    <a:tc>
+                      <a:txBody>
+                        <a:bodyPr/>
+                        <a:lstStyle/>
+                        <a:p>
+                          <a:pPr algn="ctr"/>
+                          <a:r>
+                            <a:rPr lang="en-US" altLang="zh-CN" sz="1700" dirty="0" smtClean="0"/>
+                            <a:t>Fanta</a:t>
+                          </a:r>
+                          <a:endParaRPr lang="zh-CN" altLang="en-US" sz="1700" dirty="0"/>
+                        </a:p>
+                      </a:txBody>
+                      <a:tcPr/>
+                    </a:tc>
+                    <a:tc>
+                      <a:txBody>
+                        <a:bodyPr/>
+                        <a:lstStyle/>
+                        <a:p>
+                          <a:pPr algn="ctr"/>
+                          <a:r>
+                            <a:rPr lang="en-US" altLang="zh-CN" sz="1600" dirty="0" smtClean="0"/>
+                            <a:t>Sprite</a:t>
+                          </a:r>
+                          <a:endParaRPr lang="zh-CN" altLang="en-US" sz="1600" dirty="0"/>
+                        </a:p>
+                      </a:txBody>
+                      <a:tcPr/>
+                    </a:tc>
+                  </a:tr>
+                  <a:tr h="370840">
+                    <a:tc>
+                      <a:txBody>
+                        <a:bodyPr/>
+                        <a:lstStyle/>
+                        <a:p>
+                          <a:pPr marL="0" marR="0" indent="0" algn="ctr" defTabSz="914400" rtl="0" eaLnBrk="1" fontAlgn="auto" latinLnBrk="0" hangingPunct="1">
+                            <a:lnSpc>
+                              <a:spcPct val="100000"/>
+                            </a:lnSpc>
+                            <a:spcBef>
+                              <a:spcPts val="0"/>
+                            </a:spcBef>
+                            <a:spcAft>
+                              <a:spcPts val="0"/>
+                            </a:spcAft>
+                            <a:buClrTx/>
+                            <a:buSzTx/>
+                            <a:buFontTx/>
+                            <a:buNone/>
+                            <a:tabLst/>
+                            <a:defRPr/>
+                          </a:pPr>
+                          <a:r>
+                            <a:rPr lang="en-US" altLang="zh-CN" dirty="0" smtClean="0"/>
+                            <a:t>0.2</a:t>
+                          </a:r>
+                          <a14:m>
+                            <m:oMath xmlns:m="http://schemas.openxmlformats.org/officeDocument/2006/math">
+                              <m:r>
+                                <a:rPr lang="zh-CN" altLang="en-US" i="1" smtClean="0">
+                                  <a:latin typeface="Cambria Math"/>
+                                </a:rPr>
+                                <m:t>𝜆</m:t>
+                              </m:r>
+                            </m:oMath>
+                          </a14:m>
+                          <a:endParaRPr lang="zh-CN" altLang="en-US" dirty="0"/>
+                        </a:p>
+                      </a:txBody>
+                      <a:tcPr/>
+                    </a:tc>
+                    <a:tc>
+                      <a:txBody>
+                        <a:bodyPr/>
+                        <a:lstStyle/>
+                        <a:p>
+                          <a:pPr marL="0" marR="0" indent="0" algn="ctr" defTabSz="914400" rtl="0" eaLnBrk="1" fontAlgn="auto" latinLnBrk="0" hangingPunct="1">
+                            <a:lnSpc>
+                              <a:spcPct val="100000"/>
+                            </a:lnSpc>
+                            <a:spcBef>
+                              <a:spcPts val="0"/>
+                            </a:spcBef>
+                            <a:spcAft>
+                              <a:spcPts val="0"/>
+                            </a:spcAft>
+                            <a:buClrTx/>
+                            <a:buSzTx/>
+                            <a:buFontTx/>
+                            <a:buNone/>
+                            <a:tabLst/>
+                            <a:defRPr/>
+                          </a:pPr>
+                          <a:r>
+                            <a:rPr lang="en-US" altLang="zh-CN" dirty="0" smtClean="0"/>
+                            <a:t>0.1</a:t>
+                          </a:r>
+                          <a14:m>
+                            <m:oMath xmlns:m="http://schemas.openxmlformats.org/officeDocument/2006/math">
+                              <m:r>
+                                <a:rPr lang="zh-CN" altLang="en-US" i="1" smtClean="0">
+                                  <a:latin typeface="Cambria Math"/>
+                                </a:rPr>
+                                <m:t>𝜆</m:t>
+                              </m:r>
+                            </m:oMath>
+                          </a14:m>
+                          <a:endParaRPr lang="zh-CN" altLang="en-US" dirty="0"/>
+                        </a:p>
+                      </a:txBody>
+                      <a:tcPr/>
+                    </a:tc>
+                    <a:tc>
+                      <a:txBody>
+                        <a:bodyPr/>
+                        <a:lstStyle/>
+                        <a:p>
+                          <a:pPr algn="ctr"/>
+                          <a:r>
+                            <a:rPr lang="en-US" altLang="zh-CN" dirty="0" smtClean="0"/>
+                            <a:t>0.4</a:t>
+                          </a:r>
+                          <a14:m>
+                            <m:oMath xmlns:m="http://schemas.openxmlformats.org/officeDocument/2006/math">
+                              <m:r>
+                                <a:rPr lang="zh-CN" altLang="en-US" i="1" smtClean="0">
+                                  <a:latin typeface="Cambria Math"/>
+                                </a:rPr>
+                                <m:t>𝜆</m:t>
+                              </m:r>
+                            </m:oMath>
+                          </a14:m>
+                          <a:endParaRPr lang="zh-CN" altLang="en-US" dirty="0"/>
+                        </a:p>
+                      </a:txBody>
+                      <a:tcPr/>
+                    </a:tc>
+                    <a:tc>
+                      <a:txBody>
+                        <a:bodyPr/>
+                        <a:lstStyle/>
+                        <a:p>
+                          <a:pPr algn="ctr"/>
+                          <a:r>
+                            <a:rPr lang="en-US" altLang="zh-CN" dirty="0" smtClean="0"/>
+                            <a:t>0.3</a:t>
+                          </a:r>
+                          <a14:m>
+                            <m:oMath xmlns:m="http://schemas.openxmlformats.org/officeDocument/2006/math">
+                              <m:r>
+                                <a:rPr lang="zh-CN" altLang="en-US" i="1" smtClean="0">
+                                  <a:latin typeface="Cambria Math"/>
+                                </a:rPr>
+                                <m:t>𝜆</m:t>
+                              </m:r>
+                            </m:oMath>
+                          </a14:m>
+                          <a:endParaRPr lang="zh-CN" altLang="en-US" dirty="0"/>
+                        </a:p>
+                      </a:txBody>
+                      <a:tcPr/>
+                    </a:tc>
+                  </a:tr>
+                </a:tbl>
+              </a:graphicData>
+            </a:graphic>
+          </p:graphicFrame>
+        </mc:Choice>
+        <mc:Fallback xmlns="">
+          <p:graphicFrame>
+            <p:nvGraphicFramePr>
+              <p:cNvPr id="14" name="表格 13"/>
+              <p:cNvGraphicFramePr>
+                <a:graphicFrameLocks noGrp="1"/>
+              </p:cNvGraphicFramePr>
+              <p:nvPr>
+                <p:extLst>
+                  <p:ext uri="{D42A27DB-BD31-4B8C-83A1-F6EECF244321}">
+                    <p14:modId xmlns:p14="http://schemas.microsoft.com/office/powerpoint/2010/main" val="1353762241"/>
+                  </p:ext>
+                </p:extLst>
+              </p:nvPr>
+            </p:nvGraphicFramePr>
+            <p:xfrm>
+              <a:off x="2016992" y="1754986"/>
+              <a:ext cx="4283200" cy="741680"/>
+            </p:xfrm>
+            <a:graphic>
+              <a:graphicData uri="http://schemas.openxmlformats.org/drawingml/2006/table">
+                <a:tbl>
+                  <a:tblPr firstRow="1" bandRow="1">
+                    <a:tableStyleId>{5C22544A-7EE6-4342-B048-85BDC9FD1C3A}</a:tableStyleId>
+                  </a:tblPr>
+                  <a:tblGrid>
+                    <a:gridCol w="1070800"/>
+                    <a:gridCol w="1070800"/>
+                    <a:gridCol w="1070800"/>
+                    <a:gridCol w="1070800"/>
+                  </a:tblGrid>
+                  <a:tr h="370840">
+                    <a:tc>
+                      <a:txBody>
+                        <a:bodyPr/>
+                        <a:lstStyle/>
+                        <a:p>
+                          <a:pPr algn="ctr"/>
+                          <a:r>
+                            <a:rPr lang="en-US" altLang="zh-CN" dirty="0" smtClean="0"/>
+                            <a:t>Coke</a:t>
+                          </a:r>
+                          <a:endParaRPr lang="zh-CN" altLang="en-US" dirty="0"/>
+                        </a:p>
+                      </a:txBody>
+                      <a:tcPr/>
+                    </a:tc>
+                    <a:tc>
+                      <a:txBody>
+                        <a:bodyPr/>
+                        <a:lstStyle/>
+                        <a:p>
+                          <a:pPr algn="ctr"/>
+                          <a:r>
+                            <a:rPr lang="en-US" altLang="zh-CN" dirty="0" smtClean="0"/>
+                            <a:t>Pepsi</a:t>
+                          </a:r>
+                          <a:endParaRPr lang="zh-CN" altLang="en-US" dirty="0"/>
+                        </a:p>
+                      </a:txBody>
+                      <a:tcPr/>
+                    </a:tc>
+                    <a:tc>
+                      <a:txBody>
+                        <a:bodyPr/>
+                        <a:lstStyle/>
+                        <a:p>
+                          <a:pPr algn="ctr"/>
+                          <a:r>
+                            <a:rPr lang="en-US" altLang="zh-CN" sz="1700" dirty="0" smtClean="0"/>
+                            <a:t>Fanta</a:t>
+                          </a:r>
+                          <a:endParaRPr lang="zh-CN" altLang="en-US" sz="1700" dirty="0"/>
+                        </a:p>
+                      </a:txBody>
+                      <a:tcPr/>
+                    </a:tc>
+                    <a:tc>
+                      <a:txBody>
+                        <a:bodyPr/>
+                        <a:lstStyle/>
+                        <a:p>
+                          <a:pPr algn="ctr"/>
+                          <a:r>
+                            <a:rPr lang="en-US" altLang="zh-CN" sz="1600" dirty="0" smtClean="0"/>
+                            <a:t>Sprite</a:t>
+                          </a:r>
+                          <a:endParaRPr lang="zh-CN" altLang="en-US" sz="1600" dirty="0"/>
+                        </a:p>
+                      </a:txBody>
+                      <a:tcPr/>
+                    </a:tc>
+                  </a:tr>
+                  <a:tr h="370840">
+                    <a:tc>
+                      <a:txBody>
+                        <a:bodyPr/>
+                        <a:lstStyle/>
+                        <a:p>
+                          <a:endParaRPr lang="zh-CN"/>
+                        </a:p>
+                      </a:txBody>
+                      <a:tcPr>
+                        <a:blipFill rotWithShape="1">
+                          <a:blip r:embed="rId2"/>
+                          <a:stretch>
+                            <a:fillRect l="-568" t="-108197" r="-299432" b="-24590"/>
+                          </a:stretch>
+                        </a:blipFill>
+                      </a:tcPr>
+                    </a:tc>
+                    <a:tc>
+                      <a:txBody>
+                        <a:bodyPr/>
+                        <a:lstStyle/>
+                        <a:p>
+                          <a:endParaRPr lang="zh-CN"/>
+                        </a:p>
+                      </a:txBody>
+                      <a:tcPr>
+                        <a:blipFill rotWithShape="1">
+                          <a:blip r:embed="rId2"/>
+                          <a:stretch>
+                            <a:fillRect l="-101143" t="-108197" r="-201143" b="-24590"/>
+                          </a:stretch>
+                        </a:blipFill>
+                      </a:tcPr>
+                    </a:tc>
+                    <a:tc>
+                      <a:txBody>
+                        <a:bodyPr/>
+                        <a:lstStyle/>
+                        <a:p>
+                          <a:endParaRPr lang="zh-CN"/>
+                        </a:p>
+                      </a:txBody>
+                      <a:tcPr>
+                        <a:blipFill rotWithShape="1">
+                          <a:blip r:embed="rId2"/>
+                          <a:stretch>
+                            <a:fillRect l="-200000" t="-108197" r="-100000" b="-24590"/>
+                          </a:stretch>
+                        </a:blipFill>
+                      </a:tcPr>
+                    </a:tc>
+                    <a:tc>
+                      <a:txBody>
+                        <a:bodyPr/>
+                        <a:lstStyle/>
+                        <a:p>
+                          <a:endParaRPr lang="zh-CN"/>
+                        </a:p>
+                      </a:txBody>
+                      <a:tcPr>
+                        <a:blipFill rotWithShape="1">
+                          <a:blip r:embed="rId2"/>
+                          <a:stretch>
+                            <a:fillRect l="-301714" t="-108197" r="-571" b="-24590"/>
+                          </a:stretch>
+                        </a:blipFill>
+                      </a:tcPr>
+                    </a:tc>
+                  </a:tr>
+                </a:tbl>
+              </a:graphicData>
+            </a:graphic>
+          </p:graphicFrame>
+        </mc:Fallback>
+      </mc:AlternateContent>
+      <mc:AlternateContent xmlns:mc="http://schemas.openxmlformats.org/markup-compatibility/2006" xmlns:a14="http://schemas.microsoft.com/office/drawing/2010/main">
+        <mc:Choice Requires="a14">
+          <p:sp>
+            <p:nvSpPr>
+              <p:cNvPr id="16" name="TextBox 15"/>
+              <p:cNvSpPr txBox="1"/>
+              <p:nvPr/>
+            </p:nvSpPr>
+            <p:spPr>
+              <a:xfrm>
+                <a:off x="2917361" y="1200522"/>
+                <a:ext cx="2462597" cy="369332"/>
+              </a:xfrm>
+              <a:prstGeom prst="rect">
+                <a:avLst/>
+              </a:prstGeom>
+              <a:noFill/>
+            </p:spPr>
+            <p:txBody>
+              <a:bodyPr wrap="none" rtlCol="0">
+                <a:spAutoFit/>
+              </a:bodyPr>
+              <a:lstStyle/>
+              <a:p>
+                <a14:m>
+                  <m:oMath xmlns:m="http://schemas.openxmlformats.org/officeDocument/2006/math">
+                    <m:r>
+                      <a:rPr lang="en-US" altLang="zh-CN" i="1">
+                        <a:latin typeface="Cambria Math"/>
+                        <a:ea typeface="Cambria Math"/>
+                      </a:rPr>
+                      <m:t>×</m:t>
+                    </m:r>
+                  </m:oMath>
+                </a14:m>
+                <a:r>
+                  <a:rPr lang="en-US" altLang="zh-CN" dirty="0" smtClean="0"/>
+                  <a:t> Imitation Parameter </a:t>
+                </a:r>
+                <a14:m>
+                  <m:oMath xmlns:m="http://schemas.openxmlformats.org/officeDocument/2006/math">
+                    <m:r>
+                      <a:rPr lang="zh-CN" altLang="en-US" i="1">
+                        <a:latin typeface="Cambria Math"/>
+                      </a:rPr>
+                      <m:t>𝜆</m:t>
+                    </m:r>
+                  </m:oMath>
+                </a14:m>
+                <a:endParaRPr lang="zh-CN" altLang="en-US" dirty="0"/>
+              </a:p>
+            </p:txBody>
+          </p:sp>
+        </mc:Choice>
+        <mc:Fallback xmlns="">
+          <p:sp>
+            <p:nvSpPr>
+              <p:cNvPr id="16" name="TextBox 15"/>
+              <p:cNvSpPr txBox="1">
+                <a:spLocks noRot="1" noChangeAspect="1" noMove="1" noResize="1" noEditPoints="1" noAdjustHandles="1" noChangeArrowheads="1" noChangeShapeType="1" noTextEdit="1"/>
+              </p:cNvSpPr>
+              <p:nvPr/>
+            </p:nvSpPr>
+            <p:spPr>
+              <a:xfrm>
+                <a:off x="2917361" y="1200522"/>
+                <a:ext cx="2462597" cy="369332"/>
+              </a:xfrm>
+              <a:prstGeom prst="rect">
+                <a:avLst/>
+              </a:prstGeom>
+              <a:blipFill rotWithShape="1">
+                <a:blip r:embed="rId3"/>
+                <a:stretch>
+                  <a:fillRect t="-8197" b="-24590"/>
+                </a:stretch>
+              </a:blipFill>
+            </p:spPr>
+            <p:txBody>
+              <a:bodyPr/>
+              <a:lstStyle/>
+              <a:p>
+                <a:r>
+                  <a:rPr lang="zh-CN" altLang="en-US">
+                    <a:noFill/>
+                  </a:rPr>
+                  <a:t> </a:t>
+                </a:r>
+              </a:p>
+            </p:txBody>
+          </p:sp>
+        </mc:Fallback>
+      </mc:AlternateContent>
+      <p:sp>
+        <p:nvSpPr>
+          <p:cNvPr id="5" name="右箭头 4"/>
+          <p:cNvSpPr/>
+          <p:nvPr/>
+        </p:nvSpPr>
+        <p:spPr>
+          <a:xfrm rot="2700000">
+            <a:off x="4265437" y="2780928"/>
+            <a:ext cx="504056" cy="360040"/>
+          </a:xfrm>
+          <a:prstGeom prst="rightArrow">
+            <a:avLst/>
+          </a:prstGeom>
+          <a:solidFill>
+            <a:schemeClr val="accent1"/>
+          </a:solidFill>
+          <a:ln>
+            <a:noFill/>
+          </a:ln>
+        </p:spPr>
+        <p:style>
+          <a:lnRef idx="2">
+            <a:schemeClr val="accent1">
+              <a:shade val="50000"/>
+            </a:schemeClr>
+          </a:lnRef>
+          <a:fillRef idx="1">
+            <a:schemeClr val="accent1"/>
+          </a:fillRef>
+          <a:effectRef idx="0">
+            <a:schemeClr val="accent1"/>
+          </a:effectRef>
+          <a:fontRef idx="minor">
+            <a:schemeClr val="lt1"/>
+          </a:fontRef>
+        </p:style>
+        <p:txBody>
+          <a:bodyPr rtlCol="0" anchor="ctr"/>
+          <a:lstStyle/>
+          <a:p>
+            <a:pPr algn="ctr"/>
+            <a:endParaRPr lang="zh-CN" altLang="en-US"/>
+          </a:p>
+        </p:txBody>
+      </p:sp>
+      <p:sp>
+        <p:nvSpPr>
+          <p:cNvPr id="28" name="右箭头 27"/>
+          <p:cNvSpPr/>
+          <p:nvPr/>
+        </p:nvSpPr>
+        <p:spPr>
+          <a:xfrm rot="8100000">
+            <a:off x="3473349" y="2780927"/>
+            <a:ext cx="504056" cy="360040"/>
+          </a:xfrm>
+          <a:prstGeom prst="rightArrow">
+            <a:avLst/>
+          </a:prstGeom>
+          <a:solidFill>
+            <a:schemeClr val="accent1"/>
+          </a:solidFill>
+          <a:ln>
+            <a:noFill/>
+          </a:ln>
+        </p:spPr>
+        <p:style>
+          <a:lnRef idx="2">
+            <a:schemeClr val="accent1">
+              <a:shade val="50000"/>
+            </a:schemeClr>
+          </a:lnRef>
+          <a:fillRef idx="1">
+            <a:schemeClr val="accent1"/>
+          </a:fillRef>
+          <a:effectRef idx="0">
+            <a:schemeClr val="accent1"/>
+          </a:effectRef>
+          <a:fontRef idx="minor">
+            <a:schemeClr val="lt1"/>
+          </a:fontRef>
+        </p:style>
+        <p:txBody>
+          <a:bodyPr rtlCol="0" anchor="ctr"/>
+          <a:lstStyle/>
+          <a:p>
+            <a:pPr algn="ctr"/>
+            <a:endParaRPr lang="zh-CN" altLang="en-US"/>
+          </a:p>
+        </p:txBody>
+      </p:sp>
+      <p:graphicFrame>
+        <p:nvGraphicFramePr>
+          <p:cNvPr id="30" name="表格 29"/>
+          <p:cNvGraphicFramePr>
+            <a:graphicFrameLocks noGrp="1"/>
+          </p:cNvGraphicFramePr>
+          <p:nvPr>
+            <p:extLst>
+              <p:ext uri="{D42A27DB-BD31-4B8C-83A1-F6EECF244321}">
+                <p14:modId xmlns:p14="http://schemas.microsoft.com/office/powerpoint/2010/main" val="1036260777"/>
+              </p:ext>
+            </p:extLst>
+          </p:nvPr>
+        </p:nvGraphicFramePr>
+        <p:xfrm>
+          <a:off x="1043608" y="3263384"/>
+          <a:ext cx="2736304" cy="741680"/>
+        </p:xfrm>
+        <a:graphic>
+          <a:graphicData uri="http://schemas.openxmlformats.org/drawingml/2006/table">
+            <a:tbl>
+              <a:tblPr firstRow="1" bandRow="1">
+                <a:tableStyleId>{21E4AEA4-8DFA-4A89-87EB-49C32662AFE0}</a:tableStyleId>
+              </a:tblPr>
+              <a:tblGrid>
+                <a:gridCol w="684076"/>
+                <a:gridCol w="684076"/>
+                <a:gridCol w="684076"/>
+                <a:gridCol w="684076"/>
+              </a:tblGrid>
+              <a:tr h="370840">
+                <a:tc>
+                  <a:txBody>
+                    <a:bodyPr/>
+                    <a:lstStyle/>
+                    <a:p>
+                      <a:pPr algn="ctr"/>
+                      <a:r>
+                        <a:rPr lang="en-US" altLang="zh-CN" dirty="0" smtClean="0"/>
+                        <a:t>Coke</a:t>
+                      </a:r>
+                      <a:endParaRPr lang="zh-CN" altLang="en-US" dirty="0"/>
+                    </a:p>
+                  </a:txBody>
+                  <a:tcPr/>
+                </a:tc>
+                <a:tc>
+                  <a:txBody>
+                    <a:bodyPr/>
+                    <a:lstStyle/>
+                    <a:p>
+                      <a:pPr algn="ctr"/>
+                      <a:r>
+                        <a:rPr lang="en-US" altLang="zh-CN" dirty="0" smtClean="0"/>
+                        <a:t>Pepsi</a:t>
+                      </a:r>
+                      <a:endParaRPr lang="zh-CN" altLang="en-US" dirty="0"/>
+                    </a:p>
+                  </a:txBody>
+                  <a:tcPr/>
+                </a:tc>
+                <a:tc>
+                  <a:txBody>
+                    <a:bodyPr/>
+                    <a:lstStyle/>
+                    <a:p>
+                      <a:pPr algn="ctr"/>
+                      <a:r>
+                        <a:rPr lang="en-US" altLang="zh-CN" sz="1700" dirty="0" smtClean="0"/>
+                        <a:t>Fanta</a:t>
+                      </a:r>
+                      <a:endParaRPr lang="zh-CN" altLang="en-US" sz="1700" dirty="0"/>
+                    </a:p>
+                  </a:txBody>
+                  <a:tcPr/>
+                </a:tc>
+                <a:tc>
+                  <a:txBody>
+                    <a:bodyPr/>
+                    <a:lstStyle/>
+                    <a:p>
+                      <a:pPr algn="ctr"/>
+                      <a:r>
+                        <a:rPr lang="en-US" altLang="zh-CN" sz="1600" dirty="0" smtClean="0"/>
+                        <a:t>Sprite</a:t>
+                      </a:r>
+                      <a:endParaRPr lang="zh-CN" altLang="en-US" sz="1600" dirty="0"/>
+                    </a:p>
+                  </a:txBody>
+                  <a:tcPr/>
+                </a:tc>
+              </a:tr>
+              <a:tr h="370840">
+                <a:tc>
+                  <a:txBody>
+                    <a:bodyPr/>
+                    <a:lstStyle/>
+                    <a:p>
+                      <a:pPr algn="ctr"/>
+                      <a:r>
+                        <a:rPr lang="en-US" altLang="zh-CN" dirty="0" smtClean="0"/>
+                        <a:t>0</a:t>
+                      </a:r>
+                      <a:endParaRPr lang="zh-CN" altLang="en-US" dirty="0"/>
+                    </a:p>
+                  </a:txBody>
+                  <a:tcPr/>
+                </a:tc>
+                <a:tc>
+                  <a:txBody>
+                    <a:bodyPr/>
+                    <a:lstStyle/>
+                    <a:p>
+                      <a:pPr algn="ctr"/>
+                      <a:r>
+                        <a:rPr lang="en-US" altLang="zh-CN" dirty="0" smtClean="0"/>
+                        <a:t>0</a:t>
+                      </a:r>
+                      <a:endParaRPr lang="zh-CN" altLang="en-US" dirty="0"/>
+                    </a:p>
+                  </a:txBody>
+                  <a:tcPr/>
+                </a:tc>
+                <a:tc>
+                  <a:txBody>
+                    <a:bodyPr/>
+                    <a:lstStyle/>
+                    <a:p>
+                      <a:pPr algn="ctr"/>
+                      <a:r>
+                        <a:rPr lang="en-US" altLang="zh-CN" dirty="0" smtClean="0"/>
+                        <a:t>0</a:t>
+                      </a:r>
+                      <a:endParaRPr lang="zh-CN" altLang="en-US" dirty="0"/>
+                    </a:p>
+                  </a:txBody>
+                  <a:tcPr/>
+                </a:tc>
+                <a:tc>
+                  <a:txBody>
+                    <a:bodyPr/>
+                    <a:lstStyle/>
+                    <a:p>
+                      <a:pPr algn="ctr"/>
+                      <a:r>
+                        <a:rPr lang="en-US" altLang="zh-CN" dirty="0" smtClean="0"/>
+                        <a:t>0</a:t>
+                      </a:r>
+                      <a:endParaRPr lang="zh-CN" altLang="en-US" dirty="0"/>
+                    </a:p>
+                  </a:txBody>
+                  <a:tcPr/>
+                </a:tc>
+              </a:tr>
+            </a:tbl>
+          </a:graphicData>
+        </a:graphic>
+      </p:graphicFrame>
+      <mc:AlternateContent xmlns:mc="http://schemas.openxmlformats.org/markup-compatibility/2006" xmlns:a14="http://schemas.microsoft.com/office/drawing/2010/main">
+        <mc:Choice Requires="a14">
+          <p:graphicFrame>
+            <p:nvGraphicFramePr>
+              <p:cNvPr id="31" name="表格 30"/>
+              <p:cNvGraphicFramePr>
+                <a:graphicFrameLocks noGrp="1"/>
+              </p:cNvGraphicFramePr>
+              <p:nvPr>
+                <p:extLst>
+                  <p:ext uri="{D42A27DB-BD31-4B8C-83A1-F6EECF244321}">
+                    <p14:modId xmlns:p14="http://schemas.microsoft.com/office/powerpoint/2010/main" val="2142039419"/>
+                  </p:ext>
+                </p:extLst>
+              </p:nvPr>
+            </p:nvGraphicFramePr>
+            <p:xfrm>
+              <a:off x="4644008" y="3263384"/>
+              <a:ext cx="2736304" cy="741680"/>
+            </p:xfrm>
+            <a:graphic>
+              <a:graphicData uri="http://schemas.openxmlformats.org/drawingml/2006/table">
+                <a:tbl>
+                  <a:tblPr firstRow="1" bandRow="1">
+                    <a:tableStyleId>{21E4AEA4-8DFA-4A89-87EB-49C32662AFE0}</a:tableStyleId>
+                  </a:tblPr>
+                  <a:tblGrid>
+                    <a:gridCol w="684076"/>
+                    <a:gridCol w="684076"/>
+                    <a:gridCol w="684076"/>
+                    <a:gridCol w="684076"/>
+                  </a:tblGrid>
+                  <a:tr h="370840">
+                    <a:tc>
+                      <a:txBody>
+                        <a:bodyPr/>
+                        <a:lstStyle/>
+                        <a:p>
+                          <a:pPr algn="ctr"/>
+                          <a:r>
+                            <a:rPr lang="en-US" altLang="zh-CN" dirty="0" smtClean="0"/>
+                            <a:t>Coke</a:t>
+                          </a:r>
+                          <a:endParaRPr lang="zh-CN" altLang="en-US" dirty="0"/>
+                        </a:p>
+                      </a:txBody>
+                      <a:tcPr/>
+                    </a:tc>
+                    <a:tc>
+                      <a:txBody>
+                        <a:bodyPr/>
+                        <a:lstStyle/>
+                        <a:p>
+                          <a:pPr algn="ctr"/>
+                          <a:r>
+                            <a:rPr lang="en-US" altLang="zh-CN" dirty="0" smtClean="0"/>
+                            <a:t>Pepsi</a:t>
+                          </a:r>
+                          <a:endParaRPr lang="zh-CN" altLang="en-US" dirty="0"/>
+                        </a:p>
+                      </a:txBody>
+                      <a:tcPr/>
+                    </a:tc>
+                    <a:tc>
+                      <a:txBody>
+                        <a:bodyPr/>
+                        <a:lstStyle/>
+                        <a:p>
+                          <a:pPr algn="ctr"/>
+                          <a:r>
+                            <a:rPr lang="en-US" altLang="zh-CN" sz="1700" dirty="0" smtClean="0"/>
+                            <a:t>Fanta</a:t>
+                          </a:r>
+                          <a:endParaRPr lang="zh-CN" altLang="en-US" sz="1700" dirty="0"/>
+                        </a:p>
+                      </a:txBody>
+                      <a:tcPr/>
+                    </a:tc>
+                    <a:tc>
+                      <a:txBody>
+                        <a:bodyPr/>
+                        <a:lstStyle/>
+                        <a:p>
+                          <a:pPr algn="ctr"/>
+                          <a:r>
+                            <a:rPr lang="en-US" altLang="zh-CN" sz="1600" dirty="0" smtClean="0"/>
+                            <a:t>Sprite</a:t>
+                          </a:r>
+                          <a:endParaRPr lang="zh-CN" altLang="en-US" sz="1600" dirty="0"/>
+                        </a:p>
+                      </a:txBody>
+                      <a:tcPr/>
+                    </a:tc>
+                  </a:tr>
+                  <a:tr h="370840">
+                    <a:tc>
+                      <a:txBody>
+                        <a:bodyPr/>
+                        <a:lstStyle/>
+                        <a:p>
+                          <a:pPr algn="ctr"/>
+                          <a:r>
+                            <a:rPr lang="en-US" altLang="zh-CN" dirty="0" smtClean="0"/>
+                            <a:t>0</a:t>
+                          </a:r>
+                          <a:endParaRPr lang="zh-CN" altLang="en-US" dirty="0"/>
+                        </a:p>
+                      </a:txBody>
+                      <a:tcPr/>
+                    </a:tc>
+                    <a:tc>
+                      <a:txBody>
+                        <a:bodyPr/>
+                        <a:lstStyle/>
+                        <a:p>
+                          <a:pPr algn="ctr"/>
+                          <a:r>
+                            <a:rPr lang="en-US" altLang="zh-CN" dirty="0" smtClean="0"/>
+                            <a:t>0</a:t>
+                          </a:r>
+                          <a:endParaRPr lang="zh-CN" altLang="en-US" dirty="0"/>
+                        </a:p>
+                      </a:txBody>
+                      <a:tcPr/>
+                    </a:tc>
+                    <a:tc>
+                      <a:txBody>
+                        <a:bodyPr/>
+                        <a:lstStyle/>
+                        <a:p>
+                          <a:pPr algn="ctr"/>
+                          <a:r>
+                            <a:rPr lang="en-US" altLang="zh-CN" dirty="0" smtClean="0"/>
+                            <a:t>1-</a:t>
+                          </a:r>
+                          <a14:m>
+                            <m:oMath xmlns:m="http://schemas.openxmlformats.org/officeDocument/2006/math">
+                              <m:r>
+                                <a:rPr lang="zh-CN" altLang="en-US" i="1" smtClean="0">
+                                  <a:latin typeface="Cambria Math"/>
+                                </a:rPr>
+                                <m:t>𝜆</m:t>
+                              </m:r>
+                            </m:oMath>
+                          </a14:m>
+                          <a:endParaRPr lang="zh-CN" altLang="en-US" dirty="0"/>
+                        </a:p>
+                      </a:txBody>
+                      <a:tcPr/>
+                    </a:tc>
+                    <a:tc>
+                      <a:txBody>
+                        <a:bodyPr/>
+                        <a:lstStyle/>
+                        <a:p>
+                          <a:pPr algn="ctr"/>
+                          <a:r>
+                            <a:rPr lang="en-US" altLang="zh-CN" dirty="0" smtClean="0"/>
+                            <a:t>0</a:t>
+                          </a:r>
+                          <a:endParaRPr lang="zh-CN" altLang="en-US" dirty="0"/>
+                        </a:p>
+                      </a:txBody>
+                      <a:tcPr/>
+                    </a:tc>
+                  </a:tr>
+                </a:tbl>
+              </a:graphicData>
+            </a:graphic>
+          </p:graphicFrame>
+        </mc:Choice>
+        <mc:Fallback xmlns="">
+          <p:graphicFrame>
+            <p:nvGraphicFramePr>
+              <p:cNvPr id="31" name="表格 30"/>
+              <p:cNvGraphicFramePr>
+                <a:graphicFrameLocks noGrp="1"/>
+              </p:cNvGraphicFramePr>
+              <p:nvPr>
+                <p:extLst>
+                  <p:ext uri="{D42A27DB-BD31-4B8C-83A1-F6EECF244321}">
+                    <p14:modId xmlns:p14="http://schemas.microsoft.com/office/powerpoint/2010/main" val="2142039419"/>
+                  </p:ext>
+                </p:extLst>
+              </p:nvPr>
+            </p:nvGraphicFramePr>
+            <p:xfrm>
+              <a:off x="4644008" y="3263384"/>
+              <a:ext cx="2736304" cy="741680"/>
+            </p:xfrm>
+            <a:graphic>
+              <a:graphicData uri="http://schemas.openxmlformats.org/drawingml/2006/table">
+                <a:tbl>
+                  <a:tblPr firstRow="1" bandRow="1">
+                    <a:tableStyleId>{21E4AEA4-8DFA-4A89-87EB-49C32662AFE0}</a:tableStyleId>
+                  </a:tblPr>
+                  <a:tblGrid>
+                    <a:gridCol w="684076"/>
+                    <a:gridCol w="684076"/>
+                    <a:gridCol w="684076"/>
+                    <a:gridCol w="684076"/>
+                  </a:tblGrid>
+                  <a:tr h="370840">
+                    <a:tc>
+                      <a:txBody>
+                        <a:bodyPr/>
+                        <a:lstStyle/>
+                        <a:p>
+                          <a:pPr algn="ctr"/>
+                          <a:r>
+                            <a:rPr lang="en-US" altLang="zh-CN" dirty="0" smtClean="0"/>
+                            <a:t>Coke</a:t>
+                          </a:r>
+                          <a:endParaRPr lang="zh-CN" altLang="en-US" dirty="0"/>
+                        </a:p>
+                      </a:txBody>
+                      <a:tcPr/>
+                    </a:tc>
+                    <a:tc>
+                      <a:txBody>
+                        <a:bodyPr/>
+                        <a:lstStyle/>
+                        <a:p>
+                          <a:pPr algn="ctr"/>
+                          <a:r>
+                            <a:rPr lang="en-US" altLang="zh-CN" dirty="0" smtClean="0"/>
+                            <a:t>Pepsi</a:t>
+                          </a:r>
+                          <a:endParaRPr lang="zh-CN" altLang="en-US" dirty="0"/>
+                        </a:p>
+                      </a:txBody>
+                      <a:tcPr/>
+                    </a:tc>
+                    <a:tc>
+                      <a:txBody>
+                        <a:bodyPr/>
+                        <a:lstStyle/>
+                        <a:p>
+                          <a:pPr algn="ctr"/>
+                          <a:r>
+                            <a:rPr lang="en-US" altLang="zh-CN" sz="1700" dirty="0" smtClean="0"/>
+                            <a:t>Fanta</a:t>
+                          </a:r>
+                          <a:endParaRPr lang="zh-CN" altLang="en-US" sz="1700" dirty="0"/>
+                        </a:p>
+                      </a:txBody>
+                      <a:tcPr/>
+                    </a:tc>
+                    <a:tc>
+                      <a:txBody>
+                        <a:bodyPr/>
+                        <a:lstStyle/>
+                        <a:p>
+                          <a:pPr algn="ctr"/>
+                          <a:r>
+                            <a:rPr lang="en-US" altLang="zh-CN" sz="1600" dirty="0" smtClean="0"/>
+                            <a:t>Sprite</a:t>
+                          </a:r>
+                          <a:endParaRPr lang="zh-CN" altLang="en-US" sz="1600" dirty="0"/>
+                        </a:p>
+                      </a:txBody>
+                      <a:tcPr/>
+                    </a:tc>
+                  </a:tr>
+                  <a:tr h="370840">
+                    <a:tc>
+                      <a:txBody>
+                        <a:bodyPr/>
+                        <a:lstStyle/>
+                        <a:p>
+                          <a:pPr algn="ctr"/>
+                          <a:r>
+                            <a:rPr lang="en-US" altLang="zh-CN" dirty="0" smtClean="0"/>
+                            <a:t>0</a:t>
+                          </a:r>
+                          <a:endParaRPr lang="zh-CN" altLang="en-US" dirty="0"/>
+                        </a:p>
+                      </a:txBody>
+                      <a:tcPr/>
+                    </a:tc>
+                    <a:tc>
+                      <a:txBody>
+                        <a:bodyPr/>
+                        <a:lstStyle/>
+                        <a:p>
+                          <a:pPr algn="ctr"/>
+                          <a:r>
+                            <a:rPr lang="en-US" altLang="zh-CN" dirty="0" smtClean="0"/>
+                            <a:t>0</a:t>
+                          </a:r>
+                          <a:endParaRPr lang="zh-CN" altLang="en-US" dirty="0"/>
+                        </a:p>
+                      </a:txBody>
+                      <a:tcPr/>
+                    </a:tc>
+                    <a:tc>
+                      <a:txBody>
+                        <a:bodyPr/>
+                        <a:lstStyle/>
+                        <a:p>
+                          <a:endParaRPr lang="zh-CN"/>
+                        </a:p>
+                      </a:txBody>
+                      <a:tcPr>
+                        <a:blipFill rotWithShape="1">
+                          <a:blip r:embed="rId4"/>
+                          <a:stretch>
+                            <a:fillRect l="-201786" t="-108197" r="-100000" b="-24590"/>
+                          </a:stretch>
+                        </a:blipFill>
+                      </a:tcPr>
+                    </a:tc>
+                    <a:tc>
+                      <a:txBody>
+                        <a:bodyPr/>
+                        <a:lstStyle/>
+                        <a:p>
+                          <a:pPr algn="ctr"/>
+                          <a:r>
+                            <a:rPr lang="en-US" altLang="zh-CN" dirty="0" smtClean="0"/>
+                            <a:t>0</a:t>
+                          </a:r>
+                          <a:endParaRPr lang="zh-CN" altLang="en-US" dirty="0"/>
+                        </a:p>
+                      </a:txBody>
+                      <a:tcPr/>
+                    </a:tc>
+                  </a:tr>
+                </a:tbl>
+              </a:graphicData>
+            </a:graphic>
+          </p:graphicFrame>
+        </mc:Fallback>
+      </mc:AlternateContent>
+      <mc:AlternateContent xmlns:mc="http://schemas.openxmlformats.org/markup-compatibility/2006" xmlns:a14="http://schemas.microsoft.com/office/drawing/2010/main">
+        <mc:Choice Requires="a14">
+          <p:graphicFrame>
+            <p:nvGraphicFramePr>
+              <p:cNvPr id="34" name="表格 33"/>
+              <p:cNvGraphicFramePr>
+                <a:graphicFrameLocks noGrp="1"/>
+              </p:cNvGraphicFramePr>
+              <p:nvPr>
+                <p:extLst>
+                  <p:ext uri="{D42A27DB-BD31-4B8C-83A1-F6EECF244321}">
+                    <p14:modId xmlns:p14="http://schemas.microsoft.com/office/powerpoint/2010/main" val="2494621435"/>
+                  </p:ext>
+                </p:extLst>
+              </p:nvPr>
+            </p:nvGraphicFramePr>
+            <p:xfrm>
+              <a:off x="179512" y="4725144"/>
+              <a:ext cx="3744416" cy="741680"/>
+            </p:xfrm>
+            <a:graphic>
+              <a:graphicData uri="http://schemas.openxmlformats.org/drawingml/2006/table">
+                <a:tbl>
+                  <a:tblPr firstRow="1" bandRow="1">
+                    <a:tableStyleId>{93296810-A885-4BE3-A3E7-6D5BEEA58F35}</a:tableStyleId>
+                  </a:tblPr>
+                  <a:tblGrid>
+                    <a:gridCol w="936104"/>
+                    <a:gridCol w="936104"/>
+                    <a:gridCol w="936104"/>
+                    <a:gridCol w="936104"/>
+                  </a:tblGrid>
+                  <a:tr h="370840">
+                    <a:tc>
+                      <a:txBody>
+                        <a:bodyPr/>
+                        <a:lstStyle/>
+                        <a:p>
+                          <a:pPr algn="ctr"/>
+                          <a:r>
+                            <a:rPr lang="en-US" altLang="zh-CN" dirty="0" smtClean="0"/>
+                            <a:t>Coke</a:t>
+                          </a:r>
+                          <a:endParaRPr lang="zh-CN" altLang="en-US" dirty="0"/>
+                        </a:p>
+                      </a:txBody>
+                      <a:tcPr/>
+                    </a:tc>
+                    <a:tc>
+                      <a:txBody>
+                        <a:bodyPr/>
+                        <a:lstStyle/>
+                        <a:p>
+                          <a:pPr algn="ctr"/>
+                          <a:r>
+                            <a:rPr lang="en-US" altLang="zh-CN" dirty="0" smtClean="0"/>
+                            <a:t>Pepsi</a:t>
+                          </a:r>
+                          <a:endParaRPr lang="zh-CN" altLang="en-US" dirty="0"/>
+                        </a:p>
+                      </a:txBody>
+                      <a:tcPr/>
+                    </a:tc>
+                    <a:tc>
+                      <a:txBody>
+                        <a:bodyPr/>
+                        <a:lstStyle/>
+                        <a:p>
+                          <a:pPr algn="ctr"/>
+                          <a:r>
+                            <a:rPr lang="en-US" altLang="zh-CN" sz="1700" dirty="0" smtClean="0"/>
+                            <a:t>Fanta</a:t>
+                          </a:r>
+                          <a:endParaRPr lang="zh-CN" altLang="en-US" sz="1700" dirty="0"/>
+                        </a:p>
+                      </a:txBody>
+                      <a:tcPr/>
+                    </a:tc>
+                    <a:tc>
+                      <a:txBody>
+                        <a:bodyPr/>
+                        <a:lstStyle/>
+                        <a:p>
+                          <a:pPr algn="ctr"/>
+                          <a:r>
+                            <a:rPr lang="en-US" altLang="zh-CN" sz="1600" dirty="0" smtClean="0"/>
+                            <a:t>Sprite</a:t>
+                          </a:r>
+                          <a:endParaRPr lang="zh-CN" altLang="en-US" sz="1600" dirty="0"/>
+                        </a:p>
+                      </a:txBody>
+                      <a:tcPr/>
+                    </a:tc>
+                  </a:tr>
+                  <a:tr h="370840">
+                    <a:tc>
+                      <a:txBody>
+                        <a:bodyPr/>
+                        <a:lstStyle/>
+                        <a:p>
+                          <a:pPr marL="0" marR="0" indent="0" algn="ctr" defTabSz="914400" rtl="0" eaLnBrk="1" fontAlgn="auto" latinLnBrk="0" hangingPunct="1">
+                            <a:lnSpc>
+                              <a:spcPct val="100000"/>
+                            </a:lnSpc>
+                            <a:spcBef>
+                              <a:spcPts val="0"/>
+                            </a:spcBef>
+                            <a:spcAft>
+                              <a:spcPts val="0"/>
+                            </a:spcAft>
+                            <a:buClrTx/>
+                            <a:buSzTx/>
+                            <a:buFontTx/>
+                            <a:buNone/>
+                            <a:tabLst/>
+                            <a:defRPr/>
+                          </a:pPr>
+                          <a:r>
+                            <a:rPr lang="en-US" altLang="zh-CN" dirty="0" smtClean="0"/>
+                            <a:t>0.2</a:t>
+                          </a:r>
+                          <a14:m>
+                            <m:oMath xmlns:m="http://schemas.openxmlformats.org/officeDocument/2006/math">
+                              <m:r>
+                                <a:rPr lang="zh-CN" altLang="en-US" smtClean="0">
+                                  <a:latin typeface="Cambria Math"/>
+                                </a:rPr>
+                                <m:t>𝜆</m:t>
+                              </m:r>
+                            </m:oMath>
+                          </a14:m>
+                          <a:endParaRPr lang="zh-CN" altLang="en-US" dirty="0"/>
+                        </a:p>
+                      </a:txBody>
+                      <a:tcPr/>
+                    </a:tc>
+                    <a:tc>
+                      <a:txBody>
+                        <a:bodyPr/>
+                        <a:lstStyle/>
+                        <a:p>
+                          <a:pPr marL="0" marR="0" indent="0" algn="ctr" defTabSz="914400" rtl="0" eaLnBrk="1" fontAlgn="auto" latinLnBrk="0" hangingPunct="1">
+                            <a:lnSpc>
+                              <a:spcPct val="100000"/>
+                            </a:lnSpc>
+                            <a:spcBef>
+                              <a:spcPts val="0"/>
+                            </a:spcBef>
+                            <a:spcAft>
+                              <a:spcPts val="0"/>
+                            </a:spcAft>
+                            <a:buClrTx/>
+                            <a:buSzTx/>
+                            <a:buFontTx/>
+                            <a:buNone/>
+                            <a:tabLst/>
+                            <a:defRPr/>
+                          </a:pPr>
+                          <a:r>
+                            <a:rPr lang="en-US" altLang="zh-CN" dirty="0" smtClean="0"/>
+                            <a:t>0.1</a:t>
+                          </a:r>
+                          <a14:m>
+                            <m:oMath xmlns:m="http://schemas.openxmlformats.org/officeDocument/2006/math">
+                              <m:r>
+                                <a:rPr lang="zh-CN" altLang="en-US" smtClean="0">
+                                  <a:latin typeface="Cambria Math"/>
+                                </a:rPr>
+                                <m:t>𝜆</m:t>
+                              </m:r>
+                            </m:oMath>
+                          </a14:m>
+                          <a:endParaRPr lang="zh-CN" altLang="en-US" dirty="0"/>
+                        </a:p>
+                      </a:txBody>
+                      <a:tcPr/>
+                    </a:tc>
+                    <a:tc>
+                      <a:txBody>
+                        <a:bodyPr/>
+                        <a:lstStyle/>
+                        <a:p>
+                          <a:pPr algn="ctr"/>
+                          <a:r>
+                            <a:rPr lang="en-US" altLang="zh-CN" dirty="0" smtClean="0"/>
+                            <a:t>0.4</a:t>
+                          </a:r>
+                          <a14:m>
+                            <m:oMath xmlns:m="http://schemas.openxmlformats.org/officeDocument/2006/math">
+                              <m:r>
+                                <a:rPr lang="zh-CN" altLang="en-US" smtClean="0">
+                                  <a:latin typeface="Cambria Math"/>
+                                </a:rPr>
+                                <m:t>𝜆</m:t>
+                              </m:r>
+                            </m:oMath>
+                          </a14:m>
+                          <a:endParaRPr lang="zh-CN" altLang="en-US" dirty="0"/>
+                        </a:p>
+                      </a:txBody>
+                      <a:tcPr/>
+                    </a:tc>
+                    <a:tc>
+                      <a:txBody>
+                        <a:bodyPr/>
+                        <a:lstStyle/>
+                        <a:p>
+                          <a:pPr algn="ctr"/>
+                          <a:r>
+                            <a:rPr lang="en-US" altLang="zh-CN" dirty="0" smtClean="0"/>
+                            <a:t>0.3</a:t>
+                          </a:r>
+                          <a14:m>
+                            <m:oMath xmlns:m="http://schemas.openxmlformats.org/officeDocument/2006/math">
+                              <m:r>
+                                <a:rPr lang="zh-CN" altLang="en-US" smtClean="0">
+                                  <a:latin typeface="Cambria Math"/>
+                                </a:rPr>
+                                <m:t>𝜆</m:t>
+                              </m:r>
+                            </m:oMath>
+                          </a14:m>
+                          <a:endParaRPr lang="zh-CN" altLang="en-US" dirty="0"/>
+                        </a:p>
+                      </a:txBody>
+                      <a:tcPr/>
+                    </a:tc>
+                  </a:tr>
+                </a:tbl>
+              </a:graphicData>
+            </a:graphic>
+          </p:graphicFrame>
+        </mc:Choice>
+        <mc:Fallback xmlns="">
+          <p:graphicFrame>
+            <p:nvGraphicFramePr>
+              <p:cNvPr id="34" name="表格 33"/>
+              <p:cNvGraphicFramePr>
+                <a:graphicFrameLocks noGrp="1"/>
+              </p:cNvGraphicFramePr>
+              <p:nvPr>
+                <p:extLst>
+                  <p:ext uri="{D42A27DB-BD31-4B8C-83A1-F6EECF244321}">
+                    <p14:modId xmlns:p14="http://schemas.microsoft.com/office/powerpoint/2010/main" val="2494621435"/>
+                  </p:ext>
+                </p:extLst>
+              </p:nvPr>
+            </p:nvGraphicFramePr>
+            <p:xfrm>
+              <a:off x="179512" y="4725144"/>
+              <a:ext cx="3744416" cy="741680"/>
+            </p:xfrm>
+            <a:graphic>
+              <a:graphicData uri="http://schemas.openxmlformats.org/drawingml/2006/table">
+                <a:tbl>
+                  <a:tblPr firstRow="1" bandRow="1">
+                    <a:tableStyleId>{93296810-A885-4BE3-A3E7-6D5BEEA58F35}</a:tableStyleId>
+                  </a:tblPr>
+                  <a:tblGrid>
+                    <a:gridCol w="936104"/>
+                    <a:gridCol w="936104"/>
+                    <a:gridCol w="936104"/>
+                    <a:gridCol w="936104"/>
+                  </a:tblGrid>
+                  <a:tr h="370840">
+                    <a:tc>
+                      <a:txBody>
+                        <a:bodyPr/>
+                        <a:lstStyle/>
+                        <a:p>
+                          <a:pPr algn="ctr"/>
+                          <a:r>
+                            <a:rPr lang="en-US" altLang="zh-CN" dirty="0" smtClean="0"/>
+                            <a:t>Coke</a:t>
+                          </a:r>
+                          <a:endParaRPr lang="zh-CN" altLang="en-US" dirty="0"/>
+                        </a:p>
+                      </a:txBody>
+                      <a:tcPr/>
+                    </a:tc>
+                    <a:tc>
+                      <a:txBody>
+                        <a:bodyPr/>
+                        <a:lstStyle/>
+                        <a:p>
+                          <a:pPr algn="ctr"/>
+                          <a:r>
+                            <a:rPr lang="en-US" altLang="zh-CN" dirty="0" smtClean="0"/>
+                            <a:t>Pepsi</a:t>
+                          </a:r>
+                          <a:endParaRPr lang="zh-CN" altLang="en-US" dirty="0"/>
+                        </a:p>
+                      </a:txBody>
+                      <a:tcPr/>
+                    </a:tc>
+                    <a:tc>
+                      <a:txBody>
+                        <a:bodyPr/>
+                        <a:lstStyle/>
+                        <a:p>
+                          <a:pPr algn="ctr"/>
+                          <a:r>
+                            <a:rPr lang="en-US" altLang="zh-CN" sz="1700" dirty="0" smtClean="0"/>
+                            <a:t>Fanta</a:t>
+                          </a:r>
+                          <a:endParaRPr lang="zh-CN" altLang="en-US" sz="1700" dirty="0"/>
+                        </a:p>
+                      </a:txBody>
+                      <a:tcPr/>
+                    </a:tc>
+                    <a:tc>
+                      <a:txBody>
+                        <a:bodyPr/>
+                        <a:lstStyle/>
+                        <a:p>
+                          <a:pPr algn="ctr"/>
+                          <a:r>
+                            <a:rPr lang="en-US" altLang="zh-CN" sz="1600" dirty="0" smtClean="0"/>
+                            <a:t>Sprite</a:t>
+                          </a:r>
+                          <a:endParaRPr lang="zh-CN" altLang="en-US" sz="1600" dirty="0"/>
+                        </a:p>
+                      </a:txBody>
+                      <a:tcPr/>
+                    </a:tc>
+                  </a:tr>
+                  <a:tr h="370840">
+                    <a:tc>
+                      <a:txBody>
+                        <a:bodyPr/>
+                        <a:lstStyle/>
+                        <a:p>
+                          <a:endParaRPr lang="zh-CN"/>
+                        </a:p>
+                      </a:txBody>
+                      <a:tcPr>
+                        <a:blipFill rotWithShape="1">
+                          <a:blip r:embed="rId5"/>
+                          <a:stretch>
+                            <a:fillRect t="-108197" r="-299351" b="-24590"/>
+                          </a:stretch>
+                        </a:blipFill>
+                      </a:tcPr>
+                    </a:tc>
+                    <a:tc>
+                      <a:txBody>
+                        <a:bodyPr/>
+                        <a:lstStyle/>
+                        <a:p>
+                          <a:endParaRPr lang="zh-CN"/>
+                        </a:p>
+                      </a:txBody>
+                      <a:tcPr>
+                        <a:blipFill rotWithShape="1">
+                          <a:blip r:embed="rId5"/>
+                          <a:stretch>
+                            <a:fillRect l="-100000" t="-108197" r="-199351" b="-24590"/>
+                          </a:stretch>
+                        </a:blipFill>
+                      </a:tcPr>
+                    </a:tc>
+                    <a:tc>
+                      <a:txBody>
+                        <a:bodyPr/>
+                        <a:lstStyle/>
+                        <a:p>
+                          <a:endParaRPr lang="zh-CN"/>
+                        </a:p>
+                      </a:txBody>
+                      <a:tcPr>
+                        <a:blipFill rotWithShape="1">
+                          <a:blip r:embed="rId5"/>
+                          <a:stretch>
+                            <a:fillRect l="-201307" t="-108197" r="-100654" b="-24590"/>
+                          </a:stretch>
+                        </a:blipFill>
+                      </a:tcPr>
+                    </a:tc>
+                    <a:tc>
+                      <a:txBody>
+                        <a:bodyPr/>
+                        <a:lstStyle/>
+                        <a:p>
+                          <a:endParaRPr lang="zh-CN"/>
+                        </a:p>
+                      </a:txBody>
+                      <a:tcPr>
+                        <a:blipFill rotWithShape="1">
+                          <a:blip r:embed="rId5"/>
+                          <a:stretch>
+                            <a:fillRect l="-299351" t="-108197" b="-24590"/>
+                          </a:stretch>
+                        </a:blipFill>
+                      </a:tcPr>
+                    </a:tc>
+                  </a:tr>
+                </a:tbl>
+              </a:graphicData>
+            </a:graphic>
+          </p:graphicFrame>
+        </mc:Fallback>
+      </mc:AlternateContent>
+      <mc:AlternateContent xmlns:mc="http://schemas.openxmlformats.org/markup-compatibility/2006" xmlns:a14="http://schemas.microsoft.com/office/drawing/2010/main">
+        <mc:Choice Requires="a14">
+          <p:graphicFrame>
+            <p:nvGraphicFramePr>
+              <p:cNvPr id="35" name="表格 34"/>
+              <p:cNvGraphicFramePr>
+                <a:graphicFrameLocks noGrp="1"/>
+              </p:cNvGraphicFramePr>
+              <p:nvPr>
+                <p:extLst>
+                  <p:ext uri="{D42A27DB-BD31-4B8C-83A1-F6EECF244321}">
+                    <p14:modId xmlns:p14="http://schemas.microsoft.com/office/powerpoint/2010/main" val="3332795019"/>
+                  </p:ext>
+                </p:extLst>
+              </p:nvPr>
+            </p:nvGraphicFramePr>
+            <p:xfrm>
+              <a:off x="4644008" y="4725144"/>
+              <a:ext cx="3744416" cy="741680"/>
+            </p:xfrm>
+            <a:graphic>
+              <a:graphicData uri="http://schemas.openxmlformats.org/drawingml/2006/table">
+                <a:tbl>
+                  <a:tblPr firstRow="1" bandRow="1">
+                    <a:tableStyleId>{93296810-A885-4BE3-A3E7-6D5BEEA58F35}</a:tableStyleId>
+                  </a:tblPr>
+                  <a:tblGrid>
+                    <a:gridCol w="936104"/>
+                    <a:gridCol w="936104"/>
+                    <a:gridCol w="936104"/>
+                    <a:gridCol w="936104"/>
+                  </a:tblGrid>
+                  <a:tr h="370840">
+                    <a:tc>
+                      <a:txBody>
+                        <a:bodyPr/>
+                        <a:lstStyle/>
+                        <a:p>
+                          <a:pPr algn="ctr"/>
+                          <a:r>
+                            <a:rPr lang="en-US" altLang="zh-CN" dirty="0" smtClean="0"/>
+                            <a:t>Coke</a:t>
+                          </a:r>
+                          <a:endParaRPr lang="zh-CN" altLang="en-US" dirty="0"/>
+                        </a:p>
+                      </a:txBody>
+                      <a:tcPr/>
+                    </a:tc>
+                    <a:tc>
+                      <a:txBody>
+                        <a:bodyPr/>
+                        <a:lstStyle/>
+                        <a:p>
+                          <a:pPr algn="ctr"/>
+                          <a:r>
+                            <a:rPr lang="en-US" altLang="zh-CN" dirty="0" smtClean="0"/>
+                            <a:t>Pepsi</a:t>
+                          </a:r>
+                          <a:endParaRPr lang="zh-CN" altLang="en-US" dirty="0"/>
+                        </a:p>
+                      </a:txBody>
+                      <a:tcPr/>
+                    </a:tc>
+                    <a:tc>
+                      <a:txBody>
+                        <a:bodyPr/>
+                        <a:lstStyle/>
+                        <a:p>
+                          <a:pPr algn="ctr"/>
+                          <a:r>
+                            <a:rPr lang="en-US" altLang="zh-CN" sz="1700" dirty="0" smtClean="0"/>
+                            <a:t>Fanta</a:t>
+                          </a:r>
+                          <a:endParaRPr lang="zh-CN" altLang="en-US" sz="1700" dirty="0"/>
+                        </a:p>
+                      </a:txBody>
+                      <a:tcPr/>
+                    </a:tc>
+                    <a:tc>
+                      <a:txBody>
+                        <a:bodyPr/>
+                        <a:lstStyle/>
+                        <a:p>
+                          <a:pPr algn="ctr"/>
+                          <a:r>
+                            <a:rPr lang="en-US" altLang="zh-CN" sz="1600" dirty="0" smtClean="0"/>
+                            <a:t>Sprite</a:t>
+                          </a:r>
+                          <a:endParaRPr lang="zh-CN" altLang="en-US" sz="1600" dirty="0"/>
+                        </a:p>
+                      </a:txBody>
+                      <a:tcPr/>
+                    </a:tc>
+                  </a:tr>
+                  <a:tr h="370840">
+                    <a:tc>
+                      <a:txBody>
+                        <a:bodyPr/>
+                        <a:lstStyle/>
+                        <a:p>
+                          <a:pPr marL="0" marR="0" indent="0" algn="ctr" defTabSz="914400" rtl="0" eaLnBrk="1" fontAlgn="auto" latinLnBrk="0" hangingPunct="1">
+                            <a:lnSpc>
+                              <a:spcPct val="100000"/>
+                            </a:lnSpc>
+                            <a:spcBef>
+                              <a:spcPts val="0"/>
+                            </a:spcBef>
+                            <a:spcAft>
+                              <a:spcPts val="0"/>
+                            </a:spcAft>
+                            <a:buClrTx/>
+                            <a:buSzTx/>
+                            <a:buFontTx/>
+                            <a:buNone/>
+                            <a:tabLst/>
+                            <a:defRPr/>
+                          </a:pPr>
+                          <a:r>
+                            <a:rPr lang="en-US" altLang="zh-CN" dirty="0" smtClean="0"/>
+                            <a:t>0.2</a:t>
+                          </a:r>
+                          <a14:m>
+                            <m:oMath xmlns:m="http://schemas.openxmlformats.org/officeDocument/2006/math">
+                              <m:r>
+                                <a:rPr lang="zh-CN" altLang="en-US" smtClean="0">
+                                  <a:latin typeface="Cambria Math"/>
+                                </a:rPr>
+                                <m:t>𝜆</m:t>
+                              </m:r>
+                            </m:oMath>
+                          </a14:m>
+                          <a:endParaRPr lang="zh-CN" altLang="en-US" dirty="0"/>
+                        </a:p>
+                      </a:txBody>
+                      <a:tcPr/>
+                    </a:tc>
+                    <a:tc>
+                      <a:txBody>
+                        <a:bodyPr/>
+                        <a:lstStyle/>
+                        <a:p>
+                          <a:pPr marL="0" marR="0" indent="0" algn="ctr" defTabSz="914400" rtl="0" eaLnBrk="1" fontAlgn="auto" latinLnBrk="0" hangingPunct="1">
+                            <a:lnSpc>
+                              <a:spcPct val="100000"/>
+                            </a:lnSpc>
+                            <a:spcBef>
+                              <a:spcPts val="0"/>
+                            </a:spcBef>
+                            <a:spcAft>
+                              <a:spcPts val="0"/>
+                            </a:spcAft>
+                            <a:buClrTx/>
+                            <a:buSzTx/>
+                            <a:buFontTx/>
+                            <a:buNone/>
+                            <a:tabLst/>
+                            <a:defRPr/>
+                          </a:pPr>
+                          <a:r>
+                            <a:rPr lang="en-US" altLang="zh-CN" dirty="0" smtClean="0"/>
+                            <a:t>0.1</a:t>
+                          </a:r>
+                          <a14:m>
+                            <m:oMath xmlns:m="http://schemas.openxmlformats.org/officeDocument/2006/math">
+                              <m:r>
+                                <a:rPr lang="zh-CN" altLang="en-US" smtClean="0">
+                                  <a:latin typeface="Cambria Math"/>
+                                </a:rPr>
+                                <m:t>𝜆</m:t>
+                              </m:r>
+                            </m:oMath>
+                          </a14:m>
+                          <a:endParaRPr lang="zh-CN" altLang="en-US" dirty="0"/>
+                        </a:p>
+                      </a:txBody>
+                      <a:tcPr/>
+                    </a:tc>
+                    <a:tc>
+                      <a:txBody>
+                        <a:bodyPr/>
+                        <a:lstStyle/>
+                        <a:p>
+                          <a:pPr algn="ctr"/>
+                          <a:r>
+                            <a:rPr lang="en-US" altLang="zh-CN" dirty="0" smtClean="0"/>
+                            <a:t>1</a:t>
+                          </a:r>
+                          <a14:m>
+                            <m:oMath xmlns:m="http://schemas.openxmlformats.org/officeDocument/2006/math">
+                              <m:r>
+                                <a:rPr lang="en-US" altLang="zh-CN" smtClean="0">
+                                  <a:latin typeface="Cambria Math"/>
+                                </a:rPr>
+                                <m:t>−0.6</m:t>
+                              </m:r>
+                              <m:r>
+                                <a:rPr lang="zh-CN" altLang="en-US" smtClean="0">
+                                  <a:latin typeface="Cambria Math"/>
+                                </a:rPr>
+                                <m:t>𝜆</m:t>
+                              </m:r>
+                            </m:oMath>
+                          </a14:m>
+                          <a:endParaRPr lang="zh-CN" altLang="en-US" dirty="0"/>
+                        </a:p>
+                      </a:txBody>
+                      <a:tcPr/>
+                    </a:tc>
+                    <a:tc>
+                      <a:txBody>
+                        <a:bodyPr/>
+                        <a:lstStyle/>
+                        <a:p>
+                          <a:pPr algn="ctr"/>
+                          <a:r>
+                            <a:rPr lang="en-US" altLang="zh-CN" dirty="0" smtClean="0"/>
+                            <a:t>0.3</a:t>
+                          </a:r>
+                          <a14:m>
+                            <m:oMath xmlns:m="http://schemas.openxmlformats.org/officeDocument/2006/math">
+                              <m:r>
+                                <a:rPr lang="zh-CN" altLang="en-US" smtClean="0">
+                                  <a:latin typeface="Cambria Math"/>
+                                </a:rPr>
+                                <m:t>𝜆</m:t>
+                              </m:r>
+                            </m:oMath>
+                          </a14:m>
+                          <a:endParaRPr lang="zh-CN" altLang="en-US" dirty="0"/>
+                        </a:p>
+                      </a:txBody>
+                      <a:tcPr/>
+                    </a:tc>
+                  </a:tr>
+                </a:tbl>
+              </a:graphicData>
+            </a:graphic>
+          </p:graphicFrame>
+        </mc:Choice>
+        <mc:Fallback xmlns="">
+          <p:graphicFrame>
+            <p:nvGraphicFramePr>
+              <p:cNvPr id="35" name="表格 34"/>
+              <p:cNvGraphicFramePr>
+                <a:graphicFrameLocks noGrp="1"/>
+              </p:cNvGraphicFramePr>
+              <p:nvPr>
+                <p:extLst>
+                  <p:ext uri="{D42A27DB-BD31-4B8C-83A1-F6EECF244321}">
+                    <p14:modId xmlns:p14="http://schemas.microsoft.com/office/powerpoint/2010/main" val="3332795019"/>
+                  </p:ext>
+                </p:extLst>
+              </p:nvPr>
+            </p:nvGraphicFramePr>
+            <p:xfrm>
+              <a:off x="4644008" y="4725144"/>
+              <a:ext cx="3744416" cy="741680"/>
+            </p:xfrm>
+            <a:graphic>
+              <a:graphicData uri="http://schemas.openxmlformats.org/drawingml/2006/table">
+                <a:tbl>
+                  <a:tblPr firstRow="1" bandRow="1">
+                    <a:tableStyleId>{93296810-A885-4BE3-A3E7-6D5BEEA58F35}</a:tableStyleId>
+                  </a:tblPr>
+                  <a:tblGrid>
+                    <a:gridCol w="936104"/>
+                    <a:gridCol w="936104"/>
+                    <a:gridCol w="936104"/>
+                    <a:gridCol w="936104"/>
+                  </a:tblGrid>
+                  <a:tr h="370840">
+                    <a:tc>
+                      <a:txBody>
+                        <a:bodyPr/>
+                        <a:lstStyle/>
+                        <a:p>
+                          <a:pPr algn="ctr"/>
+                          <a:r>
+                            <a:rPr lang="en-US" altLang="zh-CN" dirty="0" smtClean="0"/>
+                            <a:t>Coke</a:t>
+                          </a:r>
+                          <a:endParaRPr lang="zh-CN" altLang="en-US" dirty="0"/>
+                        </a:p>
+                      </a:txBody>
+                      <a:tcPr/>
+                    </a:tc>
+                    <a:tc>
+                      <a:txBody>
+                        <a:bodyPr/>
+                        <a:lstStyle/>
+                        <a:p>
+                          <a:pPr algn="ctr"/>
+                          <a:r>
+                            <a:rPr lang="en-US" altLang="zh-CN" dirty="0" smtClean="0"/>
+                            <a:t>Pepsi</a:t>
+                          </a:r>
+                          <a:endParaRPr lang="zh-CN" altLang="en-US" dirty="0"/>
+                        </a:p>
+                      </a:txBody>
+                      <a:tcPr/>
+                    </a:tc>
+                    <a:tc>
+                      <a:txBody>
+                        <a:bodyPr/>
+                        <a:lstStyle/>
+                        <a:p>
+                          <a:pPr algn="ctr"/>
+                          <a:r>
+                            <a:rPr lang="en-US" altLang="zh-CN" sz="1700" dirty="0" smtClean="0"/>
+                            <a:t>Fanta</a:t>
+                          </a:r>
+                          <a:endParaRPr lang="zh-CN" altLang="en-US" sz="1700" dirty="0"/>
+                        </a:p>
+                      </a:txBody>
+                      <a:tcPr/>
+                    </a:tc>
+                    <a:tc>
+                      <a:txBody>
+                        <a:bodyPr/>
+                        <a:lstStyle/>
+                        <a:p>
+                          <a:pPr algn="ctr"/>
+                          <a:r>
+                            <a:rPr lang="en-US" altLang="zh-CN" sz="1600" dirty="0" smtClean="0"/>
+                            <a:t>Sprite</a:t>
+                          </a:r>
+                          <a:endParaRPr lang="zh-CN" altLang="en-US" sz="1600" dirty="0"/>
+                        </a:p>
+                      </a:txBody>
+                      <a:tcPr/>
+                    </a:tc>
+                  </a:tr>
+                  <a:tr h="370840">
+                    <a:tc>
+                      <a:txBody>
+                        <a:bodyPr/>
+                        <a:lstStyle/>
+                        <a:p>
+                          <a:endParaRPr lang="zh-CN"/>
+                        </a:p>
+                      </a:txBody>
+                      <a:tcPr>
+                        <a:blipFill rotWithShape="1">
+                          <a:blip r:embed="rId6"/>
+                          <a:stretch>
+                            <a:fillRect l="-649" t="-108197" r="-299351" b="-24590"/>
+                          </a:stretch>
+                        </a:blipFill>
+                      </a:tcPr>
+                    </a:tc>
+                    <a:tc>
+                      <a:txBody>
+                        <a:bodyPr/>
+                        <a:lstStyle/>
+                        <a:p>
+                          <a:endParaRPr lang="zh-CN"/>
+                        </a:p>
+                      </a:txBody>
+                      <a:tcPr>
+                        <a:blipFill rotWithShape="1">
+                          <a:blip r:embed="rId6"/>
+                          <a:stretch>
+                            <a:fillRect l="-101307" t="-108197" r="-201307" b="-24590"/>
+                          </a:stretch>
+                        </a:blipFill>
+                      </a:tcPr>
+                    </a:tc>
+                    <a:tc>
+                      <a:txBody>
+                        <a:bodyPr/>
+                        <a:lstStyle/>
+                        <a:p>
+                          <a:endParaRPr lang="zh-CN"/>
+                        </a:p>
+                      </a:txBody>
+                      <a:tcPr>
+                        <a:blipFill rotWithShape="1">
+                          <a:blip r:embed="rId6"/>
+                          <a:stretch>
+                            <a:fillRect l="-200000" t="-108197" r="-100000" b="-24590"/>
+                          </a:stretch>
+                        </a:blipFill>
+                      </a:tcPr>
+                    </a:tc>
+                    <a:tc>
+                      <a:txBody>
+                        <a:bodyPr/>
+                        <a:lstStyle/>
+                        <a:p>
+                          <a:endParaRPr lang="zh-CN"/>
+                        </a:p>
+                      </a:txBody>
+                      <a:tcPr>
+                        <a:blipFill rotWithShape="1">
+                          <a:blip r:embed="rId6"/>
+                          <a:stretch>
+                            <a:fillRect l="-301961" t="-108197" r="-654" b="-24590"/>
+                          </a:stretch>
+                        </a:blipFill>
+                      </a:tcPr>
+                    </a:tc>
+                  </a:tr>
+                </a:tbl>
+              </a:graphicData>
+            </a:graphic>
+          </p:graphicFrame>
+        </mc:Fallback>
+      </mc:AlternateContent>
+      <p:sp>
+        <p:nvSpPr>
+          <p:cNvPr id="38" name="TextBox 37"/>
+          <p:cNvSpPr txBox="1"/>
+          <p:nvPr/>
+        </p:nvSpPr>
+        <p:spPr>
+          <a:xfrm>
+            <a:off x="1691680" y="260648"/>
+            <a:ext cx="824072" cy="646331"/>
+          </a:xfrm>
+          <a:prstGeom prst="rect">
+            <a:avLst/>
+          </a:prstGeom>
+          <a:noFill/>
+        </p:spPr>
+        <p:txBody>
+          <a:bodyPr wrap="none" rtlCol="0">
+            <a:spAutoFit/>
+          </a:bodyPr>
+          <a:lstStyle/>
+          <a:p>
+            <a:pPr algn="ctr"/>
+            <a:r>
+              <a:rPr lang="en-US" altLang="zh-CN" dirty="0" smtClean="0"/>
+              <a:t>From </a:t>
+            </a:r>
+          </a:p>
+          <a:p>
+            <a:pPr algn="ctr"/>
+            <a:r>
+              <a:rPr lang="en-US" altLang="zh-CN" dirty="0" smtClean="0"/>
+              <a:t>Source</a:t>
+            </a:r>
+            <a:endParaRPr lang="zh-CN" altLang="en-US" dirty="0"/>
+          </a:p>
+        </p:txBody>
+      </p:sp>
+      <p:sp>
+        <p:nvSpPr>
+          <p:cNvPr id="40" name="TextBox 39"/>
+          <p:cNvSpPr txBox="1"/>
+          <p:nvPr/>
+        </p:nvSpPr>
+        <p:spPr>
+          <a:xfrm>
+            <a:off x="7524328" y="3271021"/>
+            <a:ext cx="683200" cy="646331"/>
+          </a:xfrm>
+          <a:prstGeom prst="rect">
+            <a:avLst/>
+          </a:prstGeom>
+          <a:noFill/>
+        </p:spPr>
+        <p:txBody>
+          <a:bodyPr wrap="none" rtlCol="0">
+            <a:spAutoFit/>
+          </a:bodyPr>
+          <a:lstStyle/>
+          <a:p>
+            <a:pPr algn="ctr"/>
+            <a:r>
+              <a:rPr lang="en-US" altLang="zh-CN" dirty="0" smtClean="0"/>
+              <a:t>True </a:t>
+            </a:r>
+          </a:p>
+          <a:p>
+            <a:pPr algn="ctr"/>
+            <a:r>
+              <a:rPr lang="en-US" altLang="zh-CN" dirty="0" smtClean="0"/>
+              <a:t>Label</a:t>
+            </a:r>
+            <a:endParaRPr lang="zh-CN" altLang="en-US" dirty="0"/>
+          </a:p>
+        </p:txBody>
+      </p:sp>
+      <p:sp>
+        <p:nvSpPr>
+          <p:cNvPr id="41" name="TextBox 40"/>
+          <p:cNvSpPr txBox="1"/>
+          <p:nvPr/>
+        </p:nvSpPr>
+        <p:spPr>
+          <a:xfrm>
+            <a:off x="1403648" y="2852513"/>
+            <a:ext cx="1612814" cy="369332"/>
+          </a:xfrm>
+          <a:prstGeom prst="rect">
+            <a:avLst/>
+          </a:prstGeom>
+          <a:noFill/>
+        </p:spPr>
+        <p:txBody>
+          <a:bodyPr wrap="none" rtlCol="0">
+            <a:spAutoFit/>
+          </a:bodyPr>
+          <a:lstStyle/>
+          <a:p>
+            <a:r>
+              <a:rPr lang="en-US" altLang="zh-CN" dirty="0" smtClean="0"/>
+              <a:t>Unlabeled data</a:t>
+            </a:r>
+            <a:endParaRPr lang="zh-CN" altLang="en-US" dirty="0"/>
+          </a:p>
+        </p:txBody>
+      </p:sp>
+      <p:sp>
+        <p:nvSpPr>
+          <p:cNvPr id="42" name="TextBox 41"/>
+          <p:cNvSpPr txBox="1"/>
+          <p:nvPr/>
+        </p:nvSpPr>
+        <p:spPr>
+          <a:xfrm>
+            <a:off x="5343847" y="2852513"/>
+            <a:ext cx="1388393" cy="369332"/>
+          </a:xfrm>
+          <a:prstGeom prst="rect">
+            <a:avLst/>
+          </a:prstGeom>
+          <a:noFill/>
+        </p:spPr>
+        <p:txBody>
+          <a:bodyPr wrap="none" rtlCol="0">
+            <a:spAutoFit/>
+          </a:bodyPr>
+          <a:lstStyle/>
+          <a:p>
+            <a:r>
+              <a:rPr lang="en-US" altLang="zh-CN" dirty="0" smtClean="0"/>
+              <a:t>Labeled </a:t>
+            </a:r>
+            <a:r>
+              <a:rPr lang="en-US" altLang="zh-CN" dirty="0" smtClean="0"/>
+              <a:t>data</a:t>
+            </a:r>
+            <a:endParaRPr lang="zh-CN" altLang="en-US" dirty="0"/>
+          </a:p>
+        </p:txBody>
+      </p:sp>
+      <p:sp>
+        <p:nvSpPr>
+          <p:cNvPr id="12" name="TextBox 11"/>
+          <p:cNvSpPr txBox="1"/>
+          <p:nvPr/>
+        </p:nvSpPr>
+        <p:spPr>
+          <a:xfrm>
+            <a:off x="3494533" y="5661248"/>
+            <a:ext cx="1581523" cy="369332"/>
+          </a:xfrm>
+          <a:prstGeom prst="rect">
+            <a:avLst/>
+          </a:prstGeom>
+          <a:noFill/>
+        </p:spPr>
+        <p:txBody>
+          <a:bodyPr wrap="none" rtlCol="0">
+            <a:spAutoFit/>
+          </a:bodyPr>
+          <a:lstStyle/>
+          <a:p>
+            <a:r>
+              <a:rPr lang="en-US" altLang="zh-CN" dirty="0" smtClean="0">
+                <a:solidFill>
+                  <a:srgbClr val="FF0000"/>
+                </a:solidFill>
+              </a:rPr>
+              <a:t>Distilled Labels</a:t>
+            </a:r>
+            <a:endParaRPr lang="zh-CN" altLang="en-US" dirty="0">
+              <a:solidFill>
+                <a:srgbClr val="FF0000"/>
+              </a:solidFill>
+            </a:endParaRPr>
+          </a:p>
+        </p:txBody>
+      </p:sp>
+      <p:sp>
+        <p:nvSpPr>
+          <p:cNvPr id="43" name="右箭头 42"/>
+          <p:cNvSpPr/>
+          <p:nvPr/>
+        </p:nvSpPr>
+        <p:spPr>
+          <a:xfrm rot="5400000">
+            <a:off x="2195736" y="4202556"/>
+            <a:ext cx="504056" cy="360040"/>
+          </a:xfrm>
+          <a:prstGeom prst="rightArrow">
+            <a:avLst/>
+          </a:prstGeom>
+          <a:solidFill>
+            <a:schemeClr val="accent6"/>
+          </a:solidFill>
+          <a:ln>
+            <a:noFill/>
+          </a:ln>
+        </p:spPr>
+        <p:style>
+          <a:lnRef idx="2">
+            <a:schemeClr val="accent1">
+              <a:shade val="50000"/>
+            </a:schemeClr>
+          </a:lnRef>
+          <a:fillRef idx="1">
+            <a:schemeClr val="accent1"/>
+          </a:fillRef>
+          <a:effectRef idx="0">
+            <a:schemeClr val="accent1"/>
+          </a:effectRef>
+          <a:fontRef idx="minor">
+            <a:schemeClr val="lt1"/>
+          </a:fontRef>
+        </p:style>
+        <p:txBody>
+          <a:bodyPr rtlCol="0" anchor="ctr"/>
+          <a:lstStyle/>
+          <a:p>
+            <a:pPr algn="ctr"/>
+            <a:endParaRPr lang="zh-CN" altLang="en-US"/>
+          </a:p>
+        </p:txBody>
+      </p:sp>
+      <p:sp>
+        <p:nvSpPr>
+          <p:cNvPr id="44" name="右箭头 43"/>
+          <p:cNvSpPr/>
+          <p:nvPr/>
+        </p:nvSpPr>
+        <p:spPr>
+          <a:xfrm rot="5400000">
+            <a:off x="5774451" y="4196012"/>
+            <a:ext cx="504056" cy="360040"/>
+          </a:xfrm>
+          <a:prstGeom prst="rightArrow">
+            <a:avLst/>
+          </a:prstGeom>
+          <a:solidFill>
+            <a:schemeClr val="accent6"/>
+          </a:solidFill>
+          <a:ln>
+            <a:noFill/>
+          </a:ln>
+        </p:spPr>
+        <p:style>
+          <a:lnRef idx="2">
+            <a:schemeClr val="accent1">
+              <a:shade val="50000"/>
+            </a:schemeClr>
+          </a:lnRef>
+          <a:fillRef idx="1">
+            <a:schemeClr val="accent1"/>
+          </a:fillRef>
+          <a:effectRef idx="0">
+            <a:schemeClr val="accent1"/>
+          </a:effectRef>
+          <a:fontRef idx="minor">
+            <a:schemeClr val="lt1"/>
+          </a:fontRef>
+        </p:style>
+        <p:txBody>
+          <a:bodyPr rtlCol="0" anchor="ctr"/>
+          <a:lstStyle/>
+          <a:p>
+            <a:pPr algn="ctr"/>
+            <a:endParaRPr lang="zh-CN" altLang="en-US"/>
+          </a:p>
+        </p:txBody>
+      </p:sp>
+      <mc:AlternateContent xmlns:mc="http://schemas.openxmlformats.org/markup-compatibility/2006">
+        <mc:Choice xmlns:a14="http://schemas.microsoft.com/office/drawing/2010/main" Requires="a14">
+          <p:sp>
+            <p:nvSpPr>
+              <p:cNvPr id="19" name="TextBox 18"/>
+              <p:cNvSpPr txBox="1"/>
+              <p:nvPr/>
+            </p:nvSpPr>
+            <p:spPr>
+              <a:xfrm>
+                <a:off x="8112912" y="3455686"/>
+                <a:ext cx="1368152" cy="369332"/>
+              </a:xfrm>
+              <a:prstGeom prst="rect">
+                <a:avLst/>
+              </a:prstGeom>
+              <a:noFill/>
+            </p:spPr>
+            <p:txBody>
+              <a:bodyPr wrap="square" rtlCol="0">
+                <a:spAutoFit/>
+              </a:bodyPr>
+              <a:lstStyle/>
+              <a:p>
+                <a14:m>
+                  <m:oMath xmlns:m="http://schemas.openxmlformats.org/officeDocument/2006/math">
+                    <m:r>
+                      <a:rPr lang="en-US" altLang="zh-CN" i="1" smtClean="0">
+                        <a:latin typeface="Cambria Math"/>
+                        <a:ea typeface="Cambria Math"/>
+                      </a:rPr>
+                      <m:t>×</m:t>
+                    </m:r>
+                  </m:oMath>
+                </a14:m>
+                <a:r>
+                  <a:rPr lang="en-US" altLang="zh-CN" dirty="0" smtClean="0"/>
+                  <a:t> </a:t>
+                </a:r>
+                <a:r>
+                  <a:rPr lang="en-US" altLang="zh-CN" dirty="0" smtClean="0"/>
+                  <a:t>(1</a:t>
+                </a:r>
+                <a14:m>
+                  <m:oMath xmlns:m="http://schemas.openxmlformats.org/officeDocument/2006/math">
+                    <m:r>
+                      <a:rPr lang="en-US" altLang="zh-CN" b="0" i="0" smtClean="0">
+                        <a:latin typeface="Cambria Math"/>
+                      </a:rPr>
+                      <m:t>−</m:t>
+                    </m:r>
+                    <m:r>
+                      <a:rPr lang="zh-CN" altLang="en-US" i="1">
+                        <a:latin typeface="Cambria Math"/>
+                      </a:rPr>
+                      <m:t>𝜆</m:t>
+                    </m:r>
+                    <m:r>
+                      <a:rPr lang="en-US" altLang="zh-CN" b="0" i="1" smtClean="0">
+                        <a:latin typeface="Cambria Math"/>
+                      </a:rPr>
+                      <m:t>)</m:t>
+                    </m:r>
+                  </m:oMath>
+                </a14:m>
+                <a:endParaRPr lang="zh-CN" altLang="en-US" dirty="0"/>
+              </a:p>
+            </p:txBody>
+          </p:sp>
+        </mc:Choice>
+        <mc:Fallback>
+          <p:sp>
+            <p:nvSpPr>
+              <p:cNvPr id="19" name="TextBox 18"/>
+              <p:cNvSpPr txBox="1">
+                <a:spLocks noRot="1" noChangeAspect="1" noMove="1" noResize="1" noEditPoints="1" noAdjustHandles="1" noChangeArrowheads="1" noChangeShapeType="1" noTextEdit="1"/>
+              </p:cNvSpPr>
+              <p:nvPr/>
+            </p:nvSpPr>
+            <p:spPr>
+              <a:xfrm>
+                <a:off x="8112912" y="3455686"/>
+                <a:ext cx="1368152" cy="369332"/>
+              </a:xfrm>
+              <a:prstGeom prst="rect">
+                <a:avLst/>
+              </a:prstGeom>
+              <a:blipFill rotWithShape="1">
+                <a:blip r:embed="rId7"/>
+                <a:stretch>
+                  <a:fillRect t="-8333" b="-26667"/>
+                </a:stretch>
+              </a:blipFill>
+            </p:spPr>
+            <p:txBody>
+              <a:bodyPr/>
+              <a:lstStyle/>
+              <a:p>
+                <a:r>
+                  <a:rPr lang="zh-CN" altLang="en-US">
+                    <a:noFill/>
+                  </a:rPr>
+                  <a:t> </a:t>
+                </a:r>
+              </a:p>
+            </p:txBody>
+          </p:sp>
+        </mc:Fallback>
+      </mc:AlternateContent>
+    </p:spTree>
+    <p:extLst>
+      <p:ext uri="{BB962C8B-B14F-4D97-AF65-F5344CB8AC3E}">
+        <p14:creationId xmlns:p14="http://schemas.microsoft.com/office/powerpoint/2010/main" val="4053215889"/>
+      </p:ext>
+    </p:extLst>
+  </p:cSld>
+  <p:clrMapOvr>
+    <a:masterClrMapping/>
+  </p:clrMapOvr>
+  <p:timing>
+    <p:tnLst>
+      <p:par>
+        <p:cTn id="1" dur="indefinite" restart="never" nodeType="tmRoot"/>
+      </p:par>
+    </p:tnLst>
+  </p:timing>
+</p:sld>
+</file>
+
+<file path=ppt/slides/slide8.xml><?xml version="1.0" encoding="utf-8"?>
+<p:sld xmlns:a="http://schemas.openxmlformats.org/drawingml/2006/main" xmlns:r="http://schemas.openxmlformats.org/officeDocument/2006/relationships" xmlns:p="http://schemas.openxmlformats.org/presentationml/2006/main">
+  <p:cSld>
+    <p:spTree>
+      <p:nvGrpSpPr>
+        <p:cNvPr id="1" name=""/>
+        <p:cNvGrpSpPr/>
+        <p:nvPr/>
+      </p:nvGrpSpPr>
+      <p:grpSpPr>
+        <a:xfrm>
+          <a:off x="0" y="0"/>
+          <a:ext cx="0" cy="0"/>
+          <a:chOff x="0" y="0"/>
+          <a:chExt cx="0" cy="0"/>
+        </a:xfrm>
+      </p:grpSpPr>
+      <p:sp>
+        <p:nvSpPr>
+          <p:cNvPr id="4" name="圆角矩形 3"/>
+          <p:cNvSpPr/>
+          <p:nvPr/>
+        </p:nvSpPr>
+        <p:spPr>
+          <a:xfrm>
+            <a:off x="6522517" y="764704"/>
+            <a:ext cx="1145827" cy="864096"/>
+          </a:xfrm>
+          <a:prstGeom prst="roundRect">
+            <a:avLst/>
+          </a:prstGeom>
+          <a:solidFill>
+            <a:schemeClr val="accent6"/>
+          </a:solidFill>
+          <a:ln>
+            <a:noFill/>
+          </a:ln>
+        </p:spPr>
+        <p:style>
+          <a:lnRef idx="2">
+            <a:schemeClr val="accent1">
+              <a:shade val="50000"/>
+            </a:schemeClr>
+          </a:lnRef>
+          <a:fillRef idx="1">
+            <a:schemeClr val="accent1"/>
+          </a:fillRef>
+          <a:effectRef idx="0">
+            <a:schemeClr val="accent1"/>
+          </a:effectRef>
+          <a:fontRef idx="minor">
+            <a:schemeClr val="lt1"/>
+          </a:fontRef>
+        </p:style>
+        <p:txBody>
+          <a:bodyPr rtlCol="0" anchor="ctr"/>
+          <a:lstStyle/>
+          <a:p>
+            <a:pPr algn="ctr"/>
+            <a:r>
+              <a:rPr lang="en-US" altLang="zh-CN" dirty="0" smtClean="0">
+                <a:solidFill>
+                  <a:schemeClr val="tx1"/>
+                </a:solidFill>
+              </a:rPr>
+              <a:t>X</a:t>
+            </a:r>
+            <a:endParaRPr lang="zh-CN" altLang="en-US" dirty="0">
+              <a:solidFill>
+                <a:schemeClr val="tx1"/>
+              </a:solidFill>
+            </a:endParaRPr>
+          </a:p>
+        </p:txBody>
+      </p:sp>
+      <p:sp>
+        <p:nvSpPr>
+          <p:cNvPr id="6" name="圆角矩形 5"/>
+          <p:cNvSpPr/>
+          <p:nvPr/>
+        </p:nvSpPr>
+        <p:spPr>
+          <a:xfrm>
+            <a:off x="7740352" y="764704"/>
+            <a:ext cx="1152128" cy="864096"/>
+          </a:xfrm>
+          <a:prstGeom prst="roundRect">
+            <a:avLst/>
+          </a:prstGeom>
+          <a:solidFill>
+            <a:schemeClr val="accent6"/>
+          </a:solidFill>
+          <a:ln>
+            <a:noFill/>
+          </a:ln>
+        </p:spPr>
+        <p:style>
+          <a:lnRef idx="2">
+            <a:schemeClr val="accent1">
+              <a:shade val="50000"/>
+            </a:schemeClr>
+          </a:lnRef>
+          <a:fillRef idx="1">
+            <a:schemeClr val="accent1"/>
+          </a:fillRef>
+          <a:effectRef idx="0">
+            <a:schemeClr val="accent1"/>
+          </a:effectRef>
+          <a:fontRef idx="minor">
+            <a:schemeClr val="lt1"/>
+          </a:fontRef>
+        </p:style>
+        <p:txBody>
+          <a:bodyPr rtlCol="0" anchor="ctr"/>
+          <a:lstStyle/>
+          <a:p>
+            <a:pPr algn="ctr"/>
+            <a:r>
+              <a:rPr lang="en-US" altLang="zh-CN" dirty="0" smtClean="0">
+                <a:solidFill>
+                  <a:schemeClr val="tx1"/>
+                </a:solidFill>
+              </a:rPr>
+              <a:t>Distilled Label</a:t>
+            </a:r>
+            <a:endParaRPr lang="zh-CN" altLang="en-US" dirty="0">
+              <a:solidFill>
+                <a:schemeClr val="tx1"/>
+              </a:solidFill>
+            </a:endParaRPr>
+          </a:p>
+        </p:txBody>
+      </p:sp>
+      <p:sp>
+        <p:nvSpPr>
+          <p:cNvPr id="8" name="圆角矩形 7"/>
+          <p:cNvSpPr/>
+          <p:nvPr/>
+        </p:nvSpPr>
+        <p:spPr>
+          <a:xfrm>
+            <a:off x="7159108" y="2492896"/>
+            <a:ext cx="1145827" cy="864096"/>
+          </a:xfrm>
+          <a:prstGeom prst="roundRect">
+            <a:avLst/>
+          </a:prstGeom>
+          <a:solidFill>
+            <a:srgbClr val="FF0000"/>
+          </a:solidFill>
+          <a:ln>
+            <a:noFill/>
+          </a:ln>
+        </p:spPr>
+        <p:style>
+          <a:lnRef idx="2">
+            <a:schemeClr val="accent1">
+              <a:shade val="50000"/>
+            </a:schemeClr>
+          </a:lnRef>
+          <a:fillRef idx="1">
+            <a:schemeClr val="accent1"/>
+          </a:fillRef>
+          <a:effectRef idx="0">
+            <a:schemeClr val="accent1"/>
+          </a:effectRef>
+          <a:fontRef idx="minor">
+            <a:schemeClr val="lt1"/>
+          </a:fontRef>
+        </p:style>
+        <p:txBody>
+          <a:bodyPr rtlCol="0" anchor="ctr"/>
+          <a:lstStyle/>
+          <a:p>
+            <a:pPr algn="ctr"/>
+            <a:r>
+              <a:rPr lang="en-US" altLang="zh-CN" dirty="0" smtClean="0">
+                <a:solidFill>
+                  <a:schemeClr val="tx1"/>
+                </a:solidFill>
+              </a:rPr>
+              <a:t>Target</a:t>
+            </a:r>
+          </a:p>
+          <a:p>
+            <a:pPr algn="ctr"/>
+            <a:r>
+              <a:rPr lang="en-US" altLang="zh-CN" dirty="0" smtClean="0">
+                <a:solidFill>
+                  <a:schemeClr val="tx1"/>
+                </a:solidFill>
+              </a:rPr>
+              <a:t>Model</a:t>
+            </a:r>
+            <a:endParaRPr lang="zh-CN" altLang="en-US" dirty="0">
+              <a:solidFill>
+                <a:schemeClr val="tx1"/>
+              </a:solidFill>
+            </a:endParaRPr>
+          </a:p>
+        </p:txBody>
+      </p:sp>
+      <p:sp>
+        <p:nvSpPr>
+          <p:cNvPr id="9" name="右箭头 8"/>
+          <p:cNvSpPr/>
+          <p:nvPr/>
+        </p:nvSpPr>
+        <p:spPr>
+          <a:xfrm rot="2700000">
+            <a:off x="7110812" y="1898302"/>
+            <a:ext cx="504056" cy="360040"/>
+          </a:xfrm>
+          <a:prstGeom prst="rightArrow">
+            <a:avLst/>
+          </a:prstGeom>
+          <a:solidFill>
+            <a:schemeClr val="accent6"/>
+          </a:solidFill>
+          <a:ln>
+            <a:noFill/>
+          </a:ln>
+        </p:spPr>
+        <p:style>
+          <a:lnRef idx="2">
+            <a:schemeClr val="accent1">
+              <a:shade val="50000"/>
+            </a:schemeClr>
+          </a:lnRef>
+          <a:fillRef idx="1">
+            <a:schemeClr val="accent1"/>
+          </a:fillRef>
+          <a:effectRef idx="0">
+            <a:schemeClr val="accent1"/>
+          </a:effectRef>
+          <a:fontRef idx="minor">
+            <a:schemeClr val="lt1"/>
+          </a:fontRef>
+        </p:style>
+        <p:txBody>
+          <a:bodyPr rtlCol="0" anchor="ctr"/>
+          <a:lstStyle/>
+          <a:p>
+            <a:pPr algn="ctr"/>
+            <a:endParaRPr lang="zh-CN" altLang="en-US"/>
+          </a:p>
+        </p:txBody>
+      </p:sp>
+      <p:sp>
+        <p:nvSpPr>
+          <p:cNvPr id="10" name="右箭头 9"/>
+          <p:cNvSpPr/>
+          <p:nvPr/>
+        </p:nvSpPr>
+        <p:spPr>
+          <a:xfrm rot="8100000">
+            <a:off x="7793828" y="1898300"/>
+            <a:ext cx="504056" cy="360040"/>
+          </a:xfrm>
+          <a:prstGeom prst="rightArrow">
+            <a:avLst/>
+          </a:prstGeom>
+          <a:solidFill>
+            <a:schemeClr val="accent6"/>
+          </a:solidFill>
+          <a:ln>
+            <a:noFill/>
+          </a:ln>
+        </p:spPr>
+        <p:style>
+          <a:lnRef idx="2">
+            <a:schemeClr val="accent1">
+              <a:shade val="50000"/>
+            </a:schemeClr>
+          </a:lnRef>
+          <a:fillRef idx="1">
+            <a:schemeClr val="accent1"/>
+          </a:fillRef>
+          <a:effectRef idx="0">
+            <a:schemeClr val="accent1"/>
+          </a:effectRef>
+          <a:fontRef idx="minor">
+            <a:schemeClr val="lt1"/>
+          </a:fontRef>
+        </p:style>
+        <p:txBody>
+          <a:bodyPr rtlCol="0" anchor="ctr"/>
+          <a:lstStyle/>
+          <a:p>
+            <a:pPr algn="ctr"/>
+            <a:endParaRPr lang="zh-CN" altLang="en-US"/>
+          </a:p>
+        </p:txBody>
+      </p:sp>
+      <p:cxnSp>
+        <p:nvCxnSpPr>
+          <p:cNvPr id="11" name="直接连接符 10"/>
+          <p:cNvCxnSpPr/>
+          <p:nvPr/>
+        </p:nvCxnSpPr>
+        <p:spPr>
+          <a:xfrm flipV="1">
+            <a:off x="251520" y="5157192"/>
+            <a:ext cx="8424936" cy="72008"/>
+          </a:xfrm>
+          <a:prstGeom prst="line">
+            <a:avLst/>
+          </a:prstGeom>
+          <a:ln>
+            <a:prstDash val="sysDot"/>
+          </a:ln>
+        </p:spPr>
+        <p:style>
+          <a:lnRef idx="3">
+            <a:schemeClr val="dk1"/>
+          </a:lnRef>
+          <a:fillRef idx="0">
+            <a:schemeClr val="dk1"/>
+          </a:fillRef>
+          <a:effectRef idx="2">
+            <a:schemeClr val="dk1"/>
+          </a:effectRef>
+          <a:fontRef idx="minor">
+            <a:schemeClr val="tx1"/>
+          </a:fontRef>
+        </p:style>
+      </p:cxnSp>
+      <p:sp>
+        <p:nvSpPr>
+          <p:cNvPr id="12" name="TextBox 11"/>
+          <p:cNvSpPr txBox="1"/>
+          <p:nvPr/>
+        </p:nvSpPr>
+        <p:spPr>
+          <a:xfrm>
+            <a:off x="251520" y="188640"/>
+            <a:ext cx="945195" cy="369332"/>
+          </a:xfrm>
+          <a:prstGeom prst="rect">
+            <a:avLst/>
+          </a:prstGeom>
+          <a:noFill/>
+        </p:spPr>
+        <p:txBody>
+          <a:bodyPr wrap="none" rtlCol="0">
+            <a:spAutoFit/>
+          </a:bodyPr>
+          <a:lstStyle/>
+          <a:p>
+            <a:r>
+              <a:rPr lang="en-US" altLang="zh-CN" b="1" dirty="0" smtClean="0">
+                <a:solidFill>
+                  <a:srgbClr val="FF0000"/>
+                </a:solidFill>
+              </a:rPr>
+              <a:t>Training</a:t>
+            </a:r>
+            <a:endParaRPr lang="zh-CN" altLang="en-US" b="1" dirty="0">
+              <a:solidFill>
+                <a:srgbClr val="FF0000"/>
+              </a:solidFill>
+            </a:endParaRPr>
+          </a:p>
+        </p:txBody>
+      </p:sp>
+      <p:sp>
+        <p:nvSpPr>
+          <p:cNvPr id="14" name="TextBox 13"/>
+          <p:cNvSpPr txBox="1"/>
+          <p:nvPr/>
+        </p:nvSpPr>
+        <p:spPr>
+          <a:xfrm>
+            <a:off x="251520" y="5445224"/>
+            <a:ext cx="851452" cy="369332"/>
+          </a:xfrm>
+          <a:prstGeom prst="rect">
+            <a:avLst/>
+          </a:prstGeom>
+          <a:noFill/>
+        </p:spPr>
+        <p:txBody>
+          <a:bodyPr wrap="none" rtlCol="0">
+            <a:spAutoFit/>
+          </a:bodyPr>
+          <a:lstStyle/>
+          <a:p>
+            <a:r>
+              <a:rPr lang="en-US" altLang="zh-CN" b="1" dirty="0" smtClean="0">
+                <a:solidFill>
+                  <a:srgbClr val="FF0000"/>
+                </a:solidFill>
+              </a:rPr>
+              <a:t>Testing</a:t>
+            </a:r>
+            <a:endParaRPr lang="zh-CN" altLang="en-US" b="1" dirty="0">
+              <a:solidFill>
+                <a:srgbClr val="FF0000"/>
+              </a:solidFill>
+            </a:endParaRPr>
+          </a:p>
+        </p:txBody>
+      </p:sp>
+      <p:sp>
+        <p:nvSpPr>
+          <p:cNvPr id="15" name="圆角矩形 14"/>
+          <p:cNvSpPr/>
+          <p:nvPr/>
+        </p:nvSpPr>
+        <p:spPr>
+          <a:xfrm>
+            <a:off x="3282157" y="5517232"/>
+            <a:ext cx="1145827" cy="864096"/>
+          </a:xfrm>
+          <a:prstGeom prst="roundRect">
+            <a:avLst/>
+          </a:prstGeom>
+          <a:solidFill>
+            <a:srgbClr val="FF0000"/>
+          </a:solidFill>
+          <a:ln>
+            <a:noFill/>
+          </a:ln>
+        </p:spPr>
+        <p:style>
+          <a:lnRef idx="2">
+            <a:schemeClr val="accent1">
+              <a:shade val="50000"/>
+            </a:schemeClr>
+          </a:lnRef>
+          <a:fillRef idx="1">
+            <a:schemeClr val="accent1"/>
+          </a:fillRef>
+          <a:effectRef idx="0">
+            <a:schemeClr val="accent1"/>
+          </a:effectRef>
+          <a:fontRef idx="minor">
+            <a:schemeClr val="lt1"/>
+          </a:fontRef>
+        </p:style>
+        <p:txBody>
+          <a:bodyPr rtlCol="0" anchor="ctr"/>
+          <a:lstStyle/>
+          <a:p>
+            <a:pPr algn="ctr"/>
+            <a:r>
+              <a:rPr lang="en-US" altLang="zh-CN" dirty="0" smtClean="0">
+                <a:solidFill>
+                  <a:schemeClr val="tx1"/>
+                </a:solidFill>
+              </a:rPr>
+              <a:t>Target</a:t>
+            </a:r>
+          </a:p>
+          <a:p>
+            <a:pPr algn="ctr"/>
+            <a:r>
+              <a:rPr lang="en-US" altLang="zh-CN" dirty="0" smtClean="0">
+                <a:solidFill>
+                  <a:schemeClr val="tx1"/>
+                </a:solidFill>
+              </a:rPr>
+              <a:t>Model</a:t>
+            </a:r>
+            <a:endParaRPr lang="zh-CN" altLang="en-US" dirty="0">
+              <a:solidFill>
+                <a:schemeClr val="tx1"/>
+              </a:solidFill>
+            </a:endParaRPr>
+          </a:p>
+        </p:txBody>
+      </p:sp>
+      <p:sp>
+        <p:nvSpPr>
+          <p:cNvPr id="16" name="圆角矩形 15"/>
+          <p:cNvSpPr/>
+          <p:nvPr/>
+        </p:nvSpPr>
+        <p:spPr>
+          <a:xfrm>
+            <a:off x="1331640" y="5517232"/>
+            <a:ext cx="1145827" cy="864096"/>
+          </a:xfrm>
+          <a:prstGeom prst="roundRect">
+            <a:avLst/>
+          </a:prstGeom>
+          <a:solidFill>
+            <a:schemeClr val="accent6"/>
+          </a:solidFill>
+          <a:ln>
+            <a:noFill/>
+          </a:ln>
+        </p:spPr>
+        <p:style>
+          <a:lnRef idx="2">
+            <a:schemeClr val="accent1">
+              <a:shade val="50000"/>
+            </a:schemeClr>
+          </a:lnRef>
+          <a:fillRef idx="1">
+            <a:schemeClr val="accent1"/>
+          </a:fillRef>
+          <a:effectRef idx="0">
+            <a:schemeClr val="accent1"/>
+          </a:effectRef>
+          <a:fontRef idx="minor">
+            <a:schemeClr val="lt1"/>
+          </a:fontRef>
+        </p:style>
+        <p:txBody>
+          <a:bodyPr rtlCol="0" anchor="ctr"/>
+          <a:lstStyle/>
+          <a:p>
+            <a:pPr algn="ctr"/>
+            <a:r>
+              <a:rPr lang="en-US" altLang="zh-CN" dirty="0" smtClean="0">
+                <a:solidFill>
+                  <a:schemeClr val="tx1"/>
+                </a:solidFill>
+              </a:rPr>
+              <a:t>Example</a:t>
+            </a:r>
+            <a:endParaRPr lang="zh-CN" altLang="en-US" dirty="0">
+              <a:solidFill>
+                <a:schemeClr val="tx1"/>
+              </a:solidFill>
+            </a:endParaRPr>
+          </a:p>
+        </p:txBody>
+      </p:sp>
+      <p:sp>
+        <p:nvSpPr>
+          <p:cNvPr id="13" name="右箭头 12"/>
+          <p:cNvSpPr/>
+          <p:nvPr/>
+        </p:nvSpPr>
+        <p:spPr>
+          <a:xfrm>
+            <a:off x="2627784" y="5814556"/>
+            <a:ext cx="504056" cy="350748"/>
+          </a:xfrm>
+          <a:prstGeom prst="rightArrow">
+            <a:avLst/>
+          </a:prstGeom>
+          <a:solidFill>
+            <a:srgbClr val="FF0000"/>
+          </a:solidFill>
+          <a:ln>
+            <a:noFill/>
+          </a:ln>
+        </p:spPr>
+        <p:style>
+          <a:lnRef idx="2">
+            <a:schemeClr val="accent1">
+              <a:shade val="50000"/>
+            </a:schemeClr>
+          </a:lnRef>
+          <a:fillRef idx="1">
+            <a:schemeClr val="accent1"/>
+          </a:fillRef>
+          <a:effectRef idx="0">
+            <a:schemeClr val="accent1"/>
+          </a:effectRef>
+          <a:fontRef idx="minor">
+            <a:schemeClr val="lt1"/>
+          </a:fontRef>
+        </p:style>
+        <p:txBody>
+          <a:bodyPr rtlCol="0" anchor="ctr"/>
+          <a:lstStyle/>
+          <a:p>
+            <a:pPr algn="ctr"/>
+            <a:endParaRPr lang="zh-CN" altLang="en-US"/>
+          </a:p>
+        </p:txBody>
+      </p:sp>
+      <p:sp>
+        <p:nvSpPr>
+          <p:cNvPr id="18" name="右箭头 17"/>
+          <p:cNvSpPr/>
+          <p:nvPr/>
+        </p:nvSpPr>
+        <p:spPr>
+          <a:xfrm>
+            <a:off x="4644008" y="5773906"/>
+            <a:ext cx="504056" cy="350748"/>
+          </a:xfrm>
+          <a:prstGeom prst="rightArrow">
+            <a:avLst/>
+          </a:prstGeom>
+          <a:solidFill>
+            <a:srgbClr val="FF0000"/>
+          </a:solidFill>
+          <a:ln>
+            <a:noFill/>
+          </a:ln>
+        </p:spPr>
+        <p:style>
+          <a:lnRef idx="2">
+            <a:schemeClr val="accent1">
+              <a:shade val="50000"/>
+            </a:schemeClr>
+          </a:lnRef>
+          <a:fillRef idx="1">
+            <a:schemeClr val="accent1"/>
+          </a:fillRef>
+          <a:effectRef idx="0">
+            <a:schemeClr val="accent1"/>
+          </a:effectRef>
+          <a:fontRef idx="minor">
+            <a:schemeClr val="lt1"/>
+          </a:fontRef>
+        </p:style>
+        <p:txBody>
+          <a:bodyPr rtlCol="0" anchor="ctr"/>
+          <a:lstStyle/>
+          <a:p>
+            <a:pPr algn="ctr"/>
+            <a:endParaRPr lang="zh-CN" altLang="en-US"/>
+          </a:p>
+        </p:txBody>
+      </p:sp>
+      <p:sp>
+        <p:nvSpPr>
+          <p:cNvPr id="19" name="圆角矩形 18"/>
+          <p:cNvSpPr/>
+          <p:nvPr/>
+        </p:nvSpPr>
+        <p:spPr>
+          <a:xfrm>
+            <a:off x="5508104" y="5517232"/>
+            <a:ext cx="1549231" cy="864096"/>
+          </a:xfrm>
+          <a:prstGeom prst="roundRect">
+            <a:avLst/>
+          </a:prstGeom>
+          <a:solidFill>
+            <a:srgbClr val="7030A0"/>
+          </a:solidFill>
+          <a:ln>
+            <a:noFill/>
+          </a:ln>
+        </p:spPr>
+        <p:style>
+          <a:lnRef idx="2">
+            <a:schemeClr val="accent1">
+              <a:shade val="50000"/>
+            </a:schemeClr>
+          </a:lnRef>
+          <a:fillRef idx="1">
+            <a:schemeClr val="accent1"/>
+          </a:fillRef>
+          <a:effectRef idx="0">
+            <a:schemeClr val="accent1"/>
+          </a:effectRef>
+          <a:fontRef idx="minor">
+            <a:schemeClr val="lt1"/>
+          </a:fontRef>
+        </p:style>
+        <p:txBody>
+          <a:bodyPr rtlCol="0" anchor="ctr"/>
+          <a:lstStyle/>
+          <a:p>
+            <a:pPr algn="ctr"/>
+            <a:r>
+              <a:rPr lang="en-US" altLang="zh-CN" dirty="0" smtClean="0">
+                <a:solidFill>
+                  <a:schemeClr val="tx1"/>
+                </a:solidFill>
+              </a:rPr>
+              <a:t>Prediction</a:t>
+            </a:r>
+            <a:endParaRPr lang="zh-CN" altLang="en-US" dirty="0">
+              <a:solidFill>
+                <a:schemeClr val="tx1"/>
+              </a:solidFill>
+            </a:endParaRPr>
+          </a:p>
+        </p:txBody>
+      </p:sp>
+      <p:sp>
+        <p:nvSpPr>
+          <p:cNvPr id="17" name="TextBox 16"/>
+          <p:cNvSpPr txBox="1"/>
+          <p:nvPr/>
+        </p:nvSpPr>
+        <p:spPr>
+          <a:xfrm>
+            <a:off x="6715056" y="3789040"/>
+            <a:ext cx="2231125" cy="646331"/>
+          </a:xfrm>
+          <a:prstGeom prst="rect">
+            <a:avLst/>
+          </a:prstGeom>
+          <a:noFill/>
+        </p:spPr>
+        <p:txBody>
+          <a:bodyPr wrap="none" rtlCol="0">
+            <a:spAutoFit/>
+          </a:bodyPr>
+          <a:lstStyle/>
+          <a:p>
+            <a:pPr algn="ctr"/>
+            <a:r>
+              <a:rPr lang="en-US" altLang="zh-CN" dirty="0" smtClean="0">
+                <a:solidFill>
+                  <a:srgbClr val="FF0000"/>
+                </a:solidFill>
+              </a:rPr>
+              <a:t>How to Solve the </a:t>
+            </a:r>
+          </a:p>
+          <a:p>
+            <a:pPr algn="ctr"/>
+            <a:r>
+              <a:rPr lang="en-US" altLang="zh-CN" dirty="0" smtClean="0">
+                <a:solidFill>
+                  <a:srgbClr val="FF0000"/>
+                </a:solidFill>
+              </a:rPr>
+              <a:t>imitation parameter ?</a:t>
+            </a:r>
+            <a:endParaRPr lang="zh-CN" altLang="en-US" dirty="0">
+              <a:solidFill>
+                <a:srgbClr val="FF0000"/>
+              </a:solidFill>
+            </a:endParaRPr>
+          </a:p>
+        </p:txBody>
+      </p:sp>
+      <p:pic>
+        <p:nvPicPr>
+          <p:cNvPr id="1027" name="Picture 3" descr="D:\用户目录\Desktop\tr.png"/>
+          <p:cNvPicPr>
+            <a:picLocks noChangeAspect="1" noChangeArrowheads="1"/>
+          </p:cNvPicPr>
+          <p:nvPr/>
+        </p:nvPicPr>
+        <p:blipFill>
+          <a:blip r:embed="rId3">
+            <a:extLst>
+              <a:ext uri="{28A0092B-C50C-407E-A947-70E740481C1C}">
+                <a14:useLocalDpi xmlns:a14="http://schemas.microsoft.com/office/drawing/2010/main" val="0"/>
+              </a:ext>
+            </a:extLst>
+          </a:blip>
+          <a:srcRect/>
+          <a:stretch>
+            <a:fillRect/>
+          </a:stretch>
+        </p:blipFill>
+        <p:spPr bwMode="auto">
+          <a:xfrm>
+            <a:off x="281546" y="553022"/>
+            <a:ext cx="6810734" cy="4316138"/>
+          </a:xfrm>
+          <a:prstGeom prst="rect">
+            <a:avLst/>
+          </a:prstGeom>
+          <a:noFill/>
+          <a:extLst>
+            <a:ext uri="{909E8E84-426E-40DD-AFC4-6F175D3DCCD1}">
+              <a14:hiddenFill xmlns:a14="http://schemas.microsoft.com/office/drawing/2010/main">
+                <a:solidFill>
+                  <a:srgbClr val="FFFFFF"/>
+                </a:solidFill>
+              </a14:hiddenFill>
+            </a:ext>
+          </a:extLst>
+        </p:spPr>
+      </p:pic>
+    </p:spTree>
+    <p:extLst>
+      <p:ext uri="{BB962C8B-B14F-4D97-AF65-F5344CB8AC3E}">
+        <p14:creationId xmlns:p14="http://schemas.microsoft.com/office/powerpoint/2010/main" val="2080143265"/>
+      </p:ext>
+    </p:extLst>
+  </p:cSld>
+  <p:clrMapOvr>
+    <a:masterClrMapping/>
+  </p:clrMapOvr>
+</p:sld>
+</file>
+
+<file path=ppt/slides/slide9.xml><?xml version="1.0" encoding="utf-8"?>
+<p:sld xmlns:a="http://schemas.openxmlformats.org/drawingml/2006/main" xmlns:r="http://schemas.openxmlformats.org/officeDocument/2006/relationships" xmlns:p="http://schemas.openxmlformats.org/presentationml/2006/main">
+  <p:cSld>
+    <p:spTree>
+      <p:nvGrpSpPr>
+        <p:cNvPr id="1" name=""/>
+        <p:cNvGrpSpPr/>
+        <p:nvPr/>
+      </p:nvGrpSpPr>
+      <p:grpSpPr>
+        <a:xfrm>
+          <a:off x="0" y="0"/>
+          <a:ext cx="0" cy="0"/>
+          <a:chOff x="0" y="0"/>
+          <a:chExt cx="0" cy="0"/>
+        </a:xfrm>
+      </p:grpSpPr>
+      <p:pic>
+        <p:nvPicPr>
+          <p:cNvPr id="1026" name="Picture 2" descr="D:\用户目录\Desktop\paper\Slides\fig\gds.png"/>
+          <p:cNvPicPr>
+            <a:picLocks noChangeAspect="1" noChangeArrowheads="1"/>
+          </p:cNvPicPr>
+          <p:nvPr/>
+        </p:nvPicPr>
+        <p:blipFill>
+          <a:blip r:embed="rId2" cstate="print">
+            <a:extLst>
+              <a:ext uri="{28A0092B-C50C-407E-A947-70E740481C1C}">
+                <a14:useLocalDpi xmlns:a14="http://schemas.microsoft.com/office/drawing/2010/main" val="0"/>
+              </a:ext>
+            </a:extLst>
+          </a:blip>
+          <a:srcRect/>
+          <a:stretch>
+            <a:fillRect/>
+          </a:stretch>
+        </p:blipFill>
+        <p:spPr bwMode="auto">
+          <a:xfrm>
+            <a:off x="400509" y="2869548"/>
+            <a:ext cx="5688632" cy="3988452"/>
+          </a:xfrm>
+          <a:prstGeom prst="rect">
+            <a:avLst/>
+          </a:prstGeom>
+          <a:noFill/>
+          <a:extLst>
+            <a:ext uri="{909E8E84-426E-40DD-AFC4-6F175D3DCCD1}">
+              <a14:hiddenFill xmlns:a14="http://schemas.microsoft.com/office/drawing/2010/main">
+                <a:solidFill>
+                  <a:srgbClr val="FFFFFF"/>
+                </a:solidFill>
+              </a14:hiddenFill>
+            </a:ext>
+          </a:extLst>
+        </p:spPr>
+      </p:pic>
+      <p:pic>
+        <p:nvPicPr>
+          <p:cNvPr id="5" name="Picture 2" descr="D:\用户目录\Desktop\paper\thesis\aaai\figure\ff.png"/>
+          <p:cNvPicPr>
+            <a:picLocks noChangeAspect="1" noChangeArrowheads="1"/>
+          </p:cNvPicPr>
+          <p:nvPr/>
+        </p:nvPicPr>
+        <p:blipFill>
+          <a:blip r:embed="rId3" cstate="print">
+            <a:extLst>
+              <a:ext uri="{28A0092B-C50C-407E-A947-70E740481C1C}">
+                <a14:useLocalDpi xmlns:a14="http://schemas.microsoft.com/office/drawing/2010/main" val="0"/>
+              </a:ext>
+            </a:extLst>
+          </a:blip>
+          <a:srcRect/>
+          <a:stretch>
+            <a:fillRect/>
+          </a:stretch>
+        </p:blipFill>
+        <p:spPr bwMode="auto">
+          <a:xfrm>
+            <a:off x="1043608" y="188640"/>
+            <a:ext cx="4402435" cy="2592288"/>
+          </a:xfrm>
+          <a:prstGeom prst="rect">
+            <a:avLst/>
+          </a:prstGeom>
+          <a:noFill/>
+          <a:extLst>
+            <a:ext uri="{909E8E84-426E-40DD-AFC4-6F175D3DCCD1}">
+              <a14:hiddenFill xmlns:a14="http://schemas.microsoft.com/office/drawing/2010/main">
+                <a:solidFill>
+                  <a:srgbClr val="FFFFFF"/>
+                </a:solidFill>
+              </a14:hiddenFill>
+            </a:ext>
+          </a:extLst>
+        </p:spPr>
+      </p:pic>
+      <p:sp>
+        <p:nvSpPr>
+          <p:cNvPr id="6" name="TextBox 5"/>
+          <p:cNvSpPr txBox="1"/>
+          <p:nvPr/>
+        </p:nvSpPr>
+        <p:spPr>
+          <a:xfrm>
+            <a:off x="2987824" y="188640"/>
+            <a:ext cx="596830" cy="369332"/>
+          </a:xfrm>
+          <a:prstGeom prst="rect">
+            <a:avLst/>
+          </a:prstGeom>
+          <a:noFill/>
+        </p:spPr>
+        <p:txBody>
+          <a:bodyPr wrap="none" rtlCol="0">
+            <a:spAutoFit/>
+          </a:bodyPr>
+          <a:lstStyle/>
+          <a:p>
+            <a:r>
+              <a:rPr lang="en-US" altLang="zh-CN" b="1" dirty="0" smtClean="0">
+                <a:solidFill>
+                  <a:srgbClr val="FF0000"/>
+                </a:solidFill>
+              </a:rPr>
+              <a:t>Task</a:t>
+            </a:r>
+            <a:endParaRPr lang="zh-CN" altLang="en-US" b="1" dirty="0">
+              <a:solidFill>
+                <a:srgbClr val="FF0000"/>
+              </a:solidFill>
+            </a:endParaRPr>
+          </a:p>
+        </p:txBody>
+      </p:sp>
+      <p:cxnSp>
+        <p:nvCxnSpPr>
+          <p:cNvPr id="7" name="直接连接符 6"/>
+          <p:cNvCxnSpPr/>
+          <p:nvPr/>
+        </p:nvCxnSpPr>
+        <p:spPr>
+          <a:xfrm>
+            <a:off x="224088" y="2851768"/>
+            <a:ext cx="6076104" cy="0"/>
+          </a:xfrm>
+          <a:prstGeom prst="line">
+            <a:avLst/>
+          </a:prstGeom>
+          <a:ln>
+            <a:prstDash val="sysDot"/>
+          </a:ln>
+        </p:spPr>
+        <p:style>
+          <a:lnRef idx="3">
+            <a:schemeClr val="dk1"/>
+          </a:lnRef>
+          <a:fillRef idx="0">
+            <a:schemeClr val="dk1"/>
+          </a:fillRef>
+          <a:effectRef idx="2">
+            <a:schemeClr val="dk1"/>
+          </a:effectRef>
+          <a:fontRef idx="minor">
+            <a:schemeClr val="tx1"/>
+          </a:fontRef>
+        </p:style>
+      </p:cxnSp>
+    </p:spTree>
+    <p:extLst>
+      <p:ext uri="{BB962C8B-B14F-4D97-AF65-F5344CB8AC3E}">
+        <p14:creationId xmlns:p14="http://schemas.microsoft.com/office/powerpoint/2010/main" val="605196091"/>
+      </p:ext>
+    </p:extLst>
+  </p:cSld>
+  <p:clrMapOvr>
+    <a:masterClrMapping/>
+  </p:clrMapOvr>
+</p:sld>
+</file>
+
 <file path=ppt/theme/theme1.xml><?xml version="1.0" encoding="utf-8"?>
 <a:theme xmlns:a="http://schemas.openxmlformats.org/drawingml/2006/main" name="Office 主题">
   <a:themeElements>
@@ -4656,4 +10555,289 @@
   <a:objectDefaults/>
   <a:extraClrSchemeLst/>
 </a:theme>
+</file>
+
+<file path=ppt/theme/theme2.xml><?xml version="1.0" encoding="utf-8"?>
+<a:theme xmlns:a="http://schemas.openxmlformats.org/drawingml/2006/main" name="Office 主题​​">
+  <a:themeElements>
+    <a:clrScheme name="Office">
+      <a:dk1>
+        <a:sysClr val="windowText" lastClr="000000"/>
+      </a:dk1>
+      <a:lt1>
+        <a:sysClr val="window" lastClr="FFFFFF"/>
+      </a:lt1>
+      <a:dk2>
+        <a:srgbClr val="1F497D"/>
+      </a:dk2>
+      <a:lt2>
+        <a:srgbClr val="EEECE1"/>
+      </a:lt2>
+      <a:accent1>
+        <a:srgbClr val="4F81BD"/>
+      </a:accent1>
+      <a:accent2>
+        <a:srgbClr val="C0504D"/>
+      </a:accent2>
+      <a:accent3>
+        <a:srgbClr val="9BBB59"/>
+      </a:accent3>
+      <a:accent4>
+        <a:srgbClr val="8064A2"/>
+      </a:accent4>
+      <a:accent5>
+        <a:srgbClr val="4BACC6"/>
+      </a:accent5>
+      <a:accent6>
+        <a:srgbClr val="F79646"/>
+      </a:accent6>
+      <a:hlink>
+        <a:srgbClr val="0000FF"/>
+      </a:hlink>
+      <a:folHlink>
+        <a:srgbClr val="800080"/>
+      </a:folHlink>
+    </a:clrScheme>
+    <a:fontScheme name="Office">
+      <a:majorFont>
+        <a:latin typeface="Calibri"/>
+        <a:ea typeface=""/>
+        <a:cs typeface=""/>
+        <a:font script="Jpan" typeface="ＭＳ Ｐゴシック"/>
+        <a:font script="Hang" typeface="맑은 고딕"/>
+        <a:font script="Hans" typeface="宋体"/>
+        <a:font script="Hant" typeface="新細明體"/>
+        <a:font script="Arab" typeface="Times New Roman"/>
+        <a:font script="Hebr" typeface="Times New Roman"/>
+        <a:font script="Thai" typeface="Angsana New"/>
+        <a:font script="Ethi" typeface="Nyala"/>
+        <a:font script="Beng" typeface="Vrinda"/>
+        <a:font script="Gujr" typeface="Shruti"/>
+        <a:font script="Khmr" typeface="MoolBoran"/>
+        <a:font script="Knda" typeface="Tunga"/>
+        <a:font script="Guru" typeface="Raavi"/>
+        <a:font script="Cans" typeface="Euphemia"/>
+        <a:font script="Cher" typeface="Plantagenet Cherokee"/>
+        <a:font script="Yiii" typeface="Microsoft Yi Baiti"/>
+        <a:font script="Tibt" typeface="Microsoft Himalaya"/>
+        <a:font script="Thaa" typeface="MV Boli"/>
+        <a:font script="Deva" typeface="Mangal"/>
+        <a:font script="Telu" typeface="Gautami"/>
+        <a:font script="Taml" typeface="Latha"/>
+        <a:font script="Syrc" typeface="Estrangelo Edessa"/>
+        <a:font script="Orya" typeface="Kalinga"/>
+        <a:font script="Mlym" typeface="Kartika"/>
+        <a:font script="Laoo" typeface="DokChampa"/>
+        <a:font script="Sinh" typeface="Iskoola Pota"/>
+        <a:font script="Mong" typeface="Mongolian Baiti"/>
+        <a:font script="Viet" typeface="Times New Roman"/>
+        <a:font script="Uigh" typeface="Microsoft Uighur"/>
+        <a:font script="Geor" typeface="Sylfaen"/>
+      </a:majorFont>
+      <a:minorFont>
+        <a:latin typeface="Calibri"/>
+        <a:ea typeface=""/>
+        <a:cs typeface=""/>
+        <a:font script="Jpan" typeface="ＭＳ Ｐゴシック"/>
+        <a:font script="Hang" typeface="맑은 고딕"/>
+        <a:font script="Hans" typeface="宋体"/>
+        <a:font script="Hant" typeface="新細明體"/>
+        <a:font script="Arab" typeface="Arial"/>
+        <a:font script="Hebr" typeface="Arial"/>
+        <a:font script="Thai" typeface="Cordia New"/>
+        <a:font script="Ethi" typeface="Nyala"/>
+        <a:font script="Beng" typeface="Vrinda"/>
+        <a:font script="Gujr" typeface="Shruti"/>
+        <a:font script="Khmr" typeface="DaunPenh"/>
+        <a:font script="Knda" typeface="Tunga"/>
+        <a:font script="Guru" typeface="Raavi"/>
+        <a:font script="Cans" typeface="Euphemia"/>
+        <a:font script="Cher" typeface="Plantagenet Cherokee"/>
+        <a:font script="Yiii" typeface="Microsoft Yi Baiti"/>
+        <a:font script="Tibt" typeface="Microsoft Himalaya"/>
+        <a:font script="Thaa" typeface="MV Boli"/>
+        <a:font script="Deva" typeface="Mangal"/>
+        <a:font script="Telu" typeface="Gautami"/>
+        <a:font script="Taml" typeface="Latha"/>
+        <a:font script="Syrc" typeface="Estrangelo Edessa"/>
+        <a:font script="Orya" typeface="Kalinga"/>
+        <a:font script="Mlym" typeface="Kartika"/>
+        <a:font script="Laoo" typeface="DokChampa"/>
+        <a:font script="Sinh" typeface="Iskoola Pota"/>
+        <a:font script="Mong" typeface="Mongolian Baiti"/>
+        <a:font script="Viet" typeface="Arial"/>
+        <a:font script="Uigh" typeface="Microsoft Uighur"/>
+        <a:font script="Geor" typeface="Sylfaen"/>
+      </a:minorFont>
+    </a:fontScheme>
+    <a:fmtScheme name="Office">
+      <a:fillStyleLst>
+        <a:solidFill>
+          <a:schemeClr val="phClr"/>
+        </a:solidFill>
+        <a:gradFill rotWithShape="1">
+          <a:gsLst>
+            <a:gs pos="0">
+              <a:schemeClr val="phClr">
+                <a:tint val="50000"/>
+                <a:satMod val="300000"/>
+              </a:schemeClr>
+            </a:gs>
+            <a:gs pos="35000">
+              <a:schemeClr val="phClr">
+                <a:tint val="37000"/>
+                <a:satMod val="300000"/>
+              </a:schemeClr>
+            </a:gs>
+            <a:gs pos="100000">
+              <a:schemeClr val="phClr">
+                <a:tint val="15000"/>
+                <a:satMod val="350000"/>
+              </a:schemeClr>
+            </a:gs>
+          </a:gsLst>
+          <a:lin ang="16200000" scaled="1"/>
+        </a:gradFill>
+        <a:gradFill rotWithShape="1">
+          <a:gsLst>
+            <a:gs pos="0">
+              <a:schemeClr val="phClr">
+                <a:shade val="51000"/>
+                <a:satMod val="130000"/>
+              </a:schemeClr>
+            </a:gs>
+            <a:gs pos="80000">
+              <a:schemeClr val="phClr">
+                <a:shade val="93000"/>
+                <a:satMod val="130000"/>
+              </a:schemeClr>
+            </a:gs>
+            <a:gs pos="100000">
+              <a:schemeClr val="phClr">
+                <a:shade val="94000"/>
+                <a:satMod val="135000"/>
+              </a:schemeClr>
+            </a:gs>
+          </a:gsLst>
+          <a:lin ang="16200000" scaled="0"/>
+        </a:gradFill>
+      </a:fillStyleLst>
+      <a:lnStyleLst>
+        <a:ln w="9525" cap="flat" cmpd="sng" algn="ctr">
+          <a:solidFill>
+            <a:schemeClr val="phClr">
+              <a:shade val="95000"/>
+              <a:satMod val="105000"/>
+            </a:schemeClr>
+          </a:solidFill>
+          <a:prstDash val="solid"/>
+        </a:ln>
+        <a:ln w="25400" cap="flat" cmpd="sng" algn="ctr">
+          <a:solidFill>
+            <a:schemeClr val="phClr"/>
+          </a:solidFill>
+          <a:prstDash val="solid"/>
+        </a:ln>
+        <a:ln w="38100" cap="flat" cmpd="sng" algn="ctr">
+          <a:solidFill>
+            <a:schemeClr val="phClr"/>
+          </a:solidFill>
+          <a:prstDash val="solid"/>
+        </a:ln>
+      </a:lnStyleLst>
+      <a:effectStyleLst>
+        <a:effectStyle>
+          <a:effectLst>
+            <a:outerShdw blurRad="40000" dist="20000" dir="5400000" rotWithShape="0">
+              <a:srgbClr val="000000">
+                <a:alpha val="38000"/>
+              </a:srgbClr>
+            </a:outerShdw>
+          </a:effectLst>
+        </a:effectStyle>
+        <a:effectStyle>
+          <a:effectLst>
+            <a:outerShdw blurRad="40000" dist="23000" dir="5400000" rotWithShape="0">
+              <a:srgbClr val="000000">
+                <a:alpha val="35000"/>
+              </a:srgbClr>
+            </a:outerShdw>
+          </a:effectLst>
+        </a:effectStyle>
+        <a:effectStyle>
+          <a:effectLst>
+            <a:outerShdw blurRad="40000" dist="23000" dir="5400000" rotWithShape="0">
+              <a:srgbClr val="000000">
+                <a:alpha val="35000"/>
+              </a:srgbClr>
+            </a:outerShdw>
+          </a:effectLst>
+          <a:scene3d>
+            <a:camera prst="orthographicFront">
+              <a:rot lat="0" lon="0" rev="0"/>
+            </a:camera>
+            <a:lightRig rig="threePt" dir="t">
+              <a:rot lat="0" lon="0" rev="1200000"/>
+            </a:lightRig>
+          </a:scene3d>
+          <a:sp3d>
+            <a:bevelT w="63500" h="25400"/>
+          </a:sp3d>
+        </a:effectStyle>
+      </a:effectStyleLst>
+      <a:bgFillStyleLst>
+        <a:solidFill>
+          <a:schemeClr val="phClr"/>
+        </a:solidFill>
+        <a:gradFill rotWithShape="1">
+          <a:gsLst>
+            <a:gs pos="0">
+              <a:schemeClr val="phClr">
+                <a:tint val="40000"/>
+                <a:satMod val="350000"/>
+              </a:schemeClr>
+            </a:gs>
+            <a:gs pos="40000">
+              <a:schemeClr val="phClr">
+                <a:tint val="45000"/>
+                <a:shade val="99000"/>
+                <a:satMod val="350000"/>
+              </a:schemeClr>
+            </a:gs>
+            <a:gs pos="100000">
+              <a:schemeClr val="phClr">
+                <a:shade val="20000"/>
+                <a:satMod val="255000"/>
+              </a:schemeClr>
+            </a:gs>
+          </a:gsLst>
+          <a:path path="circle">
+            <a:fillToRect l="50000" t="-80000" r="50000" b="180000"/>
+          </a:path>
+        </a:gradFill>
+        <a:gradFill rotWithShape="1">
+          <a:gsLst>
+            <a:gs pos="0">
+              <a:schemeClr val="phClr">
+                <a:tint val="80000"/>
+                <a:satMod val="300000"/>
+              </a:schemeClr>
+            </a:gs>
+            <a:gs pos="100000">
+              <a:schemeClr val="phClr">
+                <a:shade val="30000"/>
+                <a:satMod val="200000"/>
+              </a:schemeClr>
+            </a:gs>
+          </a:gsLst>
+          <a:path path="circle">
+            <a:fillToRect l="50000" t="50000" r="50000" b="50000"/>
+          </a:path>
+        </a:gradFill>
+      </a:bgFillStyleLst>
+    </a:fmtScheme>
+  </a:themeElements>
+  <a:objectDefaults/>
+  <a:extraClrSchemeLst/>
+</a:theme>
 </file>